--- a/3.项目PPT/F-测试评审-Spark-Streaming-v1.0.pptx
+++ b/3.项目PPT/F-测试评审-Spark-Streaming-v1.0.pptx
@@ -5,19 +5,20 @@
     <p:sldMasterId id="2147484713" r:id="rId1"/>
   </p:sldMasterIdLst>
   <p:notesMasterIdLst>
-    <p:notesMasterId r:id="rId12"/>
+    <p:notesMasterId r:id="rId13"/>
   </p:notesMasterIdLst>
   <p:sldIdLst>
     <p:sldId id="256" r:id="rId2"/>
     <p:sldId id="257" r:id="rId3"/>
     <p:sldId id="268" r:id="rId4"/>
-    <p:sldId id="279" r:id="rId5"/>
-    <p:sldId id="280" r:id="rId6"/>
-    <p:sldId id="281" r:id="rId7"/>
-    <p:sldId id="283" r:id="rId8"/>
-    <p:sldId id="284" r:id="rId9"/>
-    <p:sldId id="285" r:id="rId10"/>
-    <p:sldId id="264" r:id="rId11"/>
+    <p:sldId id="286" r:id="rId5"/>
+    <p:sldId id="279" r:id="rId6"/>
+    <p:sldId id="280" r:id="rId7"/>
+    <p:sldId id="281" r:id="rId8"/>
+    <p:sldId id="283" r:id="rId9"/>
+    <p:sldId id="284" r:id="rId10"/>
+    <p:sldId id="285" r:id="rId11"/>
+    <p:sldId id="264" r:id="rId12"/>
   </p:sldIdLst>
   <p:sldSz cx="12192000" cy="6858000"/>
   <p:notesSz cx="6858000" cy="9144000"/>
@@ -980,11 +981,7 @@
           </a:r>
           <a:r>
             <a:rPr lang="zh-CN" altLang="en-US" dirty="0" smtClean="0"/>
-            <a:t>测试需求说明书的</a:t>
-          </a:r>
-          <a:r>
-            <a:rPr lang="zh-CN" altLang="en-US" dirty="0" smtClean="0"/>
-            <a:t>评审</a:t>
+            <a:t>测试需求说明书的评审</a:t>
           </a:r>
           <a:endParaRPr lang="zh-CN" altLang="en-US" dirty="0"/>
         </a:p>
@@ -1214,397 +1211,6 @@
       <dsp:cNvGrpSpPr/>
     </dsp:nvGrpSpPr>
     <dsp:grpSpPr/>
-    <dsp:sp modelId="{BF86A752-4FBF-4BA1-A891-70F746A422B8}">
-      <dsp:nvSpPr>
-        <dsp:cNvPr id="0" name=""/>
-        <dsp:cNvSpPr/>
-      </dsp:nvSpPr>
-      <dsp:spPr>
-        <a:xfrm>
-          <a:off x="0" y="496136"/>
-          <a:ext cx="8888248" cy="831600"/>
-        </a:xfrm>
-        <a:prstGeom prst="rect">
-          <a:avLst/>
-        </a:prstGeom>
-        <a:solidFill>
-          <a:schemeClr val="lt1">
-            <a:alpha val="90000"/>
-            <a:hueOff val="0"/>
-            <a:satOff val="0"/>
-            <a:lumOff val="0"/>
-            <a:alphaOff val="0"/>
-          </a:schemeClr>
-        </a:solidFill>
-        <a:ln w="15875" cap="rnd" cmpd="sng" algn="ctr">
-          <a:solidFill>
-            <a:schemeClr val="accent1">
-              <a:hueOff val="0"/>
-              <a:satOff val="0"/>
-              <a:lumOff val="0"/>
-              <a:alphaOff val="0"/>
-            </a:schemeClr>
-          </a:solidFill>
-          <a:prstDash val="solid"/>
-        </a:ln>
-        <a:effectLst/>
-      </dsp:spPr>
-      <dsp:style>
-        <a:lnRef idx="2">
-          <a:scrgbClr r="0" g="0" b="0"/>
-        </a:lnRef>
-        <a:fillRef idx="1">
-          <a:scrgbClr r="0" g="0" b="0"/>
-        </a:fillRef>
-        <a:effectRef idx="0">
-          <a:scrgbClr r="0" g="0" b="0"/>
-        </a:effectRef>
-        <a:fontRef idx="minor"/>
-      </dsp:style>
-    </dsp:sp>
-    <dsp:sp modelId="{18893CF1-5A83-494C-A6B8-F018AC1AAEF7}">
-      <dsp:nvSpPr>
-        <dsp:cNvPr id="0" name=""/>
-        <dsp:cNvSpPr/>
-      </dsp:nvSpPr>
-      <dsp:spPr>
-        <a:xfrm>
-          <a:off x="444412" y="9056"/>
-          <a:ext cx="6221773" cy="974160"/>
-        </a:xfrm>
-        <a:prstGeom prst="roundRect">
-          <a:avLst/>
-        </a:prstGeom>
-        <a:solidFill>
-          <a:schemeClr val="accent1">
-            <a:hueOff val="0"/>
-            <a:satOff val="0"/>
-            <a:lumOff val="0"/>
-            <a:alphaOff val="0"/>
-          </a:schemeClr>
-        </a:solidFill>
-        <a:ln w="15875" cap="rnd" cmpd="sng" algn="ctr">
-          <a:solidFill>
-            <a:schemeClr val="lt1">
-              <a:hueOff val="0"/>
-              <a:satOff val="0"/>
-              <a:lumOff val="0"/>
-              <a:alphaOff val="0"/>
-            </a:schemeClr>
-          </a:solidFill>
-          <a:prstDash val="solid"/>
-        </a:ln>
-        <a:effectLst/>
-      </dsp:spPr>
-      <dsp:style>
-        <a:lnRef idx="2">
-          <a:scrgbClr r="0" g="0" b="0"/>
-        </a:lnRef>
-        <a:fillRef idx="1">
-          <a:scrgbClr r="0" g="0" b="0"/>
-        </a:fillRef>
-        <a:effectRef idx="0">
-          <a:scrgbClr r="0" g="0" b="0"/>
-        </a:effectRef>
-        <a:fontRef idx="minor">
-          <a:schemeClr val="lt1"/>
-        </a:fontRef>
-      </dsp:style>
-      <dsp:txBody>
-        <a:bodyPr spcFirstLastPara="0" vert="horz" wrap="square" lIns="235168" tIns="0" rIns="235168" bIns="0" numCol="1" spcCol="1270" anchor="ctr" anchorCtr="0">
-          <a:noAutofit/>
-        </a:bodyPr>
-        <a:lstStyle/>
-        <a:p>
-          <a:pPr lvl="0" algn="l" defTabSz="1466850">
-            <a:lnSpc>
-              <a:spcPct val="90000"/>
-            </a:lnSpc>
-            <a:spcBef>
-              <a:spcPct val="0"/>
-            </a:spcBef>
-            <a:spcAft>
-              <a:spcPct val="35000"/>
-            </a:spcAft>
-          </a:pPr>
-          <a:r>
-            <a:rPr lang="en-US" altLang="zh-CN" sz="3300" kern="1200" dirty="0" smtClean="0"/>
-            <a:t>1.</a:t>
-          </a:r>
-          <a:r>
-            <a:rPr lang="zh-CN" altLang="en-US" sz="3300" kern="1200" dirty="0" smtClean="0"/>
-            <a:t>测试需求说明书修改</a:t>
-          </a:r>
-          <a:endParaRPr lang="zh-CN" altLang="en-US" sz="3300" kern="1200" dirty="0"/>
-        </a:p>
-      </dsp:txBody>
-      <dsp:txXfrm>
-        <a:off x="491967" y="56611"/>
-        <a:ext cx="6126663" cy="879050"/>
-      </dsp:txXfrm>
-    </dsp:sp>
-    <dsp:sp modelId="{45DC08EC-5F13-4F43-B11E-CABCF355A4D4}">
-      <dsp:nvSpPr>
-        <dsp:cNvPr id="0" name=""/>
-        <dsp:cNvSpPr/>
-      </dsp:nvSpPr>
-      <dsp:spPr>
-        <a:xfrm>
-          <a:off x="0" y="1993017"/>
-          <a:ext cx="8888248" cy="831600"/>
-        </a:xfrm>
-        <a:prstGeom prst="rect">
-          <a:avLst/>
-        </a:prstGeom>
-        <a:solidFill>
-          <a:schemeClr val="lt1">
-            <a:alpha val="90000"/>
-            <a:hueOff val="0"/>
-            <a:satOff val="0"/>
-            <a:lumOff val="0"/>
-            <a:alphaOff val="0"/>
-          </a:schemeClr>
-        </a:solidFill>
-        <a:ln w="15875" cap="rnd" cmpd="sng" algn="ctr">
-          <a:solidFill>
-            <a:schemeClr val="accent1">
-              <a:hueOff val="0"/>
-              <a:satOff val="0"/>
-              <a:lumOff val="0"/>
-              <a:alphaOff val="0"/>
-            </a:schemeClr>
-          </a:solidFill>
-          <a:prstDash val="solid"/>
-        </a:ln>
-        <a:effectLst/>
-      </dsp:spPr>
-      <dsp:style>
-        <a:lnRef idx="2">
-          <a:scrgbClr r="0" g="0" b="0"/>
-        </a:lnRef>
-        <a:fillRef idx="1">
-          <a:scrgbClr r="0" g="0" b="0"/>
-        </a:fillRef>
-        <a:effectRef idx="0">
-          <a:scrgbClr r="0" g="0" b="0"/>
-        </a:effectRef>
-        <a:fontRef idx="minor"/>
-      </dsp:style>
-    </dsp:sp>
-    <dsp:sp modelId="{0C298EA9-E32F-4B81-AC5C-239B618F76D1}">
-      <dsp:nvSpPr>
-        <dsp:cNvPr id="0" name=""/>
-        <dsp:cNvSpPr/>
-      </dsp:nvSpPr>
-      <dsp:spPr>
-        <a:xfrm>
-          <a:off x="444412" y="1505936"/>
-          <a:ext cx="6221773" cy="974160"/>
-        </a:xfrm>
-        <a:prstGeom prst="roundRect">
-          <a:avLst/>
-        </a:prstGeom>
-        <a:solidFill>
-          <a:schemeClr val="accent1">
-            <a:hueOff val="0"/>
-            <a:satOff val="0"/>
-            <a:lumOff val="0"/>
-            <a:alphaOff val="0"/>
-          </a:schemeClr>
-        </a:solidFill>
-        <a:ln w="15875" cap="rnd" cmpd="sng" algn="ctr">
-          <a:solidFill>
-            <a:schemeClr val="lt1">
-              <a:hueOff val="0"/>
-              <a:satOff val="0"/>
-              <a:lumOff val="0"/>
-              <a:alphaOff val="0"/>
-            </a:schemeClr>
-          </a:solidFill>
-          <a:prstDash val="solid"/>
-        </a:ln>
-        <a:effectLst/>
-      </dsp:spPr>
-      <dsp:style>
-        <a:lnRef idx="2">
-          <a:scrgbClr r="0" g="0" b="0"/>
-        </a:lnRef>
-        <a:fillRef idx="1">
-          <a:scrgbClr r="0" g="0" b="0"/>
-        </a:fillRef>
-        <a:effectRef idx="0">
-          <a:scrgbClr r="0" g="0" b="0"/>
-        </a:effectRef>
-        <a:fontRef idx="minor">
-          <a:schemeClr val="lt1"/>
-        </a:fontRef>
-      </dsp:style>
-      <dsp:txBody>
-        <a:bodyPr spcFirstLastPara="0" vert="horz" wrap="square" lIns="235168" tIns="0" rIns="235168" bIns="0" numCol="1" spcCol="1270" anchor="ctr" anchorCtr="0">
-          <a:noAutofit/>
-        </a:bodyPr>
-        <a:lstStyle/>
-        <a:p>
-          <a:pPr lvl="0" algn="l" defTabSz="1466850">
-            <a:lnSpc>
-              <a:spcPct val="90000"/>
-            </a:lnSpc>
-            <a:spcBef>
-              <a:spcPct val="0"/>
-            </a:spcBef>
-            <a:spcAft>
-              <a:spcPct val="35000"/>
-            </a:spcAft>
-          </a:pPr>
-          <a:r>
-            <a:rPr lang="en-US" altLang="zh-CN" sz="3300" kern="1200" dirty="0" smtClean="0"/>
-            <a:t>2.</a:t>
-          </a:r>
-          <a:r>
-            <a:rPr lang="zh-CN" altLang="en-US" sz="3300" kern="1200" dirty="0" smtClean="0"/>
-            <a:t>测试需求说明书的</a:t>
-          </a:r>
-          <a:r>
-            <a:rPr lang="zh-CN" altLang="en-US" sz="3300" kern="1200" dirty="0" smtClean="0"/>
-            <a:t>评审</a:t>
-          </a:r>
-          <a:endParaRPr lang="zh-CN" altLang="en-US" sz="3300" kern="1200" dirty="0"/>
-        </a:p>
-      </dsp:txBody>
-      <dsp:txXfrm>
-        <a:off x="491967" y="1553491"/>
-        <a:ext cx="6126663" cy="879050"/>
-      </dsp:txXfrm>
-    </dsp:sp>
-    <dsp:sp modelId="{74CA9208-68DF-4049-8DC6-16D6D8EF172F}">
-      <dsp:nvSpPr>
-        <dsp:cNvPr id="0" name=""/>
-        <dsp:cNvSpPr/>
-      </dsp:nvSpPr>
-      <dsp:spPr>
-        <a:xfrm>
-          <a:off x="0" y="3489897"/>
-          <a:ext cx="8888248" cy="831600"/>
-        </a:xfrm>
-        <a:prstGeom prst="rect">
-          <a:avLst/>
-        </a:prstGeom>
-        <a:solidFill>
-          <a:schemeClr val="lt1">
-            <a:alpha val="90000"/>
-            <a:hueOff val="0"/>
-            <a:satOff val="0"/>
-            <a:lumOff val="0"/>
-            <a:alphaOff val="0"/>
-          </a:schemeClr>
-        </a:solidFill>
-        <a:ln w="15875" cap="rnd" cmpd="sng" algn="ctr">
-          <a:solidFill>
-            <a:schemeClr val="accent1">
-              <a:hueOff val="0"/>
-              <a:satOff val="0"/>
-              <a:lumOff val="0"/>
-              <a:alphaOff val="0"/>
-            </a:schemeClr>
-          </a:solidFill>
-          <a:prstDash val="solid"/>
-        </a:ln>
-        <a:effectLst/>
-      </dsp:spPr>
-      <dsp:style>
-        <a:lnRef idx="2">
-          <a:scrgbClr r="0" g="0" b="0"/>
-        </a:lnRef>
-        <a:fillRef idx="1">
-          <a:scrgbClr r="0" g="0" b="0"/>
-        </a:fillRef>
-        <a:effectRef idx="0">
-          <a:scrgbClr r="0" g="0" b="0"/>
-        </a:effectRef>
-        <a:fontRef idx="minor"/>
-      </dsp:style>
-    </dsp:sp>
-    <dsp:sp modelId="{29A22E4E-A4D3-44EE-8F69-81AC7C798025}">
-      <dsp:nvSpPr>
-        <dsp:cNvPr id="0" name=""/>
-        <dsp:cNvSpPr/>
-      </dsp:nvSpPr>
-      <dsp:spPr>
-        <a:xfrm>
-          <a:off x="444412" y="3002817"/>
-          <a:ext cx="6221773" cy="974160"/>
-        </a:xfrm>
-        <a:prstGeom prst="roundRect">
-          <a:avLst/>
-        </a:prstGeom>
-        <a:solidFill>
-          <a:schemeClr val="accent1">
-            <a:hueOff val="0"/>
-            <a:satOff val="0"/>
-            <a:lumOff val="0"/>
-            <a:alphaOff val="0"/>
-          </a:schemeClr>
-        </a:solidFill>
-        <a:ln w="15875" cap="rnd" cmpd="sng" algn="ctr">
-          <a:solidFill>
-            <a:schemeClr val="lt1">
-              <a:hueOff val="0"/>
-              <a:satOff val="0"/>
-              <a:lumOff val="0"/>
-              <a:alphaOff val="0"/>
-            </a:schemeClr>
-          </a:solidFill>
-          <a:prstDash val="solid"/>
-        </a:ln>
-        <a:effectLst/>
-      </dsp:spPr>
-      <dsp:style>
-        <a:lnRef idx="2">
-          <a:scrgbClr r="0" g="0" b="0"/>
-        </a:lnRef>
-        <a:fillRef idx="1">
-          <a:scrgbClr r="0" g="0" b="0"/>
-        </a:fillRef>
-        <a:effectRef idx="0">
-          <a:scrgbClr r="0" g="0" b="0"/>
-        </a:effectRef>
-        <a:fontRef idx="minor">
-          <a:schemeClr val="lt1"/>
-        </a:fontRef>
-      </dsp:style>
-      <dsp:txBody>
-        <a:bodyPr spcFirstLastPara="0" vert="horz" wrap="square" lIns="235168" tIns="0" rIns="235168" bIns="0" numCol="1" spcCol="1270" anchor="ctr" anchorCtr="0">
-          <a:noAutofit/>
-        </a:bodyPr>
-        <a:lstStyle/>
-        <a:p>
-          <a:pPr lvl="0" algn="l" defTabSz="1466850">
-            <a:lnSpc>
-              <a:spcPct val="90000"/>
-            </a:lnSpc>
-            <a:spcBef>
-              <a:spcPct val="0"/>
-            </a:spcBef>
-            <a:spcAft>
-              <a:spcPct val="35000"/>
-            </a:spcAft>
-          </a:pPr>
-          <a:r>
-            <a:rPr lang="en-US" altLang="zh-CN" sz="3300" kern="1200" dirty="0" smtClean="0"/>
-            <a:t>3.</a:t>
-          </a:r>
-          <a:r>
-            <a:rPr lang="zh-CN" altLang="en-US" sz="3300" kern="1200" dirty="0" smtClean="0"/>
-            <a:t>软件测试</a:t>
-          </a:r>
-          <a:endParaRPr lang="zh-CN" altLang="en-US" sz="3300" kern="1200" dirty="0"/>
-        </a:p>
-      </dsp:txBody>
-      <dsp:txXfrm>
-        <a:off x="491967" y="3050372"/>
-        <a:ext cx="6126663" cy="879050"/>
-      </dsp:txXfrm>
-    </dsp:sp>
   </dsp:spTree>
 </dsp:drawing>
 </file>
@@ -10941,6 +10547,390 @@
       </p:grpSpPr>
       <p:sp>
         <p:nvSpPr>
+          <p:cNvPr id="9" name="内容占位符 2"/>
+          <p:cNvSpPr txBox="1">
+            <a:spLocks/>
+          </p:cNvSpPr>
+          <p:nvPr/>
+        </p:nvSpPr>
+        <p:spPr>
+          <a:xfrm>
+            <a:off x="1526125" y="1647701"/>
+            <a:ext cx="8915400" cy="4992915"/>
+          </a:xfrm>
+          <a:prstGeom prst="rect">
+            <a:avLst/>
+          </a:prstGeom>
+        </p:spPr>
+        <p:txBody>
+          <a:bodyPr vert="horz" lIns="91440" tIns="45720" rIns="91440" bIns="45720" rtlCol="0">
+            <a:normAutofit/>
+          </a:bodyPr>
+          <a:lstStyle>
+            <a:lvl1pPr marL="342900" indent="-342900" algn="l" defTabSz="457200" rtl="0" eaLnBrk="1" latinLnBrk="0" hangingPunct="1">
+              <a:spcBef>
+                <a:spcPts val="1000"/>
+              </a:spcBef>
+              <a:spcAft>
+                <a:spcPts val="0"/>
+              </a:spcAft>
+              <a:buClr>
+                <a:schemeClr val="accent1"/>
+              </a:buClr>
+              <a:buFont typeface="Wingdings 3" charset="2"/>
+              <a:buChar char=""/>
+              <a:defRPr sz="1800" kern="1200">
+                <a:solidFill>
+                  <a:schemeClr val="tx1">
+                    <a:lumMod val="75000"/>
+                    <a:lumOff val="25000"/>
+                  </a:schemeClr>
+                </a:solidFill>
+                <a:latin typeface="+mn-lt"/>
+                <a:ea typeface="+mn-ea"/>
+                <a:cs typeface="+mn-cs"/>
+              </a:defRPr>
+            </a:lvl1pPr>
+            <a:lvl2pPr marL="742950" indent="-285750" algn="l" defTabSz="457200" rtl="0" eaLnBrk="1" latinLnBrk="0" hangingPunct="1">
+              <a:spcBef>
+                <a:spcPts val="1000"/>
+              </a:spcBef>
+              <a:spcAft>
+                <a:spcPts val="0"/>
+              </a:spcAft>
+              <a:buClr>
+                <a:schemeClr val="accent1"/>
+              </a:buClr>
+              <a:buFont typeface="Wingdings 3" charset="2"/>
+              <a:buChar char=""/>
+              <a:defRPr sz="1600" kern="1200">
+                <a:solidFill>
+                  <a:schemeClr val="tx1">
+                    <a:lumMod val="75000"/>
+                    <a:lumOff val="25000"/>
+                  </a:schemeClr>
+                </a:solidFill>
+                <a:latin typeface="+mn-lt"/>
+                <a:ea typeface="+mn-ea"/>
+                <a:cs typeface="+mn-cs"/>
+              </a:defRPr>
+            </a:lvl2pPr>
+            <a:lvl3pPr marL="1143000" indent="-228600" algn="l" defTabSz="457200" rtl="0" eaLnBrk="1" latinLnBrk="0" hangingPunct="1">
+              <a:spcBef>
+                <a:spcPts val="1000"/>
+              </a:spcBef>
+              <a:spcAft>
+                <a:spcPts val="0"/>
+              </a:spcAft>
+              <a:buClr>
+                <a:schemeClr val="accent1"/>
+              </a:buClr>
+              <a:buFont typeface="Wingdings 3" charset="2"/>
+              <a:buChar char=""/>
+              <a:defRPr sz="1400" kern="1200">
+                <a:solidFill>
+                  <a:schemeClr val="tx1">
+                    <a:lumMod val="75000"/>
+                    <a:lumOff val="25000"/>
+                  </a:schemeClr>
+                </a:solidFill>
+                <a:latin typeface="+mn-lt"/>
+                <a:ea typeface="+mn-ea"/>
+                <a:cs typeface="+mn-cs"/>
+              </a:defRPr>
+            </a:lvl3pPr>
+            <a:lvl4pPr marL="1600200" indent="-228600" algn="l" defTabSz="457200" rtl="0" eaLnBrk="1" latinLnBrk="0" hangingPunct="1">
+              <a:spcBef>
+                <a:spcPts val="1000"/>
+              </a:spcBef>
+              <a:spcAft>
+                <a:spcPts val="0"/>
+              </a:spcAft>
+              <a:buClr>
+                <a:schemeClr val="accent1"/>
+              </a:buClr>
+              <a:buFont typeface="Wingdings 3" charset="2"/>
+              <a:buChar char=""/>
+              <a:defRPr sz="1200" kern="1200">
+                <a:solidFill>
+                  <a:schemeClr val="tx1">
+                    <a:lumMod val="75000"/>
+                    <a:lumOff val="25000"/>
+                  </a:schemeClr>
+                </a:solidFill>
+                <a:latin typeface="+mn-lt"/>
+                <a:ea typeface="+mn-ea"/>
+                <a:cs typeface="+mn-cs"/>
+              </a:defRPr>
+            </a:lvl4pPr>
+            <a:lvl5pPr marL="2057400" indent="-228600" algn="l" defTabSz="457200" rtl="0" eaLnBrk="1" latinLnBrk="0" hangingPunct="1">
+              <a:spcBef>
+                <a:spcPts val="1000"/>
+              </a:spcBef>
+              <a:spcAft>
+                <a:spcPts val="0"/>
+              </a:spcAft>
+              <a:buClr>
+                <a:schemeClr val="accent1"/>
+              </a:buClr>
+              <a:buFont typeface="Wingdings 3" charset="2"/>
+              <a:buChar char=""/>
+              <a:defRPr sz="1200" kern="1200">
+                <a:solidFill>
+                  <a:schemeClr val="tx1">
+                    <a:lumMod val="75000"/>
+                    <a:lumOff val="25000"/>
+                  </a:schemeClr>
+                </a:solidFill>
+                <a:latin typeface="+mn-lt"/>
+                <a:ea typeface="+mn-ea"/>
+                <a:cs typeface="+mn-cs"/>
+              </a:defRPr>
+            </a:lvl5pPr>
+            <a:lvl6pPr marL="2514600" indent="-228600" algn="l" defTabSz="457200" rtl="0" eaLnBrk="1" latinLnBrk="0" hangingPunct="1">
+              <a:spcBef>
+                <a:spcPts val="1000"/>
+              </a:spcBef>
+              <a:spcAft>
+                <a:spcPts val="0"/>
+              </a:spcAft>
+              <a:buClr>
+                <a:schemeClr val="accent1"/>
+              </a:buClr>
+              <a:buFont typeface="Wingdings 3" charset="2"/>
+              <a:buChar char=""/>
+              <a:defRPr sz="1200" kern="1200">
+                <a:solidFill>
+                  <a:schemeClr val="tx1">
+                    <a:lumMod val="75000"/>
+                    <a:lumOff val="25000"/>
+                  </a:schemeClr>
+                </a:solidFill>
+                <a:latin typeface="+mn-lt"/>
+                <a:ea typeface="+mn-ea"/>
+                <a:cs typeface="+mn-cs"/>
+              </a:defRPr>
+            </a:lvl6pPr>
+            <a:lvl7pPr marL="2971800" indent="-228600" algn="l" defTabSz="457200" rtl="0" eaLnBrk="1" latinLnBrk="0" hangingPunct="1">
+              <a:spcBef>
+                <a:spcPts val="1000"/>
+              </a:spcBef>
+              <a:spcAft>
+                <a:spcPts val="0"/>
+              </a:spcAft>
+              <a:buClr>
+                <a:schemeClr val="accent1"/>
+              </a:buClr>
+              <a:buFont typeface="Wingdings 3" charset="2"/>
+              <a:buChar char=""/>
+              <a:defRPr sz="1200" kern="1200">
+                <a:solidFill>
+                  <a:schemeClr val="tx1">
+                    <a:lumMod val="75000"/>
+                    <a:lumOff val="25000"/>
+                  </a:schemeClr>
+                </a:solidFill>
+                <a:latin typeface="+mn-lt"/>
+                <a:ea typeface="+mn-ea"/>
+                <a:cs typeface="+mn-cs"/>
+              </a:defRPr>
+            </a:lvl7pPr>
+            <a:lvl8pPr marL="3429000" indent="-228600" algn="l" defTabSz="457200" rtl="0" eaLnBrk="1" latinLnBrk="0" hangingPunct="1">
+              <a:spcBef>
+                <a:spcPts val="1000"/>
+              </a:spcBef>
+              <a:spcAft>
+                <a:spcPts val="0"/>
+              </a:spcAft>
+              <a:buClr>
+                <a:schemeClr val="accent1"/>
+              </a:buClr>
+              <a:buFont typeface="Wingdings 3" charset="2"/>
+              <a:buChar char=""/>
+              <a:defRPr sz="1200" kern="1200">
+                <a:solidFill>
+                  <a:schemeClr val="tx1">
+                    <a:lumMod val="75000"/>
+                    <a:lumOff val="25000"/>
+                  </a:schemeClr>
+                </a:solidFill>
+                <a:latin typeface="+mn-lt"/>
+                <a:ea typeface="+mn-ea"/>
+                <a:cs typeface="+mn-cs"/>
+              </a:defRPr>
+            </a:lvl8pPr>
+            <a:lvl9pPr marL="3886200" indent="-228600" algn="l" defTabSz="457200" rtl="0" eaLnBrk="1" latinLnBrk="0" hangingPunct="1">
+              <a:spcBef>
+                <a:spcPts val="1000"/>
+              </a:spcBef>
+              <a:spcAft>
+                <a:spcPts val="0"/>
+              </a:spcAft>
+              <a:buClr>
+                <a:schemeClr val="accent1"/>
+              </a:buClr>
+              <a:buFont typeface="Wingdings 3" charset="2"/>
+              <a:buChar char=""/>
+              <a:defRPr sz="1200" kern="1200">
+                <a:solidFill>
+                  <a:schemeClr val="tx1">
+                    <a:lumMod val="75000"/>
+                    <a:lumOff val="25000"/>
+                  </a:schemeClr>
+                </a:solidFill>
+                <a:latin typeface="+mn-lt"/>
+                <a:ea typeface="+mn-ea"/>
+                <a:cs typeface="+mn-cs"/>
+              </a:defRPr>
+            </a:lvl9pPr>
+          </a:lstStyle>
+          <a:p>
+            <a:r>
+              <a:rPr lang="zh-CN" altLang="en-US" dirty="0" smtClean="0"/>
+              <a:t>软件测试</a:t>
+            </a:r>
+            <a:endParaRPr lang="en-US" altLang="zh-CN" dirty="0" smtClean="0"/>
+          </a:p>
+          <a:p>
+            <a:pPr lvl="1"/>
+            <a:endParaRPr lang="en-US" altLang="zh-CN" dirty="0" smtClean="0"/>
+          </a:p>
+          <a:p>
+            <a:pPr lvl="1"/>
+            <a:endParaRPr lang="en-US" altLang="zh-CN" dirty="0" smtClean="0"/>
+          </a:p>
+        </p:txBody>
+      </p:sp>
+      <p:sp>
+        <p:nvSpPr>
+          <p:cNvPr id="2" name="标题 1"/>
+          <p:cNvSpPr>
+            <a:spLocks noGrp="1"/>
+          </p:cNvSpPr>
+          <p:nvPr>
+            <p:ph type="title"/>
+          </p:nvPr>
+        </p:nvSpPr>
+        <p:spPr>
+          <a:xfrm>
+            <a:off x="1526125" y="602339"/>
+            <a:ext cx="8911687" cy="686134"/>
+          </a:xfrm>
+        </p:spPr>
+        <p:txBody>
+          <a:bodyPr/>
+          <a:lstStyle/>
+          <a:p>
+            <a:r>
+              <a:rPr lang="zh-CN" altLang="en-US" dirty="0" smtClean="0"/>
+              <a:t>软件测试</a:t>
+            </a:r>
+            <a:endParaRPr lang="zh-CN" altLang="en-US" dirty="0"/>
+          </a:p>
+        </p:txBody>
+      </p:sp>
+      <p:sp>
+        <p:nvSpPr>
+          <p:cNvPr id="4" name="Rectangle 2"/>
+          <p:cNvSpPr>
+            <a:spLocks noChangeArrowheads="1"/>
+          </p:cNvSpPr>
+          <p:nvPr/>
+        </p:nvSpPr>
+        <p:spPr bwMode="auto">
+          <a:xfrm>
+            <a:off x="5160962" y="1763485"/>
+            <a:ext cx="12192000" cy="0"/>
+          </a:xfrm>
+          <a:prstGeom prst="rect">
+            <a:avLst/>
+          </a:prstGeom>
+          <a:noFill/>
+          <a:ln>
+            <a:noFill/>
+          </a:ln>
+          <a:effectLst/>
+          <a:extLst>
+            <a:ext uri="{909E8E84-426E-40DD-AFC4-6F175D3DCCD1}">
+              <a14:hiddenFill xmlns:a14="http://schemas.microsoft.com/office/drawing/2010/main">
+                <a:solidFill>
+                  <a:schemeClr val="accent1"/>
+                </a:solidFill>
+              </a14:hiddenFill>
+            </a:ext>
+            <a:ext uri="{91240B29-F687-4F45-9708-019B960494DF}">
+              <a14:hiddenLine xmlns:a14="http://schemas.microsoft.com/office/drawing/2010/main" w="9525">
+                <a:solidFill>
+                  <a:schemeClr val="tx1"/>
+                </a:solidFill>
+                <a:miter lim="800000"/>
+                <a:headEnd/>
+                <a:tailEnd/>
+              </a14:hiddenLine>
+            </a:ext>
+            <a:ext uri="{AF507438-7753-43E0-B8FC-AC1667EBCBE1}">
+              <a14:hiddenEffects xmlns:a14="http://schemas.microsoft.com/office/drawing/2010/main">
+                <a:effectLst>
+                  <a:outerShdw dist="35921" dir="2700000" algn="ctr" rotWithShape="0">
+                    <a:schemeClr val="bg2"/>
+                  </a:outerShdw>
+                </a:effectLst>
+              </a14:hiddenEffects>
+            </a:ext>
+          </a:extLst>
+        </p:spPr>
+        <p:txBody>
+          <a:bodyPr vert="horz" wrap="square" lIns="91440" tIns="45720" rIns="91440" bIns="45720" numCol="1" anchor="ctr" anchorCtr="0" compatLnSpc="1">
+            <a:prstTxWarp prst="textNoShape">
+              <a:avLst/>
+            </a:prstTxWarp>
+            <a:spAutoFit/>
+          </a:bodyPr>
+          <a:lstStyle/>
+          <a:p>
+            <a:endParaRPr lang="zh-CN" altLang="en-US"/>
+          </a:p>
+        </p:txBody>
+      </p:sp>
+    </p:spTree>
+    <p:extLst>
+      <p:ext uri="{BB962C8B-B14F-4D97-AF65-F5344CB8AC3E}">
+        <p14:creationId xmlns:p14="http://schemas.microsoft.com/office/powerpoint/2010/main" val="1040518028"/>
+      </p:ext>
+    </p:extLst>
+  </p:cSld>
+  <p:clrMapOvr>
+    <a:masterClrMapping/>
+  </p:clrMapOvr>
+  <p:timing>
+    <p:tnLst>
+      <p:par>
+        <p:cTn id="1" dur="indefinite" restart="never" nodeType="tmRoot"/>
+      </p:par>
+    </p:tnLst>
+  </p:timing>
+</p:sld>
+</file>
+
+<file path=ppt/slides/slide11.xml><?xml version="1.0" encoding="utf-8"?>
+<p:sld xmlns:a="http://schemas.openxmlformats.org/drawingml/2006/main" xmlns:r="http://schemas.openxmlformats.org/officeDocument/2006/relationships" xmlns:p="http://schemas.openxmlformats.org/presentationml/2006/main">
+  <p:cSld>
+    <p:spTree>
+      <p:nvGrpSpPr>
+        <p:cNvPr id="1" name=""/>
+        <p:cNvGrpSpPr/>
+        <p:nvPr/>
+      </p:nvGrpSpPr>
+      <p:grpSpPr>
+        <a:xfrm>
+          <a:off x="0" y="0"/>
+          <a:ext cx="0" cy="0"/>
+          <a:chOff x="0" y="0"/>
+          <a:chExt cx="0" cy="0"/>
+        </a:xfrm>
+      </p:grpSpPr>
+      <p:sp>
+        <p:nvSpPr>
           <p:cNvPr id="4" name="矩形 3"/>
           <p:cNvSpPr/>
           <p:nvPr/>
@@ -11362,7 +11352,6 @@
               <a:rPr lang="en-US" altLang="zh-CN" dirty="0" smtClean="0"/>
               <a:t>       </a:t>
             </a:r>
-            <a:endParaRPr lang="en-US" altLang="zh-CN" dirty="0" smtClean="0"/>
           </a:p>
         </p:txBody>
       </p:sp>
@@ -17721,6 +17710,5696 @@
         </p:nvSpPr>
         <p:spPr>
           <a:xfrm>
+            <a:off x="1573212" y="1414234"/>
+            <a:ext cx="8915400" cy="4992915"/>
+          </a:xfrm>
+          <a:prstGeom prst="rect">
+            <a:avLst/>
+          </a:prstGeom>
+        </p:spPr>
+        <p:txBody>
+          <a:bodyPr vert="horz" lIns="91440" tIns="45720" rIns="91440" bIns="45720" rtlCol="0">
+            <a:normAutofit/>
+          </a:bodyPr>
+          <a:lstStyle>
+            <a:lvl1pPr marL="342900" indent="-342900" algn="l" defTabSz="457200" rtl="0" eaLnBrk="1" latinLnBrk="0" hangingPunct="1">
+              <a:spcBef>
+                <a:spcPts val="1000"/>
+              </a:spcBef>
+              <a:spcAft>
+                <a:spcPts val="0"/>
+              </a:spcAft>
+              <a:buClr>
+                <a:schemeClr val="accent1"/>
+              </a:buClr>
+              <a:buFont typeface="Wingdings 3" charset="2"/>
+              <a:buChar char=""/>
+              <a:defRPr sz="1800" kern="1200">
+                <a:solidFill>
+                  <a:schemeClr val="tx1">
+                    <a:lumMod val="75000"/>
+                    <a:lumOff val="25000"/>
+                  </a:schemeClr>
+                </a:solidFill>
+                <a:latin typeface="+mn-lt"/>
+                <a:ea typeface="+mn-ea"/>
+                <a:cs typeface="+mn-cs"/>
+              </a:defRPr>
+            </a:lvl1pPr>
+            <a:lvl2pPr marL="742950" indent="-285750" algn="l" defTabSz="457200" rtl="0" eaLnBrk="1" latinLnBrk="0" hangingPunct="1">
+              <a:spcBef>
+                <a:spcPts val="1000"/>
+              </a:spcBef>
+              <a:spcAft>
+                <a:spcPts val="0"/>
+              </a:spcAft>
+              <a:buClr>
+                <a:schemeClr val="accent1"/>
+              </a:buClr>
+              <a:buFont typeface="Wingdings 3" charset="2"/>
+              <a:buChar char=""/>
+              <a:defRPr sz="1600" kern="1200">
+                <a:solidFill>
+                  <a:schemeClr val="tx1">
+                    <a:lumMod val="75000"/>
+                    <a:lumOff val="25000"/>
+                  </a:schemeClr>
+                </a:solidFill>
+                <a:latin typeface="+mn-lt"/>
+                <a:ea typeface="+mn-ea"/>
+                <a:cs typeface="+mn-cs"/>
+              </a:defRPr>
+            </a:lvl2pPr>
+            <a:lvl3pPr marL="1143000" indent="-228600" algn="l" defTabSz="457200" rtl="0" eaLnBrk="1" latinLnBrk="0" hangingPunct="1">
+              <a:spcBef>
+                <a:spcPts val="1000"/>
+              </a:spcBef>
+              <a:spcAft>
+                <a:spcPts val="0"/>
+              </a:spcAft>
+              <a:buClr>
+                <a:schemeClr val="accent1"/>
+              </a:buClr>
+              <a:buFont typeface="Wingdings 3" charset="2"/>
+              <a:buChar char=""/>
+              <a:defRPr sz="1400" kern="1200">
+                <a:solidFill>
+                  <a:schemeClr val="tx1">
+                    <a:lumMod val="75000"/>
+                    <a:lumOff val="25000"/>
+                  </a:schemeClr>
+                </a:solidFill>
+                <a:latin typeface="+mn-lt"/>
+                <a:ea typeface="+mn-ea"/>
+                <a:cs typeface="+mn-cs"/>
+              </a:defRPr>
+            </a:lvl3pPr>
+            <a:lvl4pPr marL="1600200" indent="-228600" algn="l" defTabSz="457200" rtl="0" eaLnBrk="1" latinLnBrk="0" hangingPunct="1">
+              <a:spcBef>
+                <a:spcPts val="1000"/>
+              </a:spcBef>
+              <a:spcAft>
+                <a:spcPts val="0"/>
+              </a:spcAft>
+              <a:buClr>
+                <a:schemeClr val="accent1"/>
+              </a:buClr>
+              <a:buFont typeface="Wingdings 3" charset="2"/>
+              <a:buChar char=""/>
+              <a:defRPr sz="1200" kern="1200">
+                <a:solidFill>
+                  <a:schemeClr val="tx1">
+                    <a:lumMod val="75000"/>
+                    <a:lumOff val="25000"/>
+                  </a:schemeClr>
+                </a:solidFill>
+                <a:latin typeface="+mn-lt"/>
+                <a:ea typeface="+mn-ea"/>
+                <a:cs typeface="+mn-cs"/>
+              </a:defRPr>
+            </a:lvl4pPr>
+            <a:lvl5pPr marL="2057400" indent="-228600" algn="l" defTabSz="457200" rtl="0" eaLnBrk="1" latinLnBrk="0" hangingPunct="1">
+              <a:spcBef>
+                <a:spcPts val="1000"/>
+              </a:spcBef>
+              <a:spcAft>
+                <a:spcPts val="0"/>
+              </a:spcAft>
+              <a:buClr>
+                <a:schemeClr val="accent1"/>
+              </a:buClr>
+              <a:buFont typeface="Wingdings 3" charset="2"/>
+              <a:buChar char=""/>
+              <a:defRPr sz="1200" kern="1200">
+                <a:solidFill>
+                  <a:schemeClr val="tx1">
+                    <a:lumMod val="75000"/>
+                    <a:lumOff val="25000"/>
+                  </a:schemeClr>
+                </a:solidFill>
+                <a:latin typeface="+mn-lt"/>
+                <a:ea typeface="+mn-ea"/>
+                <a:cs typeface="+mn-cs"/>
+              </a:defRPr>
+            </a:lvl5pPr>
+            <a:lvl6pPr marL="2514600" indent="-228600" algn="l" defTabSz="457200" rtl="0" eaLnBrk="1" latinLnBrk="0" hangingPunct="1">
+              <a:spcBef>
+                <a:spcPts val="1000"/>
+              </a:spcBef>
+              <a:spcAft>
+                <a:spcPts val="0"/>
+              </a:spcAft>
+              <a:buClr>
+                <a:schemeClr val="accent1"/>
+              </a:buClr>
+              <a:buFont typeface="Wingdings 3" charset="2"/>
+              <a:buChar char=""/>
+              <a:defRPr sz="1200" kern="1200">
+                <a:solidFill>
+                  <a:schemeClr val="tx1">
+                    <a:lumMod val="75000"/>
+                    <a:lumOff val="25000"/>
+                  </a:schemeClr>
+                </a:solidFill>
+                <a:latin typeface="+mn-lt"/>
+                <a:ea typeface="+mn-ea"/>
+                <a:cs typeface="+mn-cs"/>
+              </a:defRPr>
+            </a:lvl6pPr>
+            <a:lvl7pPr marL="2971800" indent="-228600" algn="l" defTabSz="457200" rtl="0" eaLnBrk="1" latinLnBrk="0" hangingPunct="1">
+              <a:spcBef>
+                <a:spcPts val="1000"/>
+              </a:spcBef>
+              <a:spcAft>
+                <a:spcPts val="0"/>
+              </a:spcAft>
+              <a:buClr>
+                <a:schemeClr val="accent1"/>
+              </a:buClr>
+              <a:buFont typeface="Wingdings 3" charset="2"/>
+              <a:buChar char=""/>
+              <a:defRPr sz="1200" kern="1200">
+                <a:solidFill>
+                  <a:schemeClr val="tx1">
+                    <a:lumMod val="75000"/>
+                    <a:lumOff val="25000"/>
+                  </a:schemeClr>
+                </a:solidFill>
+                <a:latin typeface="+mn-lt"/>
+                <a:ea typeface="+mn-ea"/>
+                <a:cs typeface="+mn-cs"/>
+              </a:defRPr>
+            </a:lvl7pPr>
+            <a:lvl8pPr marL="3429000" indent="-228600" algn="l" defTabSz="457200" rtl="0" eaLnBrk="1" latinLnBrk="0" hangingPunct="1">
+              <a:spcBef>
+                <a:spcPts val="1000"/>
+              </a:spcBef>
+              <a:spcAft>
+                <a:spcPts val="0"/>
+              </a:spcAft>
+              <a:buClr>
+                <a:schemeClr val="accent1"/>
+              </a:buClr>
+              <a:buFont typeface="Wingdings 3" charset="2"/>
+              <a:buChar char=""/>
+              <a:defRPr sz="1200" kern="1200">
+                <a:solidFill>
+                  <a:schemeClr val="tx1">
+                    <a:lumMod val="75000"/>
+                    <a:lumOff val="25000"/>
+                  </a:schemeClr>
+                </a:solidFill>
+                <a:latin typeface="+mn-lt"/>
+                <a:ea typeface="+mn-ea"/>
+                <a:cs typeface="+mn-cs"/>
+              </a:defRPr>
+            </a:lvl8pPr>
+            <a:lvl9pPr marL="3886200" indent="-228600" algn="l" defTabSz="457200" rtl="0" eaLnBrk="1" latinLnBrk="0" hangingPunct="1">
+              <a:spcBef>
+                <a:spcPts val="1000"/>
+              </a:spcBef>
+              <a:spcAft>
+                <a:spcPts val="0"/>
+              </a:spcAft>
+              <a:buClr>
+                <a:schemeClr val="accent1"/>
+              </a:buClr>
+              <a:buFont typeface="Wingdings 3" charset="2"/>
+              <a:buChar char=""/>
+              <a:defRPr sz="1200" kern="1200">
+                <a:solidFill>
+                  <a:schemeClr val="tx1">
+                    <a:lumMod val="75000"/>
+                    <a:lumOff val="25000"/>
+                  </a:schemeClr>
+                </a:solidFill>
+                <a:latin typeface="+mn-lt"/>
+                <a:ea typeface="+mn-ea"/>
+                <a:cs typeface="+mn-cs"/>
+              </a:defRPr>
+            </a:lvl9pPr>
+          </a:lstStyle>
+          <a:p>
+            <a:r>
+              <a:rPr lang="zh-CN" altLang="en-US" sz="2000" dirty="0" smtClean="0"/>
+              <a:t>批处理时间</a:t>
+            </a:r>
+            <a:endParaRPr lang="en-US" altLang="zh-CN" sz="2000" dirty="0" smtClean="0"/>
+          </a:p>
+          <a:p>
+            <a:r>
+              <a:rPr lang="zh-CN" altLang="en-US" sz="2000" dirty="0" smtClean="0"/>
+              <a:t>并行化程度</a:t>
+            </a:r>
+            <a:endParaRPr lang="en-US" altLang="zh-CN" sz="2000" dirty="0" smtClean="0"/>
+          </a:p>
+          <a:p>
+            <a:r>
+              <a:rPr lang="zh-CN" altLang="en-US" sz="2000" dirty="0" smtClean="0"/>
+              <a:t>删除过期数据</a:t>
+            </a:r>
+            <a:endParaRPr lang="en-US" altLang="zh-CN" sz="2000" dirty="0" smtClean="0"/>
+          </a:p>
+          <a:p>
+            <a:endParaRPr lang="en-US" altLang="zh-CN" sz="2000" dirty="0" smtClean="0"/>
+          </a:p>
+          <a:p>
+            <a:pPr marL="457200" lvl="1" indent="0">
+              <a:buFont typeface="Wingdings 3" charset="2"/>
+              <a:buNone/>
+            </a:pPr>
+            <a:r>
+              <a:rPr lang="en-US" altLang="zh-CN" dirty="0" smtClean="0"/>
+              <a:t>       </a:t>
+            </a:r>
+            <a:endParaRPr lang="en-US" altLang="zh-CN" dirty="0" smtClean="0"/>
+          </a:p>
+        </p:txBody>
+      </p:sp>
+      <p:sp>
+        <p:nvSpPr>
+          <p:cNvPr id="2" name="标题 1"/>
+          <p:cNvSpPr>
+            <a:spLocks noGrp="1"/>
+          </p:cNvSpPr>
+          <p:nvPr>
+            <p:ph type="title"/>
+          </p:nvPr>
+        </p:nvSpPr>
+        <p:spPr>
+          <a:xfrm>
+            <a:off x="1526125" y="602339"/>
+            <a:ext cx="8911687" cy="627747"/>
+          </a:xfrm>
+        </p:spPr>
+        <p:txBody>
+          <a:bodyPr>
+            <a:normAutofit fontScale="90000"/>
+          </a:bodyPr>
+          <a:lstStyle/>
+          <a:p>
+            <a:r>
+              <a:rPr lang="zh-CN" altLang="en-US" dirty="0" smtClean="0"/>
+              <a:t>修改测试需求说明书</a:t>
+            </a:r>
+            <a:r>
+              <a:rPr lang="en-US" altLang="zh-CN" dirty="0" smtClean="0"/>
+              <a:t>——</a:t>
+            </a:r>
+            <a:r>
+              <a:rPr lang="zh-CN" altLang="en-US" dirty="0" smtClean="0"/>
+              <a:t>性能调优</a:t>
+            </a:r>
+            <a:endParaRPr lang="zh-CN" altLang="en-US" dirty="0"/>
+          </a:p>
+        </p:txBody>
+      </p:sp>
+      <p:sp>
+        <p:nvSpPr>
+          <p:cNvPr id="4" name="Rectangle 2"/>
+          <p:cNvSpPr>
+            <a:spLocks noChangeArrowheads="1"/>
+          </p:cNvSpPr>
+          <p:nvPr/>
+        </p:nvSpPr>
+        <p:spPr bwMode="auto">
+          <a:xfrm>
+            <a:off x="5160962" y="1763485"/>
+            <a:ext cx="12192000" cy="0"/>
+          </a:xfrm>
+          <a:prstGeom prst="rect">
+            <a:avLst/>
+          </a:prstGeom>
+          <a:noFill/>
+          <a:ln>
+            <a:noFill/>
+          </a:ln>
+          <a:effectLst/>
+          <a:extLst>
+            <a:ext uri="{909E8E84-426E-40DD-AFC4-6F175D3DCCD1}">
+              <a14:hiddenFill xmlns:a14="http://schemas.microsoft.com/office/drawing/2010/main">
+                <a:solidFill>
+                  <a:schemeClr val="accent1"/>
+                </a:solidFill>
+              </a14:hiddenFill>
+            </a:ext>
+            <a:ext uri="{91240B29-F687-4F45-9708-019B960494DF}">
+              <a14:hiddenLine xmlns:a14="http://schemas.microsoft.com/office/drawing/2010/main" w="9525">
+                <a:solidFill>
+                  <a:schemeClr val="tx1"/>
+                </a:solidFill>
+                <a:miter lim="800000"/>
+                <a:headEnd/>
+                <a:tailEnd/>
+              </a14:hiddenLine>
+            </a:ext>
+            <a:ext uri="{AF507438-7753-43E0-B8FC-AC1667EBCBE1}">
+              <a14:hiddenEffects xmlns:a14="http://schemas.microsoft.com/office/drawing/2010/main">
+                <a:effectLst>
+                  <a:outerShdw dist="35921" dir="2700000" algn="ctr" rotWithShape="0">
+                    <a:schemeClr val="bg2"/>
+                  </a:outerShdw>
+                </a:effectLst>
+              </a14:hiddenEffects>
+            </a:ext>
+          </a:extLst>
+        </p:spPr>
+        <p:txBody>
+          <a:bodyPr vert="horz" wrap="square" lIns="91440" tIns="45720" rIns="91440" bIns="45720" numCol="1" anchor="ctr" anchorCtr="0" compatLnSpc="1">
+            <a:prstTxWarp prst="textNoShape">
+              <a:avLst/>
+            </a:prstTxWarp>
+            <a:spAutoFit/>
+          </a:bodyPr>
+          <a:lstStyle/>
+          <a:p>
+            <a:endParaRPr lang="zh-CN" altLang="en-US"/>
+          </a:p>
+        </p:txBody>
+      </p:sp>
+      <p:graphicFrame>
+        <p:nvGraphicFramePr>
+          <p:cNvPr id="5" name="表格 4"/>
+          <p:cNvGraphicFramePr>
+            <a:graphicFrameLocks noGrp="1"/>
+          </p:cNvGraphicFramePr>
+          <p:nvPr>
+            <p:extLst>
+              <p:ext uri="{D42A27DB-BD31-4B8C-83A1-F6EECF244321}">
+                <p14:modId xmlns:p14="http://schemas.microsoft.com/office/powerpoint/2010/main" val="3104128250"/>
+              </p:ext>
+            </p:extLst>
+          </p:nvPr>
+        </p:nvGraphicFramePr>
+        <p:xfrm>
+          <a:off x="3783926" y="1763485"/>
+          <a:ext cx="4902874" cy="4256194"/>
+        </p:xfrm>
+        <a:graphic>
+          <a:graphicData uri="http://schemas.openxmlformats.org/drawingml/2006/table">
+            <a:tbl>
+              <a:tblPr firstRow="1" firstCol="1" bandRow="1">
+                <a:tableStyleId>{5C22544A-7EE6-4342-B048-85BDC9FD1C3A}</a:tableStyleId>
+              </a:tblPr>
+              <a:tblGrid>
+                <a:gridCol w="996310"/>
+                <a:gridCol w="1039527"/>
+                <a:gridCol w="2867037"/>
+              </a:tblGrid>
+              <a:tr h="143933">
+                <a:tc gridSpan="3">
+                  <a:txBody>
+                    <a:bodyPr/>
+                    <a:lstStyle/>
+                    <a:p>
+                      <a:pPr algn="ctr">
+                        <a:spcAft>
+                          <a:spcPts val="0"/>
+                        </a:spcAft>
+                      </a:pPr>
+                      <a:r>
+                        <a:rPr lang="en-US" sz="1050" kern="100" dirty="0">
+                          <a:effectLst/>
+                        </a:rPr>
+                        <a:t>Test Case Specification</a:t>
+                      </a:r>
+                      <a:endParaRPr lang="zh-CN" sz="1050" kern="100" dirty="0">
+                        <a:effectLst/>
+                        <a:latin typeface="Calibri" panose="020F0502020204030204" pitchFamily="34" charset="0"/>
+                        <a:ea typeface="宋体" panose="02010600030101010101" pitchFamily="2" charset="-122"/>
+                        <a:cs typeface="Times New Roman" panose="02020603050405020304" pitchFamily="18" charset="0"/>
+                      </a:endParaRPr>
+                    </a:p>
+                  </a:txBody>
+                  <a:tcPr marL="58882" marR="58882" marT="0" marB="0"/>
+                </a:tc>
+                <a:tc hMerge="1">
+                  <a:txBody>
+                    <a:bodyPr/>
+                    <a:lstStyle/>
+                    <a:p>
+                      <a:endParaRPr lang="zh-CN" altLang="en-US"/>
+                    </a:p>
+                  </a:txBody>
+                  <a:tcPr/>
+                </a:tc>
+                <a:tc hMerge="1">
+                  <a:txBody>
+                    <a:bodyPr/>
+                    <a:lstStyle/>
+                    <a:p>
+                      <a:endParaRPr lang="zh-CN" altLang="en-US"/>
+                    </a:p>
+                  </a:txBody>
+                  <a:tcPr/>
+                </a:tc>
+              </a:tr>
+              <a:tr h="143933">
+                <a:tc>
+                  <a:txBody>
+                    <a:bodyPr/>
+                    <a:lstStyle/>
+                    <a:p>
+                      <a:pPr algn="just">
+                        <a:spcAft>
+                          <a:spcPts val="0"/>
+                        </a:spcAft>
+                      </a:pPr>
+                      <a:r>
+                        <a:rPr lang="en-US" sz="1050" kern="100">
+                          <a:effectLst/>
+                        </a:rPr>
+                        <a:t>Name</a:t>
+                      </a:r>
+                      <a:endParaRPr lang="zh-CN" sz="1050" kern="100">
+                        <a:effectLst/>
+                        <a:latin typeface="Calibri" panose="020F0502020204030204" pitchFamily="34" charset="0"/>
+                        <a:ea typeface="宋体" panose="02010600030101010101" pitchFamily="2" charset="-122"/>
+                        <a:cs typeface="Times New Roman" panose="02020603050405020304" pitchFamily="18" charset="0"/>
+                      </a:endParaRPr>
+                    </a:p>
+                  </a:txBody>
+                  <a:tcPr marL="58882" marR="58882" marT="0" marB="0"/>
+                </a:tc>
+                <a:tc gridSpan="2">
+                  <a:txBody>
+                    <a:bodyPr/>
+                    <a:lstStyle/>
+                    <a:p>
+                      <a:pPr algn="just">
+                        <a:spcAft>
+                          <a:spcPts val="0"/>
+                        </a:spcAft>
+                      </a:pPr>
+                      <a:r>
+                        <a:rPr lang="zh-CN" sz="1050" kern="100">
+                          <a:effectLst/>
+                        </a:rPr>
+                        <a:t>批处理时间测试</a:t>
+                      </a:r>
+                      <a:endParaRPr lang="zh-CN" sz="1050" kern="100">
+                        <a:effectLst/>
+                        <a:latin typeface="Calibri" panose="020F0502020204030204" pitchFamily="34" charset="0"/>
+                        <a:ea typeface="宋体" panose="02010600030101010101" pitchFamily="2" charset="-122"/>
+                        <a:cs typeface="Times New Roman" panose="02020603050405020304" pitchFamily="18" charset="0"/>
+                      </a:endParaRPr>
+                    </a:p>
+                  </a:txBody>
+                  <a:tcPr marL="58882" marR="58882" marT="0" marB="0"/>
+                </a:tc>
+                <a:tc hMerge="1">
+                  <a:txBody>
+                    <a:bodyPr/>
+                    <a:lstStyle/>
+                    <a:p>
+                      <a:endParaRPr lang="zh-CN" altLang="en-US"/>
+                    </a:p>
+                  </a:txBody>
+                  <a:tcPr/>
+                </a:tc>
+              </a:tr>
+              <a:tr h="287867">
+                <a:tc>
+                  <a:txBody>
+                    <a:bodyPr/>
+                    <a:lstStyle/>
+                    <a:p>
+                      <a:pPr algn="just">
+                        <a:spcAft>
+                          <a:spcPts val="0"/>
+                        </a:spcAft>
+                      </a:pPr>
+                      <a:r>
+                        <a:rPr lang="en-US" sz="1050" kern="100" dirty="0">
+                          <a:effectLst/>
+                        </a:rPr>
+                        <a:t>Brief Description</a:t>
+                      </a:r>
+                      <a:endParaRPr lang="zh-CN" sz="1050" kern="100" dirty="0">
+                        <a:effectLst/>
+                        <a:latin typeface="Calibri" panose="020F0502020204030204" pitchFamily="34" charset="0"/>
+                        <a:ea typeface="宋体" panose="02010600030101010101" pitchFamily="2" charset="-122"/>
+                        <a:cs typeface="Times New Roman" panose="02020603050405020304" pitchFamily="18" charset="0"/>
+                      </a:endParaRPr>
+                    </a:p>
+                  </a:txBody>
+                  <a:tcPr marL="58882" marR="58882" marT="0" marB="0"/>
+                </a:tc>
+                <a:tc gridSpan="2">
+                  <a:txBody>
+                    <a:bodyPr/>
+                    <a:lstStyle/>
+                    <a:p>
+                      <a:pPr algn="just">
+                        <a:spcAft>
+                          <a:spcPts val="0"/>
+                        </a:spcAft>
+                      </a:pPr>
+                      <a:r>
+                        <a:rPr lang="zh-CN" sz="1050" kern="100">
+                          <a:effectLst/>
+                        </a:rPr>
+                        <a:t>测试批处理时间是否合理；</a:t>
+                      </a:r>
+                      <a:endParaRPr lang="zh-CN" sz="1050" kern="100">
+                        <a:effectLst/>
+                        <a:latin typeface="Calibri" panose="020F0502020204030204" pitchFamily="34" charset="0"/>
+                        <a:ea typeface="宋体" panose="02010600030101010101" pitchFamily="2" charset="-122"/>
+                        <a:cs typeface="Times New Roman" panose="02020603050405020304" pitchFamily="18" charset="0"/>
+                      </a:endParaRPr>
+                    </a:p>
+                  </a:txBody>
+                  <a:tcPr marL="58882" marR="58882" marT="0" marB="0"/>
+                </a:tc>
+                <a:tc hMerge="1">
+                  <a:txBody>
+                    <a:bodyPr/>
+                    <a:lstStyle/>
+                    <a:p>
+                      <a:endParaRPr lang="zh-CN" altLang="en-US"/>
+                    </a:p>
+                  </a:txBody>
+                  <a:tcPr/>
+                </a:tc>
+              </a:tr>
+              <a:tr h="143933">
+                <a:tc>
+                  <a:txBody>
+                    <a:bodyPr/>
+                    <a:lstStyle/>
+                    <a:p>
+                      <a:pPr algn="just">
+                        <a:spcAft>
+                          <a:spcPts val="0"/>
+                        </a:spcAft>
+                      </a:pPr>
+                      <a:r>
+                        <a:rPr lang="en-US" sz="1050" kern="100">
+                          <a:effectLst/>
+                        </a:rPr>
+                        <a:t>Precondition</a:t>
+                      </a:r>
+                      <a:endParaRPr lang="zh-CN" sz="1050" kern="100">
+                        <a:effectLst/>
+                        <a:latin typeface="Calibri" panose="020F0502020204030204" pitchFamily="34" charset="0"/>
+                        <a:ea typeface="宋体" panose="02010600030101010101" pitchFamily="2" charset="-122"/>
+                        <a:cs typeface="Times New Roman" panose="02020603050405020304" pitchFamily="18" charset="0"/>
+                      </a:endParaRPr>
+                    </a:p>
+                  </a:txBody>
+                  <a:tcPr marL="58882" marR="58882" marT="0" marB="0"/>
+                </a:tc>
+                <a:tc gridSpan="2">
+                  <a:txBody>
+                    <a:bodyPr/>
+                    <a:lstStyle/>
+                    <a:p>
+                      <a:pPr algn="just">
+                        <a:spcAft>
+                          <a:spcPts val="0"/>
+                        </a:spcAft>
+                      </a:pPr>
+                      <a:r>
+                        <a:rPr lang="en-US" sz="1050" kern="100">
+                          <a:effectLst/>
+                        </a:rPr>
+                        <a:t>Kafka</a:t>
+                      </a:r>
+                      <a:r>
+                        <a:rPr lang="zh-CN" sz="1050" kern="100">
+                          <a:effectLst/>
+                        </a:rPr>
+                        <a:t>和</a:t>
+                      </a:r>
+                      <a:r>
+                        <a:rPr lang="en-US" sz="1050" kern="100">
+                          <a:effectLst/>
+                        </a:rPr>
+                        <a:t>spark</a:t>
+                      </a:r>
+                      <a:r>
+                        <a:rPr lang="zh-CN" sz="1050" kern="100">
+                          <a:effectLst/>
+                        </a:rPr>
+                        <a:t>运行正常</a:t>
+                      </a:r>
+                      <a:endParaRPr lang="zh-CN" sz="1050" kern="100">
+                        <a:effectLst/>
+                        <a:latin typeface="Calibri" panose="020F0502020204030204" pitchFamily="34" charset="0"/>
+                        <a:ea typeface="宋体" panose="02010600030101010101" pitchFamily="2" charset="-122"/>
+                        <a:cs typeface="Times New Roman" panose="02020603050405020304" pitchFamily="18" charset="0"/>
+                      </a:endParaRPr>
+                    </a:p>
+                  </a:txBody>
+                  <a:tcPr marL="58882" marR="58882" marT="0" marB="0"/>
+                </a:tc>
+                <a:tc hMerge="1">
+                  <a:txBody>
+                    <a:bodyPr/>
+                    <a:lstStyle/>
+                    <a:p>
+                      <a:endParaRPr lang="zh-CN" altLang="en-US"/>
+                    </a:p>
+                  </a:txBody>
+                  <a:tcPr/>
+                </a:tc>
+              </a:tr>
+              <a:tr h="143933">
+                <a:tc>
+                  <a:txBody>
+                    <a:bodyPr/>
+                    <a:lstStyle/>
+                    <a:p>
+                      <a:pPr algn="just">
+                        <a:spcAft>
+                          <a:spcPts val="0"/>
+                        </a:spcAft>
+                      </a:pPr>
+                      <a:r>
+                        <a:rPr lang="en-US" sz="1050" kern="100">
+                          <a:effectLst/>
+                        </a:rPr>
+                        <a:t>Tester</a:t>
+                      </a:r>
+                      <a:endParaRPr lang="zh-CN" sz="1050" kern="100">
+                        <a:effectLst/>
+                        <a:latin typeface="Calibri" panose="020F0502020204030204" pitchFamily="34" charset="0"/>
+                        <a:ea typeface="宋体" panose="02010600030101010101" pitchFamily="2" charset="-122"/>
+                        <a:cs typeface="Times New Roman" panose="02020603050405020304" pitchFamily="18" charset="0"/>
+                      </a:endParaRPr>
+                    </a:p>
+                  </a:txBody>
+                  <a:tcPr marL="58882" marR="58882" marT="0" marB="0"/>
+                </a:tc>
+                <a:tc gridSpan="2">
+                  <a:txBody>
+                    <a:bodyPr/>
+                    <a:lstStyle/>
+                    <a:p>
+                      <a:pPr algn="just">
+                        <a:spcAft>
+                          <a:spcPts val="0"/>
+                        </a:spcAft>
+                      </a:pPr>
+                      <a:r>
+                        <a:rPr lang="zh-CN" sz="1050" kern="100">
+                          <a:effectLst/>
+                        </a:rPr>
+                        <a:t>测试员</a:t>
+                      </a:r>
+                      <a:endParaRPr lang="zh-CN" sz="1050" kern="100">
+                        <a:effectLst/>
+                        <a:latin typeface="Calibri" panose="020F0502020204030204" pitchFamily="34" charset="0"/>
+                        <a:ea typeface="宋体" panose="02010600030101010101" pitchFamily="2" charset="-122"/>
+                        <a:cs typeface="Times New Roman" panose="02020603050405020304" pitchFamily="18" charset="0"/>
+                      </a:endParaRPr>
+                    </a:p>
+                  </a:txBody>
+                  <a:tcPr marL="58882" marR="58882" marT="0" marB="0"/>
+                </a:tc>
+                <a:tc hMerge="1">
+                  <a:txBody>
+                    <a:bodyPr/>
+                    <a:lstStyle/>
+                    <a:p>
+                      <a:endParaRPr lang="zh-CN" altLang="en-US"/>
+                    </a:p>
+                  </a:txBody>
+                  <a:tcPr/>
+                </a:tc>
+              </a:tr>
+              <a:tr h="143933">
+                <a:tc>
+                  <a:txBody>
+                    <a:bodyPr/>
+                    <a:lstStyle/>
+                    <a:p>
+                      <a:pPr algn="just">
+                        <a:spcAft>
+                          <a:spcPts val="0"/>
+                        </a:spcAft>
+                      </a:pPr>
+                      <a:r>
+                        <a:rPr lang="en-US" sz="1050" kern="100">
+                          <a:effectLst/>
+                        </a:rPr>
+                        <a:t>Dependency</a:t>
+                      </a:r>
+                      <a:endParaRPr lang="zh-CN" sz="1050" kern="100">
+                        <a:effectLst/>
+                        <a:latin typeface="Calibri" panose="020F0502020204030204" pitchFamily="34" charset="0"/>
+                        <a:ea typeface="宋体" panose="02010600030101010101" pitchFamily="2" charset="-122"/>
+                        <a:cs typeface="Times New Roman" panose="02020603050405020304" pitchFamily="18" charset="0"/>
+                      </a:endParaRPr>
+                    </a:p>
+                  </a:txBody>
+                  <a:tcPr marL="58882" marR="58882" marT="0" marB="0"/>
+                </a:tc>
+                <a:tc gridSpan="2">
+                  <a:txBody>
+                    <a:bodyPr/>
+                    <a:lstStyle/>
+                    <a:p>
+                      <a:pPr algn="just">
+                        <a:spcAft>
+                          <a:spcPts val="0"/>
+                        </a:spcAft>
+                      </a:pPr>
+                      <a:r>
+                        <a:rPr lang="en-US" sz="1050" kern="100">
+                          <a:effectLst/>
+                        </a:rPr>
+                        <a:t>None</a:t>
+                      </a:r>
+                      <a:endParaRPr lang="zh-CN" sz="1050" kern="100">
+                        <a:effectLst/>
+                        <a:latin typeface="Calibri" panose="020F0502020204030204" pitchFamily="34" charset="0"/>
+                        <a:ea typeface="宋体" panose="02010600030101010101" pitchFamily="2" charset="-122"/>
+                        <a:cs typeface="Times New Roman" panose="02020603050405020304" pitchFamily="18" charset="0"/>
+                      </a:endParaRPr>
+                    </a:p>
+                  </a:txBody>
+                  <a:tcPr marL="58882" marR="58882" marT="0" marB="0"/>
+                </a:tc>
+                <a:tc hMerge="1">
+                  <a:txBody>
+                    <a:bodyPr/>
+                    <a:lstStyle/>
+                    <a:p>
+                      <a:endParaRPr lang="zh-CN" altLang="en-US"/>
+                    </a:p>
+                  </a:txBody>
+                  <a:tcPr/>
+                </a:tc>
+              </a:tr>
+              <a:tr h="143933">
+                <a:tc rowSpan="2">
+                  <a:txBody>
+                    <a:bodyPr/>
+                    <a:lstStyle/>
+                    <a:p>
+                      <a:pPr algn="just">
+                        <a:spcAft>
+                          <a:spcPts val="0"/>
+                        </a:spcAft>
+                      </a:pPr>
+                      <a:r>
+                        <a:rPr lang="en-US" sz="1050" kern="100">
+                          <a:effectLst/>
+                        </a:rPr>
+                        <a:t>Test Setup</a:t>
+                      </a:r>
+                      <a:endParaRPr lang="zh-CN" sz="1050" kern="100">
+                        <a:effectLst/>
+                        <a:latin typeface="Calibri" panose="020F0502020204030204" pitchFamily="34" charset="0"/>
+                        <a:ea typeface="宋体" panose="02010600030101010101" pitchFamily="2" charset="-122"/>
+                        <a:cs typeface="Times New Roman" panose="02020603050405020304" pitchFamily="18" charset="0"/>
+                      </a:endParaRPr>
+                    </a:p>
+                  </a:txBody>
+                  <a:tcPr marL="58882" marR="58882" marT="0" marB="0"/>
+                </a:tc>
+                <a:tc>
+                  <a:txBody>
+                    <a:bodyPr/>
+                    <a:lstStyle/>
+                    <a:p>
+                      <a:pPr algn="just">
+                        <a:spcAft>
+                          <a:spcPts val="0"/>
+                        </a:spcAft>
+                      </a:pPr>
+                      <a:r>
+                        <a:rPr lang="en-US" sz="1050" kern="100">
+                          <a:effectLst/>
+                        </a:rPr>
+                        <a:t>Name</a:t>
+                      </a:r>
+                      <a:endParaRPr lang="zh-CN" sz="1050" kern="100">
+                        <a:effectLst/>
+                        <a:latin typeface="Calibri" panose="020F0502020204030204" pitchFamily="34" charset="0"/>
+                        <a:ea typeface="宋体" panose="02010600030101010101" pitchFamily="2" charset="-122"/>
+                        <a:cs typeface="Times New Roman" panose="02020603050405020304" pitchFamily="18" charset="0"/>
+                      </a:endParaRPr>
+                    </a:p>
+                  </a:txBody>
+                  <a:tcPr marL="58882" marR="58882" marT="0" marB="0"/>
+                </a:tc>
+                <a:tc>
+                  <a:txBody>
+                    <a:bodyPr/>
+                    <a:lstStyle/>
+                    <a:p>
+                      <a:pPr algn="just">
+                        <a:spcAft>
+                          <a:spcPts val="0"/>
+                        </a:spcAft>
+                      </a:pPr>
+                      <a:r>
+                        <a:rPr lang="zh-CN" sz="1050" kern="100">
+                          <a:effectLst/>
+                        </a:rPr>
+                        <a:t>准备待发送的文本</a:t>
+                      </a:r>
+                      <a:endParaRPr lang="zh-CN" sz="1050" kern="100">
+                        <a:effectLst/>
+                        <a:latin typeface="Calibri" panose="020F0502020204030204" pitchFamily="34" charset="0"/>
+                        <a:ea typeface="宋体" panose="02010600030101010101" pitchFamily="2" charset="-122"/>
+                        <a:cs typeface="Times New Roman" panose="02020603050405020304" pitchFamily="18" charset="0"/>
+                      </a:endParaRPr>
+                    </a:p>
+                  </a:txBody>
+                  <a:tcPr marL="58882" marR="58882" marT="0" marB="0"/>
+                </a:tc>
+              </a:tr>
+              <a:tr h="143933">
+                <a:tc vMerge="1">
+                  <a:txBody>
+                    <a:bodyPr/>
+                    <a:lstStyle/>
+                    <a:p>
+                      <a:endParaRPr lang="zh-CN" altLang="en-US"/>
+                    </a:p>
+                  </a:txBody>
+                  <a:tcPr/>
+                </a:tc>
+                <a:tc>
+                  <a:txBody>
+                    <a:bodyPr/>
+                    <a:lstStyle/>
+                    <a:p>
+                      <a:pPr algn="just">
+                        <a:spcAft>
+                          <a:spcPts val="0"/>
+                        </a:spcAft>
+                      </a:pPr>
+                      <a:r>
+                        <a:rPr lang="en-US" sz="1050" kern="100">
+                          <a:effectLst/>
+                        </a:rPr>
+                        <a:t>Description</a:t>
+                      </a:r>
+                      <a:endParaRPr lang="zh-CN" sz="1050" kern="100">
+                        <a:effectLst/>
+                        <a:latin typeface="Calibri" panose="020F0502020204030204" pitchFamily="34" charset="0"/>
+                        <a:ea typeface="宋体" panose="02010600030101010101" pitchFamily="2" charset="-122"/>
+                        <a:cs typeface="Times New Roman" panose="02020603050405020304" pitchFamily="18" charset="0"/>
+                      </a:endParaRPr>
+                    </a:p>
+                  </a:txBody>
+                  <a:tcPr marL="58882" marR="58882" marT="0" marB="0"/>
+                </a:tc>
+                <a:tc>
+                  <a:txBody>
+                    <a:bodyPr/>
+                    <a:lstStyle/>
+                    <a:p>
+                      <a:pPr algn="just">
+                        <a:spcAft>
+                          <a:spcPts val="0"/>
+                        </a:spcAft>
+                      </a:pPr>
+                      <a:r>
+                        <a:rPr lang="zh-CN" sz="1050" kern="100">
+                          <a:effectLst/>
+                        </a:rPr>
+                        <a:t>准备待发送微博文本文件；</a:t>
+                      </a:r>
+                      <a:endParaRPr lang="zh-CN" sz="1050" kern="100">
+                        <a:effectLst/>
+                        <a:latin typeface="Calibri" panose="020F0502020204030204" pitchFamily="34" charset="0"/>
+                        <a:ea typeface="宋体" panose="02010600030101010101" pitchFamily="2" charset="-122"/>
+                        <a:cs typeface="Times New Roman" panose="02020603050405020304" pitchFamily="18" charset="0"/>
+                      </a:endParaRPr>
+                    </a:p>
+                  </a:txBody>
+                  <a:tcPr marL="58882" marR="58882" marT="0" marB="0"/>
+                </a:tc>
+              </a:tr>
+              <a:tr h="143933">
+                <a:tc rowSpan="4">
+                  <a:txBody>
+                    <a:bodyPr/>
+                    <a:lstStyle/>
+                    <a:p>
+                      <a:pPr algn="just">
+                        <a:spcAft>
+                          <a:spcPts val="0"/>
+                        </a:spcAft>
+                      </a:pPr>
+                      <a:r>
+                        <a:rPr lang="en-US" sz="1050" kern="100">
+                          <a:effectLst/>
+                        </a:rPr>
+                        <a:t>Basic Flow</a:t>
+                      </a:r>
+                      <a:endParaRPr lang="zh-CN" sz="1050" kern="100">
+                        <a:effectLst/>
+                      </a:endParaRPr>
+                    </a:p>
+                    <a:p>
+                      <a:pPr algn="just">
+                        <a:spcAft>
+                          <a:spcPts val="0"/>
+                        </a:spcAft>
+                      </a:pPr>
+                      <a:r>
+                        <a:rPr lang="en-US" sz="1050" kern="100">
+                          <a:effectLst/>
+                        </a:rPr>
+                        <a:t>(Test Setup)</a:t>
+                      </a:r>
+                      <a:endParaRPr lang="zh-CN" sz="1050" kern="100">
+                        <a:effectLst/>
+                        <a:latin typeface="Calibri" panose="020F0502020204030204" pitchFamily="34" charset="0"/>
+                        <a:ea typeface="宋体" panose="02010600030101010101" pitchFamily="2" charset="-122"/>
+                        <a:cs typeface="Times New Roman" panose="02020603050405020304" pitchFamily="18" charset="0"/>
+                      </a:endParaRPr>
+                    </a:p>
+                  </a:txBody>
+                  <a:tcPr marL="58882" marR="58882" marT="0" marB="0"/>
+                </a:tc>
+                <a:tc gridSpan="2">
+                  <a:txBody>
+                    <a:bodyPr/>
+                    <a:lstStyle/>
+                    <a:p>
+                      <a:pPr algn="just">
+                        <a:spcAft>
+                          <a:spcPts val="0"/>
+                        </a:spcAft>
+                      </a:pPr>
+                      <a:r>
+                        <a:rPr lang="en-US" sz="1050" kern="100">
+                          <a:effectLst/>
+                        </a:rPr>
+                        <a:t>Steps</a:t>
+                      </a:r>
+                      <a:endParaRPr lang="zh-CN" sz="1050" kern="100">
+                        <a:effectLst/>
+                        <a:latin typeface="Calibri" panose="020F0502020204030204" pitchFamily="34" charset="0"/>
+                        <a:ea typeface="宋体" panose="02010600030101010101" pitchFamily="2" charset="-122"/>
+                        <a:cs typeface="Times New Roman" panose="02020603050405020304" pitchFamily="18" charset="0"/>
+                      </a:endParaRPr>
+                    </a:p>
+                  </a:txBody>
+                  <a:tcPr marL="58882" marR="58882" marT="0" marB="0"/>
+                </a:tc>
+                <a:tc hMerge="1">
+                  <a:txBody>
+                    <a:bodyPr/>
+                    <a:lstStyle/>
+                    <a:p>
+                      <a:endParaRPr lang="zh-CN" altLang="en-US"/>
+                    </a:p>
+                  </a:txBody>
+                  <a:tcPr/>
+                </a:tc>
+              </a:tr>
+              <a:tr h="143933">
+                <a:tc vMerge="1">
+                  <a:txBody>
+                    <a:bodyPr/>
+                    <a:lstStyle/>
+                    <a:p>
+                      <a:endParaRPr lang="zh-CN" altLang="en-US"/>
+                    </a:p>
+                  </a:txBody>
+                  <a:tcPr/>
+                </a:tc>
+                <a:tc>
+                  <a:txBody>
+                    <a:bodyPr/>
+                    <a:lstStyle/>
+                    <a:p>
+                      <a:pPr algn="just">
+                        <a:spcAft>
+                          <a:spcPts val="0"/>
+                        </a:spcAft>
+                      </a:pPr>
+                      <a:r>
+                        <a:rPr lang="en-US" sz="1050" kern="100">
+                          <a:effectLst/>
+                        </a:rPr>
+                        <a:t>1</a:t>
+                      </a:r>
+                      <a:endParaRPr lang="zh-CN" sz="1050" kern="100">
+                        <a:effectLst/>
+                        <a:latin typeface="Calibri" panose="020F0502020204030204" pitchFamily="34" charset="0"/>
+                        <a:ea typeface="宋体" panose="02010600030101010101" pitchFamily="2" charset="-122"/>
+                        <a:cs typeface="Times New Roman" panose="02020603050405020304" pitchFamily="18" charset="0"/>
+                      </a:endParaRPr>
+                    </a:p>
+                  </a:txBody>
+                  <a:tcPr marL="58882" marR="58882" marT="0" marB="0"/>
+                </a:tc>
+                <a:tc>
+                  <a:txBody>
+                    <a:bodyPr/>
+                    <a:lstStyle/>
+                    <a:p>
+                      <a:pPr algn="just">
+                        <a:spcAft>
+                          <a:spcPts val="0"/>
+                        </a:spcAft>
+                      </a:pPr>
+                      <a:r>
+                        <a:rPr lang="zh-CN" sz="1050" kern="100">
+                          <a:effectLst/>
+                        </a:rPr>
+                        <a:t>准备待发送微博文本文件；</a:t>
+                      </a:r>
+                      <a:endParaRPr lang="zh-CN" sz="1050" kern="100">
+                        <a:effectLst/>
+                        <a:latin typeface="Calibri" panose="020F0502020204030204" pitchFamily="34" charset="0"/>
+                        <a:ea typeface="宋体" panose="02010600030101010101" pitchFamily="2" charset="-122"/>
+                        <a:cs typeface="Times New Roman" panose="02020603050405020304" pitchFamily="18" charset="0"/>
+                      </a:endParaRPr>
+                    </a:p>
+                  </a:txBody>
+                  <a:tcPr marL="58882" marR="58882" marT="0" marB="0"/>
+                </a:tc>
+              </a:tr>
+              <a:tr h="143933">
+                <a:tc vMerge="1">
+                  <a:txBody>
+                    <a:bodyPr/>
+                    <a:lstStyle/>
+                    <a:p>
+                      <a:endParaRPr lang="zh-CN" altLang="en-US"/>
+                    </a:p>
+                  </a:txBody>
+                  <a:tcPr/>
+                </a:tc>
+                <a:tc>
+                  <a:txBody>
+                    <a:bodyPr/>
+                    <a:lstStyle/>
+                    <a:p>
+                      <a:pPr algn="just">
+                        <a:spcAft>
+                          <a:spcPts val="0"/>
+                        </a:spcAft>
+                      </a:pPr>
+                      <a:r>
+                        <a:rPr lang="en-US" sz="1050" kern="100">
+                          <a:effectLst/>
+                        </a:rPr>
+                        <a:t>2</a:t>
+                      </a:r>
+                      <a:endParaRPr lang="zh-CN" sz="1050" kern="100">
+                        <a:effectLst/>
+                        <a:latin typeface="Calibri" panose="020F0502020204030204" pitchFamily="34" charset="0"/>
+                        <a:ea typeface="宋体" panose="02010600030101010101" pitchFamily="2" charset="-122"/>
+                        <a:cs typeface="Times New Roman" panose="02020603050405020304" pitchFamily="18" charset="0"/>
+                      </a:endParaRPr>
+                    </a:p>
+                  </a:txBody>
+                  <a:tcPr marL="58882" marR="58882" marT="0" marB="0"/>
+                </a:tc>
+                <a:tc>
+                  <a:txBody>
+                    <a:bodyPr/>
+                    <a:lstStyle/>
+                    <a:p>
+                      <a:pPr algn="just">
+                        <a:spcAft>
+                          <a:spcPts val="0"/>
+                        </a:spcAft>
+                      </a:pPr>
+                      <a:r>
+                        <a:rPr lang="zh-CN" sz="1050" kern="100" dirty="0">
+                          <a:effectLst/>
+                        </a:rPr>
+                        <a:t>确保</a:t>
+                      </a:r>
+                      <a:r>
+                        <a:rPr lang="en-US" sz="1050" kern="100" dirty="0" err="1">
+                          <a:effectLst/>
+                        </a:rPr>
+                        <a:t>kafka</a:t>
+                      </a:r>
+                      <a:r>
+                        <a:rPr lang="zh-CN" sz="1050" kern="100" dirty="0">
+                          <a:effectLst/>
+                        </a:rPr>
+                        <a:t>和</a:t>
+                      </a:r>
+                      <a:r>
+                        <a:rPr lang="en-US" sz="1050" kern="100" dirty="0">
+                          <a:effectLst/>
+                        </a:rPr>
+                        <a:t>spark</a:t>
+                      </a:r>
+                      <a:r>
+                        <a:rPr lang="zh-CN" sz="1050" kern="100" dirty="0">
+                          <a:effectLst/>
+                        </a:rPr>
+                        <a:t>处于运行状态；</a:t>
+                      </a:r>
+                      <a:endParaRPr lang="zh-CN" sz="1050" kern="100" dirty="0">
+                        <a:effectLst/>
+                        <a:latin typeface="Calibri" panose="020F0502020204030204" pitchFamily="34" charset="0"/>
+                        <a:ea typeface="宋体" panose="02010600030101010101" pitchFamily="2" charset="-122"/>
+                        <a:cs typeface="Times New Roman" panose="02020603050405020304" pitchFamily="18" charset="0"/>
+                      </a:endParaRPr>
+                    </a:p>
+                  </a:txBody>
+                  <a:tcPr marL="58882" marR="58882" marT="0" marB="0"/>
+                </a:tc>
+              </a:tr>
+              <a:tr h="287867">
+                <a:tc vMerge="1">
+                  <a:txBody>
+                    <a:bodyPr/>
+                    <a:lstStyle/>
+                    <a:p>
+                      <a:endParaRPr lang="zh-CN" altLang="en-US"/>
+                    </a:p>
+                  </a:txBody>
+                  <a:tcPr/>
+                </a:tc>
+                <a:tc>
+                  <a:txBody>
+                    <a:bodyPr/>
+                    <a:lstStyle/>
+                    <a:p>
+                      <a:pPr algn="just">
+                        <a:spcAft>
+                          <a:spcPts val="0"/>
+                        </a:spcAft>
+                      </a:pPr>
+                      <a:r>
+                        <a:rPr lang="en-US" sz="1050" kern="100">
+                          <a:effectLst/>
+                        </a:rPr>
+                        <a:t>Postcondition</a:t>
+                      </a:r>
+                      <a:endParaRPr lang="zh-CN" sz="1050" kern="100">
+                        <a:effectLst/>
+                        <a:latin typeface="Calibri" panose="020F0502020204030204" pitchFamily="34" charset="0"/>
+                        <a:ea typeface="宋体" panose="02010600030101010101" pitchFamily="2" charset="-122"/>
+                        <a:cs typeface="Times New Roman" panose="02020603050405020304" pitchFamily="18" charset="0"/>
+                      </a:endParaRPr>
+                    </a:p>
+                  </a:txBody>
+                  <a:tcPr marL="58882" marR="58882" marT="0" marB="0"/>
+                </a:tc>
+                <a:tc>
+                  <a:txBody>
+                    <a:bodyPr/>
+                    <a:lstStyle/>
+                    <a:p>
+                      <a:pPr algn="just">
+                        <a:spcAft>
+                          <a:spcPts val="0"/>
+                        </a:spcAft>
+                      </a:pPr>
+                      <a:r>
+                        <a:rPr lang="en-US" sz="1050" kern="100">
+                          <a:effectLst/>
+                        </a:rPr>
+                        <a:t>Kafka</a:t>
+                      </a:r>
+                      <a:r>
+                        <a:rPr lang="zh-CN" sz="1050" kern="100">
+                          <a:effectLst/>
+                        </a:rPr>
+                        <a:t>和</a:t>
+                      </a:r>
+                      <a:r>
+                        <a:rPr lang="en-US" sz="1050" kern="100">
+                          <a:effectLst/>
+                        </a:rPr>
+                        <a:t>Spark</a:t>
+                      </a:r>
+                      <a:r>
+                        <a:rPr lang="zh-CN" sz="1050" kern="100">
+                          <a:effectLst/>
+                        </a:rPr>
+                        <a:t>功能正常，数据准备完毕；</a:t>
+                      </a:r>
+                      <a:endParaRPr lang="zh-CN" sz="1050" kern="100">
+                        <a:effectLst/>
+                        <a:latin typeface="Calibri" panose="020F0502020204030204" pitchFamily="34" charset="0"/>
+                        <a:ea typeface="宋体" panose="02010600030101010101" pitchFamily="2" charset="-122"/>
+                        <a:cs typeface="Times New Roman" panose="02020603050405020304" pitchFamily="18" charset="0"/>
+                      </a:endParaRPr>
+                    </a:p>
+                  </a:txBody>
+                  <a:tcPr marL="58882" marR="58882" marT="0" marB="0"/>
+                </a:tc>
+              </a:tr>
+              <a:tr h="143933">
+                <a:tc rowSpan="8">
+                  <a:txBody>
+                    <a:bodyPr/>
+                    <a:lstStyle/>
+                    <a:p>
+                      <a:pPr algn="just">
+                        <a:spcAft>
+                          <a:spcPts val="0"/>
+                        </a:spcAft>
+                      </a:pPr>
+                      <a:r>
+                        <a:rPr lang="en-US" sz="1050" kern="100">
+                          <a:effectLst/>
+                        </a:rPr>
+                        <a:t>Basic Flow</a:t>
+                      </a:r>
+                      <a:endParaRPr lang="zh-CN" sz="1050" kern="100">
+                        <a:effectLst/>
+                      </a:endParaRPr>
+                    </a:p>
+                    <a:p>
+                      <a:pPr algn="just">
+                        <a:spcAft>
+                          <a:spcPts val="0"/>
+                        </a:spcAft>
+                      </a:pPr>
+                      <a:r>
+                        <a:rPr lang="en-US" sz="1050" kern="100">
+                          <a:effectLst/>
+                        </a:rPr>
+                        <a:t>(Test Sequence)</a:t>
+                      </a:r>
+                      <a:endParaRPr lang="zh-CN" sz="1050" kern="100">
+                        <a:effectLst/>
+                        <a:latin typeface="Calibri" panose="020F0502020204030204" pitchFamily="34" charset="0"/>
+                        <a:ea typeface="宋体" panose="02010600030101010101" pitchFamily="2" charset="-122"/>
+                        <a:cs typeface="Times New Roman" panose="02020603050405020304" pitchFamily="18" charset="0"/>
+                      </a:endParaRPr>
+                    </a:p>
+                  </a:txBody>
+                  <a:tcPr marL="58882" marR="58882" marT="0" marB="0"/>
+                </a:tc>
+                <a:tc gridSpan="2">
+                  <a:txBody>
+                    <a:bodyPr/>
+                    <a:lstStyle/>
+                    <a:p>
+                      <a:pPr algn="just">
+                        <a:spcAft>
+                          <a:spcPts val="0"/>
+                        </a:spcAft>
+                      </a:pPr>
+                      <a:r>
+                        <a:rPr lang="en-US" sz="1050" kern="100">
+                          <a:effectLst/>
+                        </a:rPr>
+                        <a:t>Steps</a:t>
+                      </a:r>
+                      <a:endParaRPr lang="zh-CN" sz="1050" kern="100">
+                        <a:effectLst/>
+                        <a:latin typeface="Calibri" panose="020F0502020204030204" pitchFamily="34" charset="0"/>
+                        <a:ea typeface="宋体" panose="02010600030101010101" pitchFamily="2" charset="-122"/>
+                        <a:cs typeface="Times New Roman" panose="02020603050405020304" pitchFamily="18" charset="0"/>
+                      </a:endParaRPr>
+                    </a:p>
+                  </a:txBody>
+                  <a:tcPr marL="58882" marR="58882" marT="0" marB="0"/>
+                </a:tc>
+                <a:tc hMerge="1">
+                  <a:txBody>
+                    <a:bodyPr/>
+                    <a:lstStyle/>
+                    <a:p>
+                      <a:endParaRPr lang="zh-CN" altLang="en-US"/>
+                    </a:p>
+                  </a:txBody>
+                  <a:tcPr/>
+                </a:tc>
+              </a:tr>
+              <a:tr h="143933">
+                <a:tc vMerge="1">
+                  <a:txBody>
+                    <a:bodyPr/>
+                    <a:lstStyle/>
+                    <a:p>
+                      <a:endParaRPr lang="zh-CN" altLang="en-US"/>
+                    </a:p>
+                  </a:txBody>
+                  <a:tcPr/>
+                </a:tc>
+                <a:tc>
+                  <a:txBody>
+                    <a:bodyPr/>
+                    <a:lstStyle/>
+                    <a:p>
+                      <a:pPr algn="just">
+                        <a:spcAft>
+                          <a:spcPts val="0"/>
+                        </a:spcAft>
+                      </a:pPr>
+                      <a:r>
+                        <a:rPr lang="en-US" sz="1050" kern="100">
+                          <a:effectLst/>
+                        </a:rPr>
+                        <a:t>1</a:t>
+                      </a:r>
+                      <a:endParaRPr lang="zh-CN" sz="1050" kern="100">
+                        <a:effectLst/>
+                        <a:latin typeface="Calibri" panose="020F0502020204030204" pitchFamily="34" charset="0"/>
+                        <a:ea typeface="宋体" panose="02010600030101010101" pitchFamily="2" charset="-122"/>
+                        <a:cs typeface="Times New Roman" panose="02020603050405020304" pitchFamily="18" charset="0"/>
+                      </a:endParaRPr>
+                    </a:p>
+                  </a:txBody>
+                  <a:tcPr marL="58882" marR="58882" marT="0" marB="0"/>
+                </a:tc>
+                <a:tc>
+                  <a:txBody>
+                    <a:bodyPr/>
+                    <a:lstStyle/>
+                    <a:p>
+                      <a:pPr algn="just">
+                        <a:spcAft>
+                          <a:spcPts val="0"/>
+                        </a:spcAft>
+                      </a:pPr>
+                      <a:r>
+                        <a:rPr lang="zh-CN" sz="1050" kern="100">
+                          <a:effectLst/>
+                        </a:rPr>
+                        <a:t>启动</a:t>
+                      </a:r>
+                      <a:r>
+                        <a:rPr lang="en-US" sz="1050" kern="100">
+                          <a:effectLst/>
+                        </a:rPr>
+                        <a:t>kafka</a:t>
+                      </a:r>
+                      <a:r>
+                        <a:rPr lang="zh-CN" sz="1050" kern="100">
+                          <a:effectLst/>
+                        </a:rPr>
+                        <a:t>数据发送程序；</a:t>
+                      </a:r>
+                      <a:endParaRPr lang="zh-CN" sz="1050" kern="100">
+                        <a:effectLst/>
+                        <a:latin typeface="Calibri" panose="020F0502020204030204" pitchFamily="34" charset="0"/>
+                        <a:ea typeface="宋体" panose="02010600030101010101" pitchFamily="2" charset="-122"/>
+                        <a:cs typeface="Times New Roman" panose="02020603050405020304" pitchFamily="18" charset="0"/>
+                      </a:endParaRPr>
+                    </a:p>
+                  </a:txBody>
+                  <a:tcPr marL="58882" marR="58882" marT="0" marB="0"/>
+                </a:tc>
+              </a:tr>
+              <a:tr h="143933">
+                <a:tc vMerge="1">
+                  <a:txBody>
+                    <a:bodyPr/>
+                    <a:lstStyle/>
+                    <a:p>
+                      <a:endParaRPr lang="zh-CN" altLang="en-US"/>
+                    </a:p>
+                  </a:txBody>
+                  <a:tcPr/>
+                </a:tc>
+                <a:tc>
+                  <a:txBody>
+                    <a:bodyPr/>
+                    <a:lstStyle/>
+                    <a:p>
+                      <a:pPr algn="just">
+                        <a:spcAft>
+                          <a:spcPts val="0"/>
+                        </a:spcAft>
+                      </a:pPr>
+                      <a:r>
+                        <a:rPr lang="en-US" sz="1050" kern="100">
+                          <a:effectLst/>
+                        </a:rPr>
+                        <a:t>2</a:t>
+                      </a:r>
+                      <a:endParaRPr lang="zh-CN" sz="1050" kern="100">
+                        <a:effectLst/>
+                        <a:latin typeface="Calibri" panose="020F0502020204030204" pitchFamily="34" charset="0"/>
+                        <a:ea typeface="宋体" panose="02010600030101010101" pitchFamily="2" charset="-122"/>
+                        <a:cs typeface="Times New Roman" panose="02020603050405020304" pitchFamily="18" charset="0"/>
+                      </a:endParaRPr>
+                    </a:p>
+                  </a:txBody>
+                  <a:tcPr marL="58882" marR="58882" marT="0" marB="0"/>
+                </a:tc>
+                <a:tc>
+                  <a:txBody>
+                    <a:bodyPr/>
+                    <a:lstStyle/>
+                    <a:p>
+                      <a:pPr algn="just">
+                        <a:spcAft>
+                          <a:spcPts val="0"/>
+                        </a:spcAft>
+                      </a:pPr>
+                      <a:r>
+                        <a:rPr lang="zh-CN" sz="1050" kern="100">
+                          <a:effectLst/>
+                        </a:rPr>
+                        <a:t>启动</a:t>
+                      </a:r>
+                      <a:r>
+                        <a:rPr lang="en-US" sz="1050" kern="100">
+                          <a:effectLst/>
+                        </a:rPr>
+                        <a:t>spark</a:t>
+                      </a:r>
+                      <a:r>
+                        <a:rPr lang="zh-CN" sz="1050" kern="100">
+                          <a:effectLst/>
+                        </a:rPr>
+                        <a:t>测试程序；</a:t>
+                      </a:r>
+                      <a:endParaRPr lang="zh-CN" sz="1050" kern="100">
+                        <a:effectLst/>
+                        <a:latin typeface="Calibri" panose="020F0502020204030204" pitchFamily="34" charset="0"/>
+                        <a:ea typeface="宋体" panose="02010600030101010101" pitchFamily="2" charset="-122"/>
+                        <a:cs typeface="Times New Roman" panose="02020603050405020304" pitchFamily="18" charset="0"/>
+                      </a:endParaRPr>
+                    </a:p>
+                  </a:txBody>
+                  <a:tcPr marL="58882" marR="58882" marT="0" marB="0"/>
+                </a:tc>
+              </a:tr>
+              <a:tr h="287867">
+                <a:tc vMerge="1">
+                  <a:txBody>
+                    <a:bodyPr/>
+                    <a:lstStyle/>
+                    <a:p>
+                      <a:endParaRPr lang="zh-CN" altLang="en-US"/>
+                    </a:p>
+                  </a:txBody>
+                  <a:tcPr/>
+                </a:tc>
+                <a:tc>
+                  <a:txBody>
+                    <a:bodyPr/>
+                    <a:lstStyle/>
+                    <a:p>
+                      <a:pPr algn="just">
+                        <a:spcAft>
+                          <a:spcPts val="0"/>
+                        </a:spcAft>
+                      </a:pPr>
+                      <a:r>
+                        <a:rPr lang="en-US" sz="1050" kern="100">
+                          <a:effectLst/>
+                        </a:rPr>
+                        <a:t>3</a:t>
+                      </a:r>
+                      <a:endParaRPr lang="zh-CN" sz="1050" kern="100">
+                        <a:effectLst/>
+                        <a:latin typeface="Calibri" panose="020F0502020204030204" pitchFamily="34" charset="0"/>
+                        <a:ea typeface="宋体" panose="02010600030101010101" pitchFamily="2" charset="-122"/>
+                        <a:cs typeface="Times New Roman" panose="02020603050405020304" pitchFamily="18" charset="0"/>
+                      </a:endParaRPr>
+                    </a:p>
+                  </a:txBody>
+                  <a:tcPr marL="58882" marR="58882" marT="0" marB="0"/>
+                </a:tc>
+                <a:tc>
+                  <a:txBody>
+                    <a:bodyPr/>
+                    <a:lstStyle/>
+                    <a:p>
+                      <a:pPr algn="just">
+                        <a:spcAft>
+                          <a:spcPts val="0"/>
+                        </a:spcAft>
+                      </a:pPr>
+                      <a:r>
+                        <a:rPr lang="zh-CN" sz="1050" kern="100">
+                          <a:effectLst/>
+                        </a:rPr>
+                        <a:t>每批次数据处理完毕，记录该批次数据处理时间、等待处理时间；</a:t>
+                      </a:r>
+                      <a:endParaRPr lang="zh-CN" sz="1050" kern="100">
+                        <a:effectLst/>
+                        <a:latin typeface="Calibri" panose="020F0502020204030204" pitchFamily="34" charset="0"/>
+                        <a:ea typeface="宋体" panose="02010600030101010101" pitchFamily="2" charset="-122"/>
+                        <a:cs typeface="Times New Roman" panose="02020603050405020304" pitchFamily="18" charset="0"/>
+                      </a:endParaRPr>
+                    </a:p>
+                  </a:txBody>
+                  <a:tcPr marL="58882" marR="58882" marT="0" marB="0"/>
+                </a:tc>
+              </a:tr>
+              <a:tr h="287867">
+                <a:tc vMerge="1">
+                  <a:txBody>
+                    <a:bodyPr/>
+                    <a:lstStyle/>
+                    <a:p>
+                      <a:endParaRPr lang="zh-CN" altLang="en-US"/>
+                    </a:p>
+                  </a:txBody>
+                  <a:tcPr/>
+                </a:tc>
+                <a:tc>
+                  <a:txBody>
+                    <a:bodyPr/>
+                    <a:lstStyle/>
+                    <a:p>
+                      <a:pPr algn="just">
+                        <a:spcAft>
+                          <a:spcPts val="0"/>
+                        </a:spcAft>
+                      </a:pPr>
+                      <a:r>
+                        <a:rPr lang="en-US" sz="1050" kern="100">
+                          <a:effectLst/>
+                        </a:rPr>
+                        <a:t>4</a:t>
+                      </a:r>
+                      <a:endParaRPr lang="zh-CN" sz="1050" kern="100">
+                        <a:effectLst/>
+                        <a:latin typeface="Calibri" panose="020F0502020204030204" pitchFamily="34" charset="0"/>
+                        <a:ea typeface="宋体" panose="02010600030101010101" pitchFamily="2" charset="-122"/>
+                        <a:cs typeface="Times New Roman" panose="02020603050405020304" pitchFamily="18" charset="0"/>
+                      </a:endParaRPr>
+                    </a:p>
+                  </a:txBody>
+                  <a:tcPr marL="58882" marR="58882" marT="0" marB="0"/>
+                </a:tc>
+                <a:tc>
+                  <a:txBody>
+                    <a:bodyPr/>
+                    <a:lstStyle/>
+                    <a:p>
+                      <a:pPr algn="just">
+                        <a:spcAft>
+                          <a:spcPts val="0"/>
+                        </a:spcAft>
+                        <a:tabLst>
+                          <a:tab pos="676275" algn="l"/>
+                        </a:tabLst>
+                      </a:pPr>
+                      <a:r>
+                        <a:rPr lang="zh-CN" sz="1050" kern="100">
+                          <a:effectLst/>
+                        </a:rPr>
+                        <a:t>计算批次平均处理时间、平均等待处理时间</a:t>
+                      </a:r>
+                      <a:endParaRPr lang="zh-CN" sz="1050" kern="100">
+                        <a:effectLst/>
+                        <a:latin typeface="Calibri" panose="020F0502020204030204" pitchFamily="34" charset="0"/>
+                        <a:ea typeface="宋体" panose="02010600030101010101" pitchFamily="2" charset="-122"/>
+                        <a:cs typeface="Times New Roman" panose="02020603050405020304" pitchFamily="18" charset="0"/>
+                      </a:endParaRPr>
+                    </a:p>
+                  </a:txBody>
+                  <a:tcPr marL="58882" marR="58882" marT="0" marB="0"/>
+                </a:tc>
+              </a:tr>
+              <a:tr h="143933">
+                <a:tc vMerge="1">
+                  <a:txBody>
+                    <a:bodyPr/>
+                    <a:lstStyle/>
+                    <a:p>
+                      <a:endParaRPr lang="zh-CN" altLang="en-US"/>
+                    </a:p>
+                  </a:txBody>
+                  <a:tcPr/>
+                </a:tc>
+                <a:tc>
+                  <a:txBody>
+                    <a:bodyPr/>
+                    <a:lstStyle/>
+                    <a:p>
+                      <a:pPr algn="just">
+                        <a:spcAft>
+                          <a:spcPts val="0"/>
+                        </a:spcAft>
+                      </a:pPr>
+                      <a:r>
+                        <a:rPr lang="en-US" sz="1050" kern="100">
+                          <a:effectLst/>
+                        </a:rPr>
+                        <a:t>6</a:t>
+                      </a:r>
+                      <a:endParaRPr lang="zh-CN" sz="1050" kern="100">
+                        <a:effectLst/>
+                        <a:latin typeface="Calibri" panose="020F0502020204030204" pitchFamily="34" charset="0"/>
+                        <a:ea typeface="宋体" panose="02010600030101010101" pitchFamily="2" charset="-122"/>
+                        <a:cs typeface="Times New Roman" panose="02020603050405020304" pitchFamily="18" charset="0"/>
+                      </a:endParaRPr>
+                    </a:p>
+                  </a:txBody>
+                  <a:tcPr marL="58882" marR="58882" marT="0" marB="0"/>
+                </a:tc>
+                <a:tc>
+                  <a:txBody>
+                    <a:bodyPr/>
+                    <a:lstStyle/>
+                    <a:p>
+                      <a:pPr algn="just">
+                        <a:spcAft>
+                          <a:spcPts val="0"/>
+                        </a:spcAft>
+                        <a:tabLst>
+                          <a:tab pos="676275" algn="l"/>
+                        </a:tabLst>
+                      </a:pPr>
+                      <a:r>
+                        <a:rPr lang="zh-CN" sz="1050" kern="100">
+                          <a:effectLst/>
+                        </a:rPr>
+                        <a:t>更改批处理时间，重复</a:t>
+                      </a:r>
+                      <a:r>
+                        <a:rPr lang="en-US" sz="1050" kern="100">
+                          <a:effectLst/>
+                        </a:rPr>
+                        <a:t>1-4</a:t>
+                      </a:r>
+                      <a:r>
+                        <a:rPr lang="zh-CN" sz="1050" kern="100">
+                          <a:effectLst/>
+                        </a:rPr>
+                        <a:t>；</a:t>
+                      </a:r>
+                      <a:endParaRPr lang="zh-CN" sz="1050" kern="100">
+                        <a:effectLst/>
+                        <a:latin typeface="Calibri" panose="020F0502020204030204" pitchFamily="34" charset="0"/>
+                        <a:ea typeface="宋体" panose="02010600030101010101" pitchFamily="2" charset="-122"/>
+                        <a:cs typeface="Times New Roman" panose="02020603050405020304" pitchFamily="18" charset="0"/>
+                      </a:endParaRPr>
+                    </a:p>
+                  </a:txBody>
+                  <a:tcPr marL="58882" marR="58882" marT="0" marB="0"/>
+                </a:tc>
+              </a:tr>
+              <a:tr h="287867">
+                <a:tc vMerge="1">
+                  <a:txBody>
+                    <a:bodyPr/>
+                    <a:lstStyle/>
+                    <a:p>
+                      <a:endParaRPr lang="zh-CN" altLang="en-US"/>
+                    </a:p>
+                  </a:txBody>
+                  <a:tcPr/>
+                </a:tc>
+                <a:tc>
+                  <a:txBody>
+                    <a:bodyPr/>
+                    <a:lstStyle/>
+                    <a:p>
+                      <a:pPr algn="just">
+                        <a:spcAft>
+                          <a:spcPts val="0"/>
+                        </a:spcAft>
+                      </a:pPr>
+                      <a:r>
+                        <a:rPr lang="en-US" sz="1050" kern="100">
+                          <a:effectLst/>
+                        </a:rPr>
+                        <a:t>5</a:t>
+                      </a:r>
+                      <a:endParaRPr lang="zh-CN" sz="1050" kern="100">
+                        <a:effectLst/>
+                        <a:latin typeface="Calibri" panose="020F0502020204030204" pitchFamily="34" charset="0"/>
+                        <a:ea typeface="宋体" panose="02010600030101010101" pitchFamily="2" charset="-122"/>
+                        <a:cs typeface="Times New Roman" panose="02020603050405020304" pitchFamily="18" charset="0"/>
+                      </a:endParaRPr>
+                    </a:p>
+                  </a:txBody>
+                  <a:tcPr marL="58882" marR="58882" marT="0" marB="0"/>
+                </a:tc>
+                <a:tc>
+                  <a:txBody>
+                    <a:bodyPr/>
+                    <a:lstStyle/>
+                    <a:p>
+                      <a:pPr algn="just">
+                        <a:spcAft>
+                          <a:spcPts val="0"/>
+                        </a:spcAft>
+                        <a:tabLst>
+                          <a:tab pos="676275" algn="l"/>
+                        </a:tabLst>
+                      </a:pPr>
+                      <a:r>
+                        <a:rPr lang="zh-CN" sz="1050" kern="100">
+                          <a:effectLst/>
+                        </a:rPr>
+                        <a:t>判断各数据处理时间和等待处理时间的比值是否合适</a:t>
+                      </a:r>
+                      <a:endParaRPr lang="zh-CN" sz="1050" kern="100">
+                        <a:effectLst/>
+                        <a:latin typeface="Calibri" panose="020F0502020204030204" pitchFamily="34" charset="0"/>
+                        <a:ea typeface="宋体" panose="02010600030101010101" pitchFamily="2" charset="-122"/>
+                        <a:cs typeface="Times New Roman" panose="02020603050405020304" pitchFamily="18" charset="0"/>
+                      </a:endParaRPr>
+                    </a:p>
+                  </a:txBody>
+                  <a:tcPr marL="58882" marR="58882" marT="0" marB="0"/>
+                </a:tc>
+              </a:tr>
+              <a:tr h="143933">
+                <a:tc vMerge="1">
+                  <a:txBody>
+                    <a:bodyPr/>
+                    <a:lstStyle/>
+                    <a:p>
+                      <a:endParaRPr lang="zh-CN" altLang="en-US"/>
+                    </a:p>
+                  </a:txBody>
+                  <a:tcPr/>
+                </a:tc>
+                <a:tc>
+                  <a:txBody>
+                    <a:bodyPr/>
+                    <a:lstStyle/>
+                    <a:p>
+                      <a:pPr algn="just">
+                        <a:spcAft>
+                          <a:spcPts val="0"/>
+                        </a:spcAft>
+                      </a:pPr>
+                      <a:r>
+                        <a:rPr lang="en-US" sz="1050" kern="100">
+                          <a:effectLst/>
+                        </a:rPr>
+                        <a:t>Postcondition</a:t>
+                      </a:r>
+                      <a:endParaRPr lang="zh-CN" sz="1050" kern="100">
+                        <a:effectLst/>
+                        <a:latin typeface="Calibri" panose="020F0502020204030204" pitchFamily="34" charset="0"/>
+                        <a:ea typeface="宋体" panose="02010600030101010101" pitchFamily="2" charset="-122"/>
+                        <a:cs typeface="Times New Roman" panose="02020603050405020304" pitchFamily="18" charset="0"/>
+                      </a:endParaRPr>
+                    </a:p>
+                  </a:txBody>
+                  <a:tcPr marL="58882" marR="58882" marT="0" marB="0"/>
+                </a:tc>
+                <a:tc>
+                  <a:txBody>
+                    <a:bodyPr/>
+                    <a:lstStyle/>
+                    <a:p>
+                      <a:pPr algn="just">
+                        <a:spcAft>
+                          <a:spcPts val="0"/>
+                        </a:spcAft>
+                        <a:tabLst>
+                          <a:tab pos="676275" algn="l"/>
+                        </a:tabLst>
+                      </a:pPr>
+                      <a:r>
+                        <a:rPr lang="zh-CN" sz="1050" kern="100">
+                          <a:effectLst/>
+                        </a:rPr>
+                        <a:t>判断当前批处理时间是否合适；</a:t>
+                      </a:r>
+                      <a:endParaRPr lang="zh-CN" sz="1050" kern="100">
+                        <a:effectLst/>
+                        <a:latin typeface="Calibri" panose="020F0502020204030204" pitchFamily="34" charset="0"/>
+                        <a:ea typeface="宋体" panose="02010600030101010101" pitchFamily="2" charset="-122"/>
+                        <a:cs typeface="Times New Roman" panose="02020603050405020304" pitchFamily="18" charset="0"/>
+                      </a:endParaRPr>
+                    </a:p>
+                  </a:txBody>
+                  <a:tcPr marL="58882" marR="58882" marT="0" marB="0"/>
+                </a:tc>
+              </a:tr>
+              <a:tr h="287867">
+                <a:tc>
+                  <a:txBody>
+                    <a:bodyPr/>
+                    <a:lstStyle/>
+                    <a:p>
+                      <a:pPr algn="just">
+                        <a:spcAft>
+                          <a:spcPts val="0"/>
+                        </a:spcAft>
+                      </a:pPr>
+                      <a:r>
+                        <a:rPr lang="en-US" sz="1050" kern="100">
+                          <a:effectLst/>
+                        </a:rPr>
+                        <a:t>Evaluation Criterion</a:t>
+                      </a:r>
+                      <a:endParaRPr lang="zh-CN" sz="1050" kern="100">
+                        <a:effectLst/>
+                        <a:latin typeface="Calibri" panose="020F0502020204030204" pitchFamily="34" charset="0"/>
+                        <a:ea typeface="宋体" panose="02010600030101010101" pitchFamily="2" charset="-122"/>
+                        <a:cs typeface="Times New Roman" panose="02020603050405020304" pitchFamily="18" charset="0"/>
+                      </a:endParaRPr>
+                    </a:p>
+                  </a:txBody>
+                  <a:tcPr marL="58882" marR="58882" marT="0" marB="0"/>
+                </a:tc>
+                <a:tc gridSpan="2">
+                  <a:txBody>
+                    <a:bodyPr/>
+                    <a:lstStyle/>
+                    <a:p>
+                      <a:pPr algn="just">
+                        <a:spcAft>
+                          <a:spcPts val="0"/>
+                        </a:spcAft>
+                      </a:pPr>
+                      <a:r>
+                        <a:rPr lang="zh-CN" sz="1050" kern="100" dirty="0">
+                          <a:effectLst/>
+                        </a:rPr>
+                        <a:t>得到最佳批处理时间</a:t>
+                      </a:r>
+                      <a:endParaRPr lang="zh-CN" sz="1050" kern="100" dirty="0">
+                        <a:effectLst/>
+                        <a:latin typeface="Calibri" panose="020F0502020204030204" pitchFamily="34" charset="0"/>
+                        <a:ea typeface="宋体" panose="02010600030101010101" pitchFamily="2" charset="-122"/>
+                        <a:cs typeface="Times New Roman" panose="02020603050405020304" pitchFamily="18" charset="0"/>
+                      </a:endParaRPr>
+                    </a:p>
+                  </a:txBody>
+                  <a:tcPr marL="58882" marR="58882" marT="0" marB="0"/>
+                </a:tc>
+                <a:tc hMerge="1">
+                  <a:txBody>
+                    <a:bodyPr/>
+                    <a:lstStyle/>
+                    <a:p>
+                      <a:endParaRPr lang="zh-CN" altLang="en-US"/>
+                    </a:p>
+                  </a:txBody>
+                  <a:tcPr/>
+                </a:tc>
+              </a:tr>
+            </a:tbl>
+          </a:graphicData>
+        </a:graphic>
+      </p:graphicFrame>
+      <p:graphicFrame>
+        <p:nvGraphicFramePr>
+          <p:cNvPr id="6" name="表格 5"/>
+          <p:cNvGraphicFramePr>
+            <a:graphicFrameLocks noGrp="1"/>
+          </p:cNvGraphicFramePr>
+          <p:nvPr>
+            <p:extLst>
+              <p:ext uri="{D42A27DB-BD31-4B8C-83A1-F6EECF244321}">
+                <p14:modId xmlns:p14="http://schemas.microsoft.com/office/powerpoint/2010/main" val="4032812946"/>
+              </p:ext>
+            </p:extLst>
+          </p:nvPr>
+        </p:nvGraphicFramePr>
+        <p:xfrm>
+          <a:off x="3783131" y="1955800"/>
+          <a:ext cx="4925971" cy="4256194"/>
+        </p:xfrm>
+        <a:graphic>
+          <a:graphicData uri="http://schemas.openxmlformats.org/drawingml/2006/table">
+            <a:tbl>
+              <a:tblPr firstRow="1" firstCol="1" bandRow="1">
+                <a:tableStyleId>{5C22544A-7EE6-4342-B048-85BDC9FD1C3A}</a:tableStyleId>
+              </a:tblPr>
+              <a:tblGrid>
+                <a:gridCol w="1115362"/>
+                <a:gridCol w="973495"/>
+                <a:gridCol w="2837114"/>
+              </a:tblGrid>
+              <a:tr h="143933">
+                <a:tc gridSpan="3">
+                  <a:txBody>
+                    <a:bodyPr/>
+                    <a:lstStyle/>
+                    <a:p>
+                      <a:pPr algn="ctr">
+                        <a:spcAft>
+                          <a:spcPts val="0"/>
+                        </a:spcAft>
+                      </a:pPr>
+                      <a:r>
+                        <a:rPr lang="en-US" sz="1050" kern="100" dirty="0">
+                          <a:effectLst/>
+                        </a:rPr>
+                        <a:t>Test Case Specification</a:t>
+                      </a:r>
+                      <a:endParaRPr lang="zh-CN" sz="1050" kern="100" dirty="0">
+                        <a:effectLst/>
+                        <a:latin typeface="Calibri" panose="020F0502020204030204" pitchFamily="34" charset="0"/>
+                        <a:ea typeface="宋体" panose="02010600030101010101" pitchFamily="2" charset="-122"/>
+                        <a:cs typeface="Times New Roman" panose="02020603050405020304" pitchFamily="18" charset="0"/>
+                      </a:endParaRPr>
+                    </a:p>
+                  </a:txBody>
+                  <a:tcPr marL="58882" marR="58882" marT="0" marB="0"/>
+                </a:tc>
+                <a:tc hMerge="1">
+                  <a:txBody>
+                    <a:bodyPr/>
+                    <a:lstStyle/>
+                    <a:p>
+                      <a:endParaRPr lang="zh-CN" altLang="en-US"/>
+                    </a:p>
+                  </a:txBody>
+                  <a:tcPr/>
+                </a:tc>
+                <a:tc hMerge="1">
+                  <a:txBody>
+                    <a:bodyPr/>
+                    <a:lstStyle/>
+                    <a:p>
+                      <a:endParaRPr lang="zh-CN" altLang="en-US"/>
+                    </a:p>
+                  </a:txBody>
+                  <a:tcPr/>
+                </a:tc>
+              </a:tr>
+              <a:tr h="143933">
+                <a:tc>
+                  <a:txBody>
+                    <a:bodyPr/>
+                    <a:lstStyle/>
+                    <a:p>
+                      <a:pPr algn="just">
+                        <a:spcAft>
+                          <a:spcPts val="0"/>
+                        </a:spcAft>
+                      </a:pPr>
+                      <a:r>
+                        <a:rPr lang="en-US" sz="1050" kern="100">
+                          <a:effectLst/>
+                        </a:rPr>
+                        <a:t>Name</a:t>
+                      </a:r>
+                      <a:endParaRPr lang="zh-CN" sz="1050" kern="100">
+                        <a:effectLst/>
+                        <a:latin typeface="Calibri" panose="020F0502020204030204" pitchFamily="34" charset="0"/>
+                        <a:ea typeface="宋体" panose="02010600030101010101" pitchFamily="2" charset="-122"/>
+                        <a:cs typeface="Times New Roman" panose="02020603050405020304" pitchFamily="18" charset="0"/>
+                      </a:endParaRPr>
+                    </a:p>
+                  </a:txBody>
+                  <a:tcPr marL="58882" marR="58882" marT="0" marB="0"/>
+                </a:tc>
+                <a:tc gridSpan="2">
+                  <a:txBody>
+                    <a:bodyPr/>
+                    <a:lstStyle/>
+                    <a:p>
+                      <a:pPr algn="just">
+                        <a:spcAft>
+                          <a:spcPts val="0"/>
+                        </a:spcAft>
+                      </a:pPr>
+                      <a:r>
+                        <a:rPr lang="zh-CN" sz="1050" kern="100">
+                          <a:effectLst/>
+                        </a:rPr>
+                        <a:t>并行化程度测试</a:t>
+                      </a:r>
+                      <a:endParaRPr lang="zh-CN" sz="1050" kern="100">
+                        <a:effectLst/>
+                        <a:latin typeface="Calibri" panose="020F0502020204030204" pitchFamily="34" charset="0"/>
+                        <a:ea typeface="宋体" panose="02010600030101010101" pitchFamily="2" charset="-122"/>
+                        <a:cs typeface="Times New Roman" panose="02020603050405020304" pitchFamily="18" charset="0"/>
+                      </a:endParaRPr>
+                    </a:p>
+                  </a:txBody>
+                  <a:tcPr marL="58882" marR="58882" marT="0" marB="0"/>
+                </a:tc>
+                <a:tc hMerge="1">
+                  <a:txBody>
+                    <a:bodyPr/>
+                    <a:lstStyle/>
+                    <a:p>
+                      <a:endParaRPr lang="zh-CN" altLang="en-US"/>
+                    </a:p>
+                  </a:txBody>
+                  <a:tcPr/>
+                </a:tc>
+              </a:tr>
+              <a:tr h="287867">
+                <a:tc>
+                  <a:txBody>
+                    <a:bodyPr/>
+                    <a:lstStyle/>
+                    <a:p>
+                      <a:pPr algn="just">
+                        <a:spcAft>
+                          <a:spcPts val="0"/>
+                        </a:spcAft>
+                      </a:pPr>
+                      <a:r>
+                        <a:rPr lang="en-US" sz="1050" kern="100">
+                          <a:effectLst/>
+                        </a:rPr>
+                        <a:t>Brief Description</a:t>
+                      </a:r>
+                      <a:endParaRPr lang="zh-CN" sz="1050" kern="100">
+                        <a:effectLst/>
+                        <a:latin typeface="Calibri" panose="020F0502020204030204" pitchFamily="34" charset="0"/>
+                        <a:ea typeface="宋体" panose="02010600030101010101" pitchFamily="2" charset="-122"/>
+                        <a:cs typeface="Times New Roman" panose="02020603050405020304" pitchFamily="18" charset="0"/>
+                      </a:endParaRPr>
+                    </a:p>
+                  </a:txBody>
+                  <a:tcPr marL="58882" marR="58882" marT="0" marB="0"/>
+                </a:tc>
+                <a:tc gridSpan="2">
+                  <a:txBody>
+                    <a:bodyPr/>
+                    <a:lstStyle/>
+                    <a:p>
+                      <a:pPr algn="just">
+                        <a:spcAft>
+                          <a:spcPts val="0"/>
+                        </a:spcAft>
+                      </a:pPr>
+                      <a:r>
+                        <a:rPr lang="zh-CN" sz="1050" kern="100">
+                          <a:effectLst/>
+                        </a:rPr>
+                        <a:t>测试</a:t>
+                      </a:r>
+                      <a:r>
+                        <a:rPr lang="en-US" sz="1050" kern="100">
+                          <a:effectLst/>
+                        </a:rPr>
+                        <a:t>kafka</a:t>
+                      </a:r>
+                      <a:r>
+                        <a:rPr lang="zh-CN" sz="1050" kern="100">
+                          <a:effectLst/>
+                        </a:rPr>
+                        <a:t>获取数据的并行能力；</a:t>
+                      </a:r>
+                      <a:endParaRPr lang="zh-CN" sz="1050" kern="100">
+                        <a:effectLst/>
+                        <a:latin typeface="Calibri" panose="020F0502020204030204" pitchFamily="34" charset="0"/>
+                        <a:ea typeface="宋体" panose="02010600030101010101" pitchFamily="2" charset="-122"/>
+                        <a:cs typeface="Times New Roman" panose="02020603050405020304" pitchFamily="18" charset="0"/>
+                      </a:endParaRPr>
+                    </a:p>
+                  </a:txBody>
+                  <a:tcPr marL="58882" marR="58882" marT="0" marB="0"/>
+                </a:tc>
+                <a:tc hMerge="1">
+                  <a:txBody>
+                    <a:bodyPr/>
+                    <a:lstStyle/>
+                    <a:p>
+                      <a:endParaRPr lang="zh-CN" altLang="en-US"/>
+                    </a:p>
+                  </a:txBody>
+                  <a:tcPr/>
+                </a:tc>
+              </a:tr>
+              <a:tr h="143933">
+                <a:tc>
+                  <a:txBody>
+                    <a:bodyPr/>
+                    <a:lstStyle/>
+                    <a:p>
+                      <a:pPr algn="just">
+                        <a:spcAft>
+                          <a:spcPts val="0"/>
+                        </a:spcAft>
+                      </a:pPr>
+                      <a:r>
+                        <a:rPr lang="en-US" sz="1050" kern="100">
+                          <a:effectLst/>
+                        </a:rPr>
+                        <a:t>Precondition</a:t>
+                      </a:r>
+                      <a:endParaRPr lang="zh-CN" sz="1050" kern="100">
+                        <a:effectLst/>
+                        <a:latin typeface="Calibri" panose="020F0502020204030204" pitchFamily="34" charset="0"/>
+                        <a:ea typeface="宋体" panose="02010600030101010101" pitchFamily="2" charset="-122"/>
+                        <a:cs typeface="Times New Roman" panose="02020603050405020304" pitchFamily="18" charset="0"/>
+                      </a:endParaRPr>
+                    </a:p>
+                  </a:txBody>
+                  <a:tcPr marL="58882" marR="58882" marT="0" marB="0"/>
+                </a:tc>
+                <a:tc gridSpan="2">
+                  <a:txBody>
+                    <a:bodyPr/>
+                    <a:lstStyle/>
+                    <a:p>
+                      <a:pPr algn="just">
+                        <a:spcAft>
+                          <a:spcPts val="0"/>
+                        </a:spcAft>
+                      </a:pPr>
+                      <a:r>
+                        <a:rPr lang="en-US" sz="1050" kern="100">
+                          <a:effectLst/>
+                        </a:rPr>
+                        <a:t>Kafka</a:t>
+                      </a:r>
+                      <a:r>
+                        <a:rPr lang="zh-CN" sz="1050" kern="100">
+                          <a:effectLst/>
+                        </a:rPr>
+                        <a:t>和</a:t>
+                      </a:r>
+                      <a:r>
+                        <a:rPr lang="en-US" sz="1050" kern="100">
+                          <a:effectLst/>
+                        </a:rPr>
+                        <a:t>spark</a:t>
+                      </a:r>
+                      <a:r>
+                        <a:rPr lang="zh-CN" sz="1050" kern="100">
+                          <a:effectLst/>
+                        </a:rPr>
+                        <a:t>运行正常</a:t>
+                      </a:r>
+                      <a:endParaRPr lang="zh-CN" sz="1050" kern="100">
+                        <a:effectLst/>
+                        <a:latin typeface="Calibri" panose="020F0502020204030204" pitchFamily="34" charset="0"/>
+                        <a:ea typeface="宋体" panose="02010600030101010101" pitchFamily="2" charset="-122"/>
+                        <a:cs typeface="Times New Roman" panose="02020603050405020304" pitchFamily="18" charset="0"/>
+                      </a:endParaRPr>
+                    </a:p>
+                  </a:txBody>
+                  <a:tcPr marL="58882" marR="58882" marT="0" marB="0"/>
+                </a:tc>
+                <a:tc hMerge="1">
+                  <a:txBody>
+                    <a:bodyPr/>
+                    <a:lstStyle/>
+                    <a:p>
+                      <a:endParaRPr lang="zh-CN" altLang="en-US"/>
+                    </a:p>
+                  </a:txBody>
+                  <a:tcPr/>
+                </a:tc>
+              </a:tr>
+              <a:tr h="143933">
+                <a:tc>
+                  <a:txBody>
+                    <a:bodyPr/>
+                    <a:lstStyle/>
+                    <a:p>
+                      <a:pPr algn="just">
+                        <a:spcAft>
+                          <a:spcPts val="0"/>
+                        </a:spcAft>
+                      </a:pPr>
+                      <a:r>
+                        <a:rPr lang="en-US" sz="1050" kern="100">
+                          <a:effectLst/>
+                        </a:rPr>
+                        <a:t>Tester</a:t>
+                      </a:r>
+                      <a:endParaRPr lang="zh-CN" sz="1050" kern="100">
+                        <a:effectLst/>
+                        <a:latin typeface="Calibri" panose="020F0502020204030204" pitchFamily="34" charset="0"/>
+                        <a:ea typeface="宋体" panose="02010600030101010101" pitchFamily="2" charset="-122"/>
+                        <a:cs typeface="Times New Roman" panose="02020603050405020304" pitchFamily="18" charset="0"/>
+                      </a:endParaRPr>
+                    </a:p>
+                  </a:txBody>
+                  <a:tcPr marL="58882" marR="58882" marT="0" marB="0"/>
+                </a:tc>
+                <a:tc gridSpan="2">
+                  <a:txBody>
+                    <a:bodyPr/>
+                    <a:lstStyle/>
+                    <a:p>
+                      <a:pPr algn="just">
+                        <a:spcAft>
+                          <a:spcPts val="0"/>
+                        </a:spcAft>
+                      </a:pPr>
+                      <a:r>
+                        <a:rPr lang="zh-CN" sz="1050" kern="100">
+                          <a:effectLst/>
+                        </a:rPr>
+                        <a:t>测试员</a:t>
+                      </a:r>
+                      <a:endParaRPr lang="zh-CN" sz="1050" kern="100">
+                        <a:effectLst/>
+                        <a:latin typeface="Calibri" panose="020F0502020204030204" pitchFamily="34" charset="0"/>
+                        <a:ea typeface="宋体" panose="02010600030101010101" pitchFamily="2" charset="-122"/>
+                        <a:cs typeface="Times New Roman" panose="02020603050405020304" pitchFamily="18" charset="0"/>
+                      </a:endParaRPr>
+                    </a:p>
+                  </a:txBody>
+                  <a:tcPr marL="58882" marR="58882" marT="0" marB="0"/>
+                </a:tc>
+                <a:tc hMerge="1">
+                  <a:txBody>
+                    <a:bodyPr/>
+                    <a:lstStyle/>
+                    <a:p>
+                      <a:endParaRPr lang="zh-CN" altLang="en-US"/>
+                    </a:p>
+                  </a:txBody>
+                  <a:tcPr/>
+                </a:tc>
+              </a:tr>
+              <a:tr h="143933">
+                <a:tc>
+                  <a:txBody>
+                    <a:bodyPr/>
+                    <a:lstStyle/>
+                    <a:p>
+                      <a:pPr algn="just">
+                        <a:spcAft>
+                          <a:spcPts val="0"/>
+                        </a:spcAft>
+                      </a:pPr>
+                      <a:r>
+                        <a:rPr lang="en-US" sz="1050" kern="100">
+                          <a:effectLst/>
+                        </a:rPr>
+                        <a:t>Dependency</a:t>
+                      </a:r>
+                      <a:endParaRPr lang="zh-CN" sz="1050" kern="100">
+                        <a:effectLst/>
+                        <a:latin typeface="Calibri" panose="020F0502020204030204" pitchFamily="34" charset="0"/>
+                        <a:ea typeface="宋体" panose="02010600030101010101" pitchFamily="2" charset="-122"/>
+                        <a:cs typeface="Times New Roman" panose="02020603050405020304" pitchFamily="18" charset="0"/>
+                      </a:endParaRPr>
+                    </a:p>
+                  </a:txBody>
+                  <a:tcPr marL="58882" marR="58882" marT="0" marB="0"/>
+                </a:tc>
+                <a:tc gridSpan="2">
+                  <a:txBody>
+                    <a:bodyPr/>
+                    <a:lstStyle/>
+                    <a:p>
+                      <a:pPr algn="just">
+                        <a:spcAft>
+                          <a:spcPts val="0"/>
+                        </a:spcAft>
+                      </a:pPr>
+                      <a:r>
+                        <a:rPr lang="en-US" sz="1050" kern="100">
+                          <a:effectLst/>
+                        </a:rPr>
+                        <a:t>None</a:t>
+                      </a:r>
+                      <a:endParaRPr lang="zh-CN" sz="1050" kern="100">
+                        <a:effectLst/>
+                        <a:latin typeface="Calibri" panose="020F0502020204030204" pitchFamily="34" charset="0"/>
+                        <a:ea typeface="宋体" panose="02010600030101010101" pitchFamily="2" charset="-122"/>
+                        <a:cs typeface="Times New Roman" panose="02020603050405020304" pitchFamily="18" charset="0"/>
+                      </a:endParaRPr>
+                    </a:p>
+                  </a:txBody>
+                  <a:tcPr marL="58882" marR="58882" marT="0" marB="0"/>
+                </a:tc>
+                <a:tc hMerge="1">
+                  <a:txBody>
+                    <a:bodyPr/>
+                    <a:lstStyle/>
+                    <a:p>
+                      <a:endParaRPr lang="zh-CN" altLang="en-US"/>
+                    </a:p>
+                  </a:txBody>
+                  <a:tcPr/>
+                </a:tc>
+              </a:tr>
+              <a:tr h="287867">
+                <a:tc rowSpan="2">
+                  <a:txBody>
+                    <a:bodyPr/>
+                    <a:lstStyle/>
+                    <a:p>
+                      <a:pPr algn="just">
+                        <a:spcAft>
+                          <a:spcPts val="0"/>
+                        </a:spcAft>
+                      </a:pPr>
+                      <a:r>
+                        <a:rPr lang="en-US" sz="1050" kern="100">
+                          <a:effectLst/>
+                        </a:rPr>
+                        <a:t>Test Setup</a:t>
+                      </a:r>
+                      <a:endParaRPr lang="zh-CN" sz="1050" kern="100">
+                        <a:effectLst/>
+                        <a:latin typeface="Calibri" panose="020F0502020204030204" pitchFamily="34" charset="0"/>
+                        <a:ea typeface="宋体" panose="02010600030101010101" pitchFamily="2" charset="-122"/>
+                        <a:cs typeface="Times New Roman" panose="02020603050405020304" pitchFamily="18" charset="0"/>
+                      </a:endParaRPr>
+                    </a:p>
+                  </a:txBody>
+                  <a:tcPr marL="58882" marR="58882" marT="0" marB="0"/>
+                </a:tc>
+                <a:tc>
+                  <a:txBody>
+                    <a:bodyPr/>
+                    <a:lstStyle/>
+                    <a:p>
+                      <a:pPr algn="just">
+                        <a:spcAft>
+                          <a:spcPts val="0"/>
+                        </a:spcAft>
+                      </a:pPr>
+                      <a:r>
+                        <a:rPr lang="en-US" sz="1050" kern="100">
+                          <a:effectLst/>
+                        </a:rPr>
+                        <a:t>Name</a:t>
+                      </a:r>
+                      <a:endParaRPr lang="zh-CN" sz="1050" kern="100">
+                        <a:effectLst/>
+                        <a:latin typeface="Calibri" panose="020F0502020204030204" pitchFamily="34" charset="0"/>
+                        <a:ea typeface="宋体" panose="02010600030101010101" pitchFamily="2" charset="-122"/>
+                        <a:cs typeface="Times New Roman" panose="02020603050405020304" pitchFamily="18" charset="0"/>
+                      </a:endParaRPr>
+                    </a:p>
+                  </a:txBody>
+                  <a:tcPr marL="58882" marR="58882" marT="0" marB="0"/>
+                </a:tc>
+                <a:tc>
+                  <a:txBody>
+                    <a:bodyPr/>
+                    <a:lstStyle/>
+                    <a:p>
+                      <a:pPr algn="just">
+                        <a:spcAft>
+                          <a:spcPts val="0"/>
+                        </a:spcAft>
+                      </a:pPr>
+                      <a:r>
+                        <a:rPr lang="zh-CN" sz="1050" kern="100">
+                          <a:effectLst/>
+                        </a:rPr>
+                        <a:t>准备待发送的文本，设置多个</a:t>
+                      </a:r>
+                      <a:r>
+                        <a:rPr lang="en-US" sz="1050" kern="100">
+                          <a:effectLst/>
+                        </a:rPr>
+                        <a:t>kafka</a:t>
+                      </a:r>
+                      <a:r>
+                        <a:rPr lang="zh-CN" sz="1050" kern="100">
+                          <a:effectLst/>
+                        </a:rPr>
+                        <a:t>实例</a:t>
+                      </a:r>
+                      <a:endParaRPr lang="zh-CN" sz="1050" kern="100">
+                        <a:effectLst/>
+                        <a:latin typeface="Calibri" panose="020F0502020204030204" pitchFamily="34" charset="0"/>
+                        <a:ea typeface="宋体" panose="02010600030101010101" pitchFamily="2" charset="-122"/>
+                        <a:cs typeface="Times New Roman" panose="02020603050405020304" pitchFamily="18" charset="0"/>
+                      </a:endParaRPr>
+                    </a:p>
+                  </a:txBody>
+                  <a:tcPr marL="58882" marR="58882" marT="0" marB="0"/>
+                </a:tc>
+              </a:tr>
+              <a:tr h="287867">
+                <a:tc vMerge="1">
+                  <a:txBody>
+                    <a:bodyPr/>
+                    <a:lstStyle/>
+                    <a:p>
+                      <a:endParaRPr lang="zh-CN" altLang="en-US"/>
+                    </a:p>
+                  </a:txBody>
+                  <a:tcPr/>
+                </a:tc>
+                <a:tc>
+                  <a:txBody>
+                    <a:bodyPr/>
+                    <a:lstStyle/>
+                    <a:p>
+                      <a:pPr algn="just">
+                        <a:spcAft>
+                          <a:spcPts val="0"/>
+                        </a:spcAft>
+                      </a:pPr>
+                      <a:r>
+                        <a:rPr lang="en-US" sz="1050" kern="100">
+                          <a:effectLst/>
+                        </a:rPr>
+                        <a:t>Description</a:t>
+                      </a:r>
+                      <a:endParaRPr lang="zh-CN" sz="1050" kern="100">
+                        <a:effectLst/>
+                        <a:latin typeface="Calibri" panose="020F0502020204030204" pitchFamily="34" charset="0"/>
+                        <a:ea typeface="宋体" panose="02010600030101010101" pitchFamily="2" charset="-122"/>
+                        <a:cs typeface="Times New Roman" panose="02020603050405020304" pitchFamily="18" charset="0"/>
+                      </a:endParaRPr>
+                    </a:p>
+                  </a:txBody>
+                  <a:tcPr marL="58882" marR="58882" marT="0" marB="0"/>
+                </a:tc>
+                <a:tc>
+                  <a:txBody>
+                    <a:bodyPr/>
+                    <a:lstStyle/>
+                    <a:p>
+                      <a:pPr algn="just">
+                        <a:spcAft>
+                          <a:spcPts val="0"/>
+                        </a:spcAft>
+                      </a:pPr>
+                      <a:r>
+                        <a:rPr lang="zh-CN" sz="1050" kern="100">
+                          <a:effectLst/>
+                        </a:rPr>
+                        <a:t>准备待发送微博文本文件，设置多个</a:t>
+                      </a:r>
+                      <a:r>
+                        <a:rPr lang="en-US" sz="1050" kern="100">
+                          <a:effectLst/>
+                        </a:rPr>
+                        <a:t>kafka</a:t>
+                      </a:r>
+                      <a:r>
+                        <a:rPr lang="zh-CN" sz="1050" kern="100">
+                          <a:effectLst/>
+                        </a:rPr>
+                        <a:t>实例；</a:t>
+                      </a:r>
+                      <a:endParaRPr lang="zh-CN" sz="1050" kern="100">
+                        <a:effectLst/>
+                        <a:latin typeface="Calibri" panose="020F0502020204030204" pitchFamily="34" charset="0"/>
+                        <a:ea typeface="宋体" panose="02010600030101010101" pitchFamily="2" charset="-122"/>
+                        <a:cs typeface="Times New Roman" panose="02020603050405020304" pitchFamily="18" charset="0"/>
+                      </a:endParaRPr>
+                    </a:p>
+                  </a:txBody>
+                  <a:tcPr marL="58882" marR="58882" marT="0" marB="0"/>
+                </a:tc>
+              </a:tr>
+              <a:tr h="143933">
+                <a:tc rowSpan="4">
+                  <a:txBody>
+                    <a:bodyPr/>
+                    <a:lstStyle/>
+                    <a:p>
+                      <a:pPr algn="just">
+                        <a:spcAft>
+                          <a:spcPts val="0"/>
+                        </a:spcAft>
+                      </a:pPr>
+                      <a:r>
+                        <a:rPr lang="en-US" sz="1050" kern="100">
+                          <a:effectLst/>
+                        </a:rPr>
+                        <a:t>Basic Flow</a:t>
+                      </a:r>
+                      <a:endParaRPr lang="zh-CN" sz="1050" kern="100">
+                        <a:effectLst/>
+                      </a:endParaRPr>
+                    </a:p>
+                    <a:p>
+                      <a:pPr algn="just">
+                        <a:spcAft>
+                          <a:spcPts val="0"/>
+                        </a:spcAft>
+                      </a:pPr>
+                      <a:r>
+                        <a:rPr lang="en-US" sz="1050" kern="100">
+                          <a:effectLst/>
+                        </a:rPr>
+                        <a:t>(Test Setup)</a:t>
+                      </a:r>
+                      <a:endParaRPr lang="zh-CN" sz="1050" kern="100">
+                        <a:effectLst/>
+                        <a:latin typeface="Calibri" panose="020F0502020204030204" pitchFamily="34" charset="0"/>
+                        <a:ea typeface="宋体" panose="02010600030101010101" pitchFamily="2" charset="-122"/>
+                        <a:cs typeface="Times New Roman" panose="02020603050405020304" pitchFamily="18" charset="0"/>
+                      </a:endParaRPr>
+                    </a:p>
+                  </a:txBody>
+                  <a:tcPr marL="58882" marR="58882" marT="0" marB="0"/>
+                </a:tc>
+                <a:tc gridSpan="2">
+                  <a:txBody>
+                    <a:bodyPr/>
+                    <a:lstStyle/>
+                    <a:p>
+                      <a:pPr algn="just">
+                        <a:spcAft>
+                          <a:spcPts val="0"/>
+                        </a:spcAft>
+                      </a:pPr>
+                      <a:r>
+                        <a:rPr lang="en-US" sz="1050" kern="100" dirty="0">
+                          <a:effectLst/>
+                        </a:rPr>
+                        <a:t>Steps</a:t>
+                      </a:r>
+                      <a:endParaRPr lang="zh-CN" sz="1050" kern="100" dirty="0">
+                        <a:effectLst/>
+                        <a:latin typeface="Calibri" panose="020F0502020204030204" pitchFamily="34" charset="0"/>
+                        <a:ea typeface="宋体" panose="02010600030101010101" pitchFamily="2" charset="-122"/>
+                        <a:cs typeface="Times New Roman" panose="02020603050405020304" pitchFamily="18" charset="0"/>
+                      </a:endParaRPr>
+                    </a:p>
+                  </a:txBody>
+                  <a:tcPr marL="58882" marR="58882" marT="0" marB="0"/>
+                </a:tc>
+                <a:tc hMerge="1">
+                  <a:txBody>
+                    <a:bodyPr/>
+                    <a:lstStyle/>
+                    <a:p>
+                      <a:endParaRPr lang="zh-CN" altLang="en-US"/>
+                    </a:p>
+                  </a:txBody>
+                  <a:tcPr/>
+                </a:tc>
+              </a:tr>
+              <a:tr h="143933">
+                <a:tc vMerge="1">
+                  <a:txBody>
+                    <a:bodyPr/>
+                    <a:lstStyle/>
+                    <a:p>
+                      <a:endParaRPr lang="zh-CN" altLang="en-US"/>
+                    </a:p>
+                  </a:txBody>
+                  <a:tcPr/>
+                </a:tc>
+                <a:tc>
+                  <a:txBody>
+                    <a:bodyPr/>
+                    <a:lstStyle/>
+                    <a:p>
+                      <a:pPr algn="just">
+                        <a:spcAft>
+                          <a:spcPts val="0"/>
+                        </a:spcAft>
+                      </a:pPr>
+                      <a:r>
+                        <a:rPr lang="en-US" sz="1050" kern="100">
+                          <a:effectLst/>
+                        </a:rPr>
+                        <a:t>1</a:t>
+                      </a:r>
+                      <a:endParaRPr lang="zh-CN" sz="1050" kern="100">
+                        <a:effectLst/>
+                        <a:latin typeface="Calibri" panose="020F0502020204030204" pitchFamily="34" charset="0"/>
+                        <a:ea typeface="宋体" panose="02010600030101010101" pitchFamily="2" charset="-122"/>
+                        <a:cs typeface="Times New Roman" panose="02020603050405020304" pitchFamily="18" charset="0"/>
+                      </a:endParaRPr>
+                    </a:p>
+                  </a:txBody>
+                  <a:tcPr marL="58882" marR="58882" marT="0" marB="0"/>
+                </a:tc>
+                <a:tc>
+                  <a:txBody>
+                    <a:bodyPr/>
+                    <a:lstStyle/>
+                    <a:p>
+                      <a:pPr algn="just">
+                        <a:spcAft>
+                          <a:spcPts val="0"/>
+                        </a:spcAft>
+                      </a:pPr>
+                      <a:r>
+                        <a:rPr lang="zh-CN" sz="1050" kern="100">
+                          <a:effectLst/>
+                        </a:rPr>
+                        <a:t>准备待发送微博文本文件；</a:t>
+                      </a:r>
+                      <a:endParaRPr lang="zh-CN" sz="1050" kern="100">
+                        <a:effectLst/>
+                        <a:latin typeface="Calibri" panose="020F0502020204030204" pitchFamily="34" charset="0"/>
+                        <a:ea typeface="宋体" panose="02010600030101010101" pitchFamily="2" charset="-122"/>
+                        <a:cs typeface="Times New Roman" panose="02020603050405020304" pitchFamily="18" charset="0"/>
+                      </a:endParaRPr>
+                    </a:p>
+                  </a:txBody>
+                  <a:tcPr marL="58882" marR="58882" marT="0" marB="0"/>
+                </a:tc>
+              </a:tr>
+              <a:tr h="143933">
+                <a:tc vMerge="1">
+                  <a:txBody>
+                    <a:bodyPr/>
+                    <a:lstStyle/>
+                    <a:p>
+                      <a:endParaRPr lang="zh-CN" altLang="en-US"/>
+                    </a:p>
+                  </a:txBody>
+                  <a:tcPr/>
+                </a:tc>
+                <a:tc>
+                  <a:txBody>
+                    <a:bodyPr/>
+                    <a:lstStyle/>
+                    <a:p>
+                      <a:pPr algn="just">
+                        <a:spcAft>
+                          <a:spcPts val="0"/>
+                        </a:spcAft>
+                      </a:pPr>
+                      <a:r>
+                        <a:rPr lang="en-US" sz="1050" kern="100">
+                          <a:effectLst/>
+                        </a:rPr>
+                        <a:t>2</a:t>
+                      </a:r>
+                      <a:endParaRPr lang="zh-CN" sz="1050" kern="100">
+                        <a:effectLst/>
+                        <a:latin typeface="Calibri" panose="020F0502020204030204" pitchFamily="34" charset="0"/>
+                        <a:ea typeface="宋体" panose="02010600030101010101" pitchFamily="2" charset="-122"/>
+                        <a:cs typeface="Times New Roman" panose="02020603050405020304" pitchFamily="18" charset="0"/>
+                      </a:endParaRPr>
+                    </a:p>
+                  </a:txBody>
+                  <a:tcPr marL="58882" marR="58882" marT="0" marB="0"/>
+                </a:tc>
+                <a:tc>
+                  <a:txBody>
+                    <a:bodyPr/>
+                    <a:lstStyle/>
+                    <a:p>
+                      <a:pPr algn="just">
+                        <a:spcAft>
+                          <a:spcPts val="0"/>
+                        </a:spcAft>
+                      </a:pPr>
+                      <a:r>
+                        <a:rPr lang="zh-CN" sz="1050" kern="100">
+                          <a:effectLst/>
+                        </a:rPr>
+                        <a:t>确保</a:t>
+                      </a:r>
+                      <a:r>
+                        <a:rPr lang="en-US" sz="1050" kern="100">
+                          <a:effectLst/>
+                        </a:rPr>
+                        <a:t>kafka</a:t>
+                      </a:r>
+                      <a:r>
+                        <a:rPr lang="zh-CN" sz="1050" kern="100">
+                          <a:effectLst/>
+                        </a:rPr>
+                        <a:t>和</a:t>
+                      </a:r>
+                      <a:r>
+                        <a:rPr lang="en-US" sz="1050" kern="100">
+                          <a:effectLst/>
+                        </a:rPr>
+                        <a:t>spark</a:t>
+                      </a:r>
+                      <a:r>
+                        <a:rPr lang="zh-CN" sz="1050" kern="100">
+                          <a:effectLst/>
+                        </a:rPr>
+                        <a:t>处于运行状态；</a:t>
+                      </a:r>
+                      <a:endParaRPr lang="zh-CN" sz="1050" kern="100">
+                        <a:effectLst/>
+                        <a:latin typeface="Calibri" panose="020F0502020204030204" pitchFamily="34" charset="0"/>
+                        <a:ea typeface="宋体" panose="02010600030101010101" pitchFamily="2" charset="-122"/>
+                        <a:cs typeface="Times New Roman" panose="02020603050405020304" pitchFamily="18" charset="0"/>
+                      </a:endParaRPr>
+                    </a:p>
+                  </a:txBody>
+                  <a:tcPr marL="58882" marR="58882" marT="0" marB="0"/>
+                </a:tc>
+              </a:tr>
+              <a:tr h="287867">
+                <a:tc vMerge="1">
+                  <a:txBody>
+                    <a:bodyPr/>
+                    <a:lstStyle/>
+                    <a:p>
+                      <a:endParaRPr lang="zh-CN" altLang="en-US"/>
+                    </a:p>
+                  </a:txBody>
+                  <a:tcPr/>
+                </a:tc>
+                <a:tc>
+                  <a:txBody>
+                    <a:bodyPr/>
+                    <a:lstStyle/>
+                    <a:p>
+                      <a:pPr algn="just">
+                        <a:spcAft>
+                          <a:spcPts val="0"/>
+                        </a:spcAft>
+                      </a:pPr>
+                      <a:r>
+                        <a:rPr lang="en-US" sz="1050" kern="100">
+                          <a:effectLst/>
+                        </a:rPr>
+                        <a:t>Postcondition</a:t>
+                      </a:r>
+                      <a:endParaRPr lang="zh-CN" sz="1050" kern="100">
+                        <a:effectLst/>
+                        <a:latin typeface="Calibri" panose="020F0502020204030204" pitchFamily="34" charset="0"/>
+                        <a:ea typeface="宋体" panose="02010600030101010101" pitchFamily="2" charset="-122"/>
+                        <a:cs typeface="Times New Roman" panose="02020603050405020304" pitchFamily="18" charset="0"/>
+                      </a:endParaRPr>
+                    </a:p>
+                  </a:txBody>
+                  <a:tcPr marL="58882" marR="58882" marT="0" marB="0"/>
+                </a:tc>
+                <a:tc>
+                  <a:txBody>
+                    <a:bodyPr/>
+                    <a:lstStyle/>
+                    <a:p>
+                      <a:pPr algn="just">
+                        <a:spcAft>
+                          <a:spcPts val="0"/>
+                        </a:spcAft>
+                      </a:pPr>
+                      <a:r>
+                        <a:rPr lang="en-US" sz="1050" kern="100">
+                          <a:effectLst/>
+                        </a:rPr>
+                        <a:t>Kafka</a:t>
+                      </a:r>
+                      <a:r>
+                        <a:rPr lang="zh-CN" sz="1050" kern="100">
+                          <a:effectLst/>
+                        </a:rPr>
+                        <a:t>和</a:t>
+                      </a:r>
+                      <a:r>
+                        <a:rPr lang="en-US" sz="1050" kern="100">
+                          <a:effectLst/>
+                        </a:rPr>
+                        <a:t>Spark</a:t>
+                      </a:r>
+                      <a:r>
+                        <a:rPr lang="zh-CN" sz="1050" kern="100">
+                          <a:effectLst/>
+                        </a:rPr>
+                        <a:t>功能正常，数据准备完毕；</a:t>
+                      </a:r>
+                      <a:endParaRPr lang="zh-CN" sz="1050" kern="100">
+                        <a:effectLst/>
+                        <a:latin typeface="Calibri" panose="020F0502020204030204" pitchFamily="34" charset="0"/>
+                        <a:ea typeface="宋体" panose="02010600030101010101" pitchFamily="2" charset="-122"/>
+                        <a:cs typeface="Times New Roman" panose="02020603050405020304" pitchFamily="18" charset="0"/>
+                      </a:endParaRPr>
+                    </a:p>
+                  </a:txBody>
+                  <a:tcPr marL="58882" marR="58882" marT="0" marB="0"/>
+                </a:tc>
+              </a:tr>
+              <a:tr h="143933">
+                <a:tc rowSpan="7">
+                  <a:txBody>
+                    <a:bodyPr/>
+                    <a:lstStyle/>
+                    <a:p>
+                      <a:pPr algn="just">
+                        <a:spcAft>
+                          <a:spcPts val="0"/>
+                        </a:spcAft>
+                      </a:pPr>
+                      <a:r>
+                        <a:rPr lang="en-US" sz="1050" kern="100" dirty="0">
+                          <a:effectLst/>
+                        </a:rPr>
+                        <a:t>Basic Flow</a:t>
+                      </a:r>
+                      <a:endParaRPr lang="zh-CN" sz="1050" kern="100" dirty="0">
+                        <a:effectLst/>
+                      </a:endParaRPr>
+                    </a:p>
+                    <a:p>
+                      <a:pPr algn="just">
+                        <a:spcAft>
+                          <a:spcPts val="0"/>
+                        </a:spcAft>
+                      </a:pPr>
+                      <a:r>
+                        <a:rPr lang="en-US" sz="1050" kern="100" dirty="0">
+                          <a:effectLst/>
+                        </a:rPr>
+                        <a:t>(Test Sequence)</a:t>
+                      </a:r>
+                      <a:endParaRPr lang="zh-CN" sz="1050" kern="100" dirty="0">
+                        <a:effectLst/>
+                        <a:latin typeface="Calibri" panose="020F0502020204030204" pitchFamily="34" charset="0"/>
+                        <a:ea typeface="宋体" panose="02010600030101010101" pitchFamily="2" charset="-122"/>
+                        <a:cs typeface="Times New Roman" panose="02020603050405020304" pitchFamily="18" charset="0"/>
+                      </a:endParaRPr>
+                    </a:p>
+                  </a:txBody>
+                  <a:tcPr marL="58882" marR="58882" marT="0" marB="0"/>
+                </a:tc>
+                <a:tc gridSpan="2">
+                  <a:txBody>
+                    <a:bodyPr/>
+                    <a:lstStyle/>
+                    <a:p>
+                      <a:pPr algn="just">
+                        <a:spcAft>
+                          <a:spcPts val="0"/>
+                        </a:spcAft>
+                      </a:pPr>
+                      <a:r>
+                        <a:rPr lang="en-US" sz="1050" kern="100">
+                          <a:effectLst/>
+                        </a:rPr>
+                        <a:t>Steps</a:t>
+                      </a:r>
+                      <a:endParaRPr lang="zh-CN" sz="1050" kern="100">
+                        <a:effectLst/>
+                        <a:latin typeface="Calibri" panose="020F0502020204030204" pitchFamily="34" charset="0"/>
+                        <a:ea typeface="宋体" panose="02010600030101010101" pitchFamily="2" charset="-122"/>
+                        <a:cs typeface="Times New Roman" panose="02020603050405020304" pitchFamily="18" charset="0"/>
+                      </a:endParaRPr>
+                    </a:p>
+                  </a:txBody>
+                  <a:tcPr marL="58882" marR="58882" marT="0" marB="0"/>
+                </a:tc>
+                <a:tc hMerge="1">
+                  <a:txBody>
+                    <a:bodyPr/>
+                    <a:lstStyle/>
+                    <a:p>
+                      <a:endParaRPr lang="zh-CN" altLang="en-US"/>
+                    </a:p>
+                  </a:txBody>
+                  <a:tcPr/>
+                </a:tc>
+              </a:tr>
+              <a:tr h="143933">
+                <a:tc vMerge="1">
+                  <a:txBody>
+                    <a:bodyPr/>
+                    <a:lstStyle/>
+                    <a:p>
+                      <a:endParaRPr lang="zh-CN" altLang="en-US"/>
+                    </a:p>
+                  </a:txBody>
+                  <a:tcPr/>
+                </a:tc>
+                <a:tc>
+                  <a:txBody>
+                    <a:bodyPr/>
+                    <a:lstStyle/>
+                    <a:p>
+                      <a:pPr algn="just">
+                        <a:spcAft>
+                          <a:spcPts val="0"/>
+                        </a:spcAft>
+                      </a:pPr>
+                      <a:r>
+                        <a:rPr lang="en-US" sz="1050" kern="100">
+                          <a:effectLst/>
+                        </a:rPr>
+                        <a:t>1</a:t>
+                      </a:r>
+                      <a:endParaRPr lang="zh-CN" sz="1050" kern="100">
+                        <a:effectLst/>
+                        <a:latin typeface="Calibri" panose="020F0502020204030204" pitchFamily="34" charset="0"/>
+                        <a:ea typeface="宋体" panose="02010600030101010101" pitchFamily="2" charset="-122"/>
+                        <a:cs typeface="Times New Roman" panose="02020603050405020304" pitchFamily="18" charset="0"/>
+                      </a:endParaRPr>
+                    </a:p>
+                  </a:txBody>
+                  <a:tcPr marL="58882" marR="58882" marT="0" marB="0"/>
+                </a:tc>
+                <a:tc>
+                  <a:txBody>
+                    <a:bodyPr/>
+                    <a:lstStyle/>
+                    <a:p>
+                      <a:pPr algn="just">
+                        <a:spcAft>
+                          <a:spcPts val="0"/>
+                        </a:spcAft>
+                      </a:pPr>
+                      <a:r>
+                        <a:rPr lang="zh-CN" sz="1050" kern="100">
+                          <a:effectLst/>
+                        </a:rPr>
+                        <a:t>启动</a:t>
+                      </a:r>
+                      <a:r>
+                        <a:rPr lang="en-US" sz="1050" kern="100">
+                          <a:effectLst/>
+                        </a:rPr>
+                        <a:t>kafka</a:t>
+                      </a:r>
+                      <a:r>
+                        <a:rPr lang="zh-CN" sz="1050" kern="100">
+                          <a:effectLst/>
+                        </a:rPr>
+                        <a:t>数据发送程序；</a:t>
+                      </a:r>
+                      <a:endParaRPr lang="zh-CN" sz="1050" kern="100">
+                        <a:effectLst/>
+                        <a:latin typeface="Calibri" panose="020F0502020204030204" pitchFamily="34" charset="0"/>
+                        <a:ea typeface="宋体" panose="02010600030101010101" pitchFamily="2" charset="-122"/>
+                        <a:cs typeface="Times New Roman" panose="02020603050405020304" pitchFamily="18" charset="0"/>
+                      </a:endParaRPr>
+                    </a:p>
+                  </a:txBody>
+                  <a:tcPr marL="58882" marR="58882" marT="0" marB="0"/>
+                </a:tc>
+              </a:tr>
+              <a:tr h="143933">
+                <a:tc vMerge="1">
+                  <a:txBody>
+                    <a:bodyPr/>
+                    <a:lstStyle/>
+                    <a:p>
+                      <a:endParaRPr lang="zh-CN" altLang="en-US"/>
+                    </a:p>
+                  </a:txBody>
+                  <a:tcPr/>
+                </a:tc>
+                <a:tc>
+                  <a:txBody>
+                    <a:bodyPr/>
+                    <a:lstStyle/>
+                    <a:p>
+                      <a:pPr algn="just">
+                        <a:spcAft>
+                          <a:spcPts val="0"/>
+                        </a:spcAft>
+                      </a:pPr>
+                      <a:r>
+                        <a:rPr lang="en-US" sz="1050" kern="100">
+                          <a:effectLst/>
+                        </a:rPr>
+                        <a:t>2</a:t>
+                      </a:r>
+                      <a:endParaRPr lang="zh-CN" sz="1050" kern="100">
+                        <a:effectLst/>
+                        <a:latin typeface="Calibri" panose="020F0502020204030204" pitchFamily="34" charset="0"/>
+                        <a:ea typeface="宋体" panose="02010600030101010101" pitchFamily="2" charset="-122"/>
+                        <a:cs typeface="Times New Roman" panose="02020603050405020304" pitchFamily="18" charset="0"/>
+                      </a:endParaRPr>
+                    </a:p>
+                  </a:txBody>
+                  <a:tcPr marL="58882" marR="58882" marT="0" marB="0"/>
+                </a:tc>
+                <a:tc>
+                  <a:txBody>
+                    <a:bodyPr/>
+                    <a:lstStyle/>
+                    <a:p>
+                      <a:pPr algn="just">
+                        <a:spcAft>
+                          <a:spcPts val="0"/>
+                        </a:spcAft>
+                      </a:pPr>
+                      <a:r>
+                        <a:rPr lang="zh-CN" sz="1050" kern="100">
+                          <a:effectLst/>
+                        </a:rPr>
+                        <a:t>启动</a:t>
+                      </a:r>
+                      <a:r>
+                        <a:rPr lang="en-US" sz="1050" kern="100">
+                          <a:effectLst/>
+                        </a:rPr>
+                        <a:t>spark</a:t>
+                      </a:r>
+                      <a:r>
+                        <a:rPr lang="zh-CN" sz="1050" kern="100">
+                          <a:effectLst/>
+                        </a:rPr>
+                        <a:t>测试程序；</a:t>
+                      </a:r>
+                      <a:endParaRPr lang="zh-CN" sz="1050" kern="100">
+                        <a:effectLst/>
+                        <a:latin typeface="Calibri" panose="020F0502020204030204" pitchFamily="34" charset="0"/>
+                        <a:ea typeface="宋体" panose="02010600030101010101" pitchFamily="2" charset="-122"/>
+                        <a:cs typeface="Times New Roman" panose="02020603050405020304" pitchFamily="18" charset="0"/>
+                      </a:endParaRPr>
+                    </a:p>
+                  </a:txBody>
+                  <a:tcPr marL="58882" marR="58882" marT="0" marB="0"/>
+                </a:tc>
+              </a:tr>
+              <a:tr h="143933">
+                <a:tc vMerge="1">
+                  <a:txBody>
+                    <a:bodyPr/>
+                    <a:lstStyle/>
+                    <a:p>
+                      <a:endParaRPr lang="zh-CN" altLang="en-US"/>
+                    </a:p>
+                  </a:txBody>
+                  <a:tcPr/>
+                </a:tc>
+                <a:tc>
+                  <a:txBody>
+                    <a:bodyPr/>
+                    <a:lstStyle/>
+                    <a:p>
+                      <a:pPr algn="just">
+                        <a:spcAft>
+                          <a:spcPts val="0"/>
+                        </a:spcAft>
+                      </a:pPr>
+                      <a:r>
+                        <a:rPr lang="en-US" sz="1050" kern="100">
+                          <a:effectLst/>
+                        </a:rPr>
+                        <a:t>3</a:t>
+                      </a:r>
+                      <a:endParaRPr lang="zh-CN" sz="1050" kern="100">
+                        <a:effectLst/>
+                        <a:latin typeface="Calibri" panose="020F0502020204030204" pitchFamily="34" charset="0"/>
+                        <a:ea typeface="宋体" panose="02010600030101010101" pitchFamily="2" charset="-122"/>
+                        <a:cs typeface="Times New Roman" panose="02020603050405020304" pitchFamily="18" charset="0"/>
+                      </a:endParaRPr>
+                    </a:p>
+                  </a:txBody>
+                  <a:tcPr marL="58882" marR="58882" marT="0" marB="0"/>
+                </a:tc>
+                <a:tc>
+                  <a:txBody>
+                    <a:bodyPr/>
+                    <a:lstStyle/>
+                    <a:p>
+                      <a:pPr algn="just">
+                        <a:spcAft>
+                          <a:spcPts val="0"/>
+                        </a:spcAft>
+                      </a:pPr>
+                      <a:r>
+                        <a:rPr lang="zh-CN" sz="1050" kern="100">
+                          <a:effectLst/>
+                        </a:rPr>
+                        <a:t>记录运行是否正常以及处理时间；</a:t>
+                      </a:r>
+                      <a:endParaRPr lang="zh-CN" sz="1050" kern="100">
+                        <a:effectLst/>
+                        <a:latin typeface="Calibri" panose="020F0502020204030204" pitchFamily="34" charset="0"/>
+                        <a:ea typeface="宋体" panose="02010600030101010101" pitchFamily="2" charset="-122"/>
+                        <a:cs typeface="Times New Roman" panose="02020603050405020304" pitchFamily="18" charset="0"/>
+                      </a:endParaRPr>
+                    </a:p>
+                  </a:txBody>
+                  <a:tcPr marL="58882" marR="58882" marT="0" marB="0"/>
+                </a:tc>
+              </a:tr>
+              <a:tr h="143933">
+                <a:tc vMerge="1">
+                  <a:txBody>
+                    <a:bodyPr/>
+                    <a:lstStyle/>
+                    <a:p>
+                      <a:endParaRPr lang="zh-CN" altLang="en-US"/>
+                    </a:p>
+                  </a:txBody>
+                  <a:tcPr/>
+                </a:tc>
+                <a:tc>
+                  <a:txBody>
+                    <a:bodyPr/>
+                    <a:lstStyle/>
+                    <a:p>
+                      <a:pPr algn="just">
+                        <a:spcAft>
+                          <a:spcPts val="0"/>
+                        </a:spcAft>
+                      </a:pPr>
+                      <a:r>
+                        <a:rPr lang="en-US" sz="1050" kern="100">
+                          <a:effectLst/>
+                        </a:rPr>
+                        <a:t>3</a:t>
+                      </a:r>
+                      <a:endParaRPr lang="zh-CN" sz="1050" kern="100">
+                        <a:effectLst/>
+                        <a:latin typeface="Calibri" panose="020F0502020204030204" pitchFamily="34" charset="0"/>
+                        <a:ea typeface="宋体" panose="02010600030101010101" pitchFamily="2" charset="-122"/>
+                        <a:cs typeface="Times New Roman" panose="02020603050405020304" pitchFamily="18" charset="0"/>
+                      </a:endParaRPr>
+                    </a:p>
+                  </a:txBody>
+                  <a:tcPr marL="58882" marR="58882" marT="0" marB="0"/>
+                </a:tc>
+                <a:tc>
+                  <a:txBody>
+                    <a:bodyPr/>
+                    <a:lstStyle/>
+                    <a:p>
+                      <a:pPr algn="just">
+                        <a:spcAft>
+                          <a:spcPts val="0"/>
+                        </a:spcAft>
+                      </a:pPr>
+                      <a:r>
+                        <a:rPr lang="zh-CN" sz="1050" kern="100">
+                          <a:effectLst/>
+                        </a:rPr>
+                        <a:t>增加并行</a:t>
+                      </a:r>
+                      <a:r>
+                        <a:rPr lang="en-US" sz="1050" kern="100">
+                          <a:effectLst/>
+                        </a:rPr>
+                        <a:t>kafka</a:t>
+                      </a:r>
+                      <a:r>
+                        <a:rPr lang="zh-CN" sz="1050" kern="100">
+                          <a:effectLst/>
+                        </a:rPr>
+                        <a:t>实例的数量，重复</a:t>
+                      </a:r>
+                      <a:r>
+                        <a:rPr lang="en-US" sz="1050" kern="100">
+                          <a:effectLst/>
+                        </a:rPr>
+                        <a:t>1-3</a:t>
+                      </a:r>
+                      <a:r>
+                        <a:rPr lang="zh-CN" sz="1050" kern="100">
+                          <a:effectLst/>
+                        </a:rPr>
+                        <a:t>；</a:t>
+                      </a:r>
+                      <a:endParaRPr lang="zh-CN" sz="1050" kern="100">
+                        <a:effectLst/>
+                        <a:latin typeface="Calibri" panose="020F0502020204030204" pitchFamily="34" charset="0"/>
+                        <a:ea typeface="宋体" panose="02010600030101010101" pitchFamily="2" charset="-122"/>
+                        <a:cs typeface="Times New Roman" panose="02020603050405020304" pitchFamily="18" charset="0"/>
+                      </a:endParaRPr>
+                    </a:p>
+                  </a:txBody>
+                  <a:tcPr marL="58882" marR="58882" marT="0" marB="0"/>
+                </a:tc>
+              </a:tr>
+              <a:tr h="287867">
+                <a:tc vMerge="1">
+                  <a:txBody>
+                    <a:bodyPr/>
+                    <a:lstStyle/>
+                    <a:p>
+                      <a:endParaRPr lang="zh-CN" altLang="en-US"/>
+                    </a:p>
+                  </a:txBody>
+                  <a:tcPr/>
+                </a:tc>
+                <a:tc>
+                  <a:txBody>
+                    <a:bodyPr/>
+                    <a:lstStyle/>
+                    <a:p>
+                      <a:pPr algn="just">
+                        <a:spcAft>
+                          <a:spcPts val="0"/>
+                        </a:spcAft>
+                      </a:pPr>
+                      <a:r>
+                        <a:rPr lang="en-US" sz="1050" kern="100">
+                          <a:effectLst/>
+                        </a:rPr>
+                        <a:t>4</a:t>
+                      </a:r>
+                      <a:endParaRPr lang="zh-CN" sz="1050" kern="100">
+                        <a:effectLst/>
+                        <a:latin typeface="Calibri" panose="020F0502020204030204" pitchFamily="34" charset="0"/>
+                        <a:ea typeface="宋体" panose="02010600030101010101" pitchFamily="2" charset="-122"/>
+                        <a:cs typeface="Times New Roman" panose="02020603050405020304" pitchFamily="18" charset="0"/>
+                      </a:endParaRPr>
+                    </a:p>
+                  </a:txBody>
+                  <a:tcPr marL="58882" marR="58882" marT="0" marB="0"/>
+                </a:tc>
+                <a:tc>
+                  <a:txBody>
+                    <a:bodyPr/>
+                    <a:lstStyle/>
+                    <a:p>
+                      <a:pPr algn="just">
+                        <a:spcAft>
+                          <a:spcPts val="0"/>
+                        </a:spcAft>
+                        <a:tabLst>
+                          <a:tab pos="676275" algn="l"/>
+                        </a:tabLst>
+                      </a:pPr>
+                      <a:r>
+                        <a:rPr lang="zh-CN" sz="1050" kern="100">
+                          <a:effectLst/>
+                        </a:rPr>
+                        <a:t>判断</a:t>
+                      </a:r>
+                      <a:r>
+                        <a:rPr lang="en-US" sz="1050" kern="100">
+                          <a:effectLst/>
+                        </a:rPr>
+                        <a:t>kafka</a:t>
+                      </a:r>
+                      <a:r>
+                        <a:rPr lang="zh-CN" sz="1050" kern="100">
+                          <a:effectLst/>
+                        </a:rPr>
+                        <a:t>数据获取部分能否很好实现并行化</a:t>
+                      </a:r>
+                      <a:endParaRPr lang="zh-CN" sz="1050" kern="100">
+                        <a:effectLst/>
+                        <a:latin typeface="Calibri" panose="020F0502020204030204" pitchFamily="34" charset="0"/>
+                        <a:ea typeface="宋体" panose="02010600030101010101" pitchFamily="2" charset="-122"/>
+                        <a:cs typeface="Times New Roman" panose="02020603050405020304" pitchFamily="18" charset="0"/>
+                      </a:endParaRPr>
+                    </a:p>
+                  </a:txBody>
+                  <a:tcPr marL="58882" marR="58882" marT="0" marB="0"/>
+                </a:tc>
+              </a:tr>
+              <a:tr h="287867">
+                <a:tc vMerge="1">
+                  <a:txBody>
+                    <a:bodyPr/>
+                    <a:lstStyle/>
+                    <a:p>
+                      <a:endParaRPr lang="zh-CN" altLang="en-US"/>
+                    </a:p>
+                  </a:txBody>
+                  <a:tcPr/>
+                </a:tc>
+                <a:tc>
+                  <a:txBody>
+                    <a:bodyPr/>
+                    <a:lstStyle/>
+                    <a:p>
+                      <a:pPr algn="just">
+                        <a:spcAft>
+                          <a:spcPts val="0"/>
+                        </a:spcAft>
+                      </a:pPr>
+                      <a:r>
+                        <a:rPr lang="en-US" sz="1050" kern="100">
+                          <a:effectLst/>
+                        </a:rPr>
+                        <a:t>Postcondition</a:t>
+                      </a:r>
+                      <a:endParaRPr lang="zh-CN" sz="1050" kern="100">
+                        <a:effectLst/>
+                        <a:latin typeface="Calibri" panose="020F0502020204030204" pitchFamily="34" charset="0"/>
+                        <a:ea typeface="宋体" panose="02010600030101010101" pitchFamily="2" charset="-122"/>
+                        <a:cs typeface="Times New Roman" panose="02020603050405020304" pitchFamily="18" charset="0"/>
+                      </a:endParaRPr>
+                    </a:p>
+                  </a:txBody>
+                  <a:tcPr marL="58882" marR="58882" marT="0" marB="0"/>
+                </a:tc>
+                <a:tc>
+                  <a:txBody>
+                    <a:bodyPr/>
+                    <a:lstStyle/>
+                    <a:p>
+                      <a:pPr algn="just">
+                        <a:spcAft>
+                          <a:spcPts val="0"/>
+                        </a:spcAft>
+                        <a:tabLst>
+                          <a:tab pos="676275" algn="l"/>
+                        </a:tabLst>
+                      </a:pPr>
+                      <a:r>
+                        <a:rPr lang="zh-CN" sz="1050" kern="100">
+                          <a:effectLst/>
+                        </a:rPr>
+                        <a:t>判断</a:t>
+                      </a:r>
+                      <a:r>
+                        <a:rPr lang="en-US" sz="1050" kern="100">
+                          <a:effectLst/>
+                        </a:rPr>
+                        <a:t>kafka</a:t>
+                      </a:r>
+                      <a:r>
+                        <a:rPr lang="zh-CN" sz="1050" kern="100">
+                          <a:effectLst/>
+                        </a:rPr>
+                        <a:t>是否有很好的并行化处理能力；</a:t>
+                      </a:r>
+                      <a:endParaRPr lang="zh-CN" sz="1050" kern="100">
+                        <a:effectLst/>
+                        <a:latin typeface="Calibri" panose="020F0502020204030204" pitchFamily="34" charset="0"/>
+                        <a:ea typeface="宋体" panose="02010600030101010101" pitchFamily="2" charset="-122"/>
+                        <a:cs typeface="Times New Roman" panose="02020603050405020304" pitchFamily="18" charset="0"/>
+                      </a:endParaRPr>
+                    </a:p>
+                  </a:txBody>
+                  <a:tcPr marL="58882" marR="58882" marT="0" marB="0"/>
+                </a:tc>
+              </a:tr>
+              <a:tr h="287867">
+                <a:tc>
+                  <a:txBody>
+                    <a:bodyPr/>
+                    <a:lstStyle/>
+                    <a:p>
+                      <a:pPr algn="just">
+                        <a:spcAft>
+                          <a:spcPts val="0"/>
+                        </a:spcAft>
+                      </a:pPr>
+                      <a:r>
+                        <a:rPr lang="en-US" sz="1050" kern="100" dirty="0">
+                          <a:effectLst/>
+                        </a:rPr>
+                        <a:t>Evaluation Criterion</a:t>
+                      </a:r>
+                      <a:endParaRPr lang="zh-CN" sz="1050" kern="100" dirty="0">
+                        <a:effectLst/>
+                        <a:latin typeface="Calibri" panose="020F0502020204030204" pitchFamily="34" charset="0"/>
+                        <a:ea typeface="宋体" panose="02010600030101010101" pitchFamily="2" charset="-122"/>
+                        <a:cs typeface="Times New Roman" panose="02020603050405020304" pitchFamily="18" charset="0"/>
+                      </a:endParaRPr>
+                    </a:p>
+                  </a:txBody>
+                  <a:tcPr marL="58882" marR="58882" marT="0" marB="0"/>
+                </a:tc>
+                <a:tc gridSpan="2">
+                  <a:txBody>
+                    <a:bodyPr/>
+                    <a:lstStyle/>
+                    <a:p>
+                      <a:pPr algn="just">
+                        <a:spcAft>
+                          <a:spcPts val="0"/>
+                        </a:spcAft>
+                      </a:pPr>
+                      <a:r>
+                        <a:rPr lang="zh-CN" sz="1050" kern="100" dirty="0">
+                          <a:effectLst/>
+                        </a:rPr>
+                        <a:t>并行化前后，是否均运行正确，以及增加并行前后的运行速度差异。</a:t>
+                      </a:r>
+                      <a:endParaRPr lang="zh-CN" sz="1050" kern="100" dirty="0">
+                        <a:effectLst/>
+                        <a:latin typeface="Calibri" panose="020F0502020204030204" pitchFamily="34" charset="0"/>
+                        <a:ea typeface="宋体" panose="02010600030101010101" pitchFamily="2" charset="-122"/>
+                        <a:cs typeface="Times New Roman" panose="02020603050405020304" pitchFamily="18" charset="0"/>
+                      </a:endParaRPr>
+                    </a:p>
+                  </a:txBody>
+                  <a:tcPr marL="58882" marR="58882" marT="0" marB="0"/>
+                </a:tc>
+                <a:tc hMerge="1">
+                  <a:txBody>
+                    <a:bodyPr/>
+                    <a:lstStyle/>
+                    <a:p>
+                      <a:endParaRPr lang="zh-CN" altLang="en-US"/>
+                    </a:p>
+                  </a:txBody>
+                  <a:tcPr/>
+                </a:tc>
+              </a:tr>
+            </a:tbl>
+          </a:graphicData>
+        </a:graphic>
+      </p:graphicFrame>
+      <p:graphicFrame>
+        <p:nvGraphicFramePr>
+          <p:cNvPr id="15" name="表格 14"/>
+          <p:cNvGraphicFramePr>
+            <a:graphicFrameLocks noGrp="1"/>
+          </p:cNvGraphicFramePr>
+          <p:nvPr>
+            <p:extLst>
+              <p:ext uri="{D42A27DB-BD31-4B8C-83A1-F6EECF244321}">
+                <p14:modId xmlns:p14="http://schemas.microsoft.com/office/powerpoint/2010/main" val="429921661"/>
+              </p:ext>
+            </p:extLst>
+          </p:nvPr>
+        </p:nvGraphicFramePr>
+        <p:xfrm>
+          <a:off x="3790564" y="1681179"/>
+          <a:ext cx="5342550" cy="4111415"/>
+        </p:xfrm>
+        <a:graphic>
+          <a:graphicData uri="http://schemas.openxmlformats.org/drawingml/2006/table">
+            <a:tbl>
+              <a:tblPr firstRow="1" firstCol="1" bandRow="1">
+                <a:tableStyleId>{5C22544A-7EE6-4342-B048-85BDC9FD1C3A}</a:tableStyleId>
+              </a:tblPr>
+              <a:tblGrid>
+                <a:gridCol w="999871"/>
+                <a:gridCol w="1051959"/>
+                <a:gridCol w="3290720"/>
+              </a:tblGrid>
+              <a:tr h="143933">
+                <a:tc gridSpan="3">
+                  <a:txBody>
+                    <a:bodyPr/>
+                    <a:lstStyle/>
+                    <a:p>
+                      <a:pPr algn="ctr">
+                        <a:spcAft>
+                          <a:spcPts val="0"/>
+                        </a:spcAft>
+                      </a:pPr>
+                      <a:r>
+                        <a:rPr lang="en-US" sz="900" kern="100" dirty="0">
+                          <a:effectLst/>
+                        </a:rPr>
+                        <a:t>Test Case Specification</a:t>
+                      </a:r>
+                      <a:endParaRPr lang="zh-CN" sz="900" kern="100" dirty="0">
+                        <a:effectLst/>
+                        <a:latin typeface="Calibri" panose="020F0502020204030204" pitchFamily="34" charset="0"/>
+                        <a:ea typeface="宋体" panose="02010600030101010101" pitchFamily="2" charset="-122"/>
+                        <a:cs typeface="Times New Roman" panose="02020603050405020304" pitchFamily="18" charset="0"/>
+                      </a:endParaRPr>
+                    </a:p>
+                  </a:txBody>
+                  <a:tcPr marL="58882" marR="58882" marT="0" marB="0"/>
+                </a:tc>
+                <a:tc hMerge="1">
+                  <a:txBody>
+                    <a:bodyPr/>
+                    <a:lstStyle/>
+                    <a:p>
+                      <a:endParaRPr lang="zh-CN" altLang="en-US"/>
+                    </a:p>
+                  </a:txBody>
+                  <a:tcPr/>
+                </a:tc>
+                <a:tc hMerge="1">
+                  <a:txBody>
+                    <a:bodyPr/>
+                    <a:lstStyle/>
+                    <a:p>
+                      <a:endParaRPr lang="zh-CN" altLang="en-US"/>
+                    </a:p>
+                  </a:txBody>
+                  <a:tcPr/>
+                </a:tc>
+              </a:tr>
+              <a:tr h="143933">
+                <a:tc>
+                  <a:txBody>
+                    <a:bodyPr/>
+                    <a:lstStyle/>
+                    <a:p>
+                      <a:pPr algn="just">
+                        <a:spcAft>
+                          <a:spcPts val="0"/>
+                        </a:spcAft>
+                      </a:pPr>
+                      <a:r>
+                        <a:rPr lang="en-US" sz="1050" kern="100">
+                          <a:effectLst/>
+                        </a:rPr>
+                        <a:t>Name</a:t>
+                      </a:r>
+                      <a:endParaRPr lang="zh-CN" sz="1050" kern="100">
+                        <a:effectLst/>
+                        <a:latin typeface="Calibri" panose="020F0502020204030204" pitchFamily="34" charset="0"/>
+                        <a:ea typeface="宋体" panose="02010600030101010101" pitchFamily="2" charset="-122"/>
+                        <a:cs typeface="Times New Roman" panose="02020603050405020304" pitchFamily="18" charset="0"/>
+                      </a:endParaRPr>
+                    </a:p>
+                  </a:txBody>
+                  <a:tcPr marL="58882" marR="58882" marT="0" marB="0"/>
+                </a:tc>
+                <a:tc gridSpan="2">
+                  <a:txBody>
+                    <a:bodyPr/>
+                    <a:lstStyle/>
+                    <a:p>
+                      <a:pPr algn="just">
+                        <a:spcAft>
+                          <a:spcPts val="0"/>
+                        </a:spcAft>
+                      </a:pPr>
+                      <a:r>
+                        <a:rPr lang="zh-CN" sz="1050" kern="100">
+                          <a:effectLst/>
+                        </a:rPr>
+                        <a:t>过期数据清理测试</a:t>
+                      </a:r>
+                      <a:endParaRPr lang="zh-CN" sz="1050" kern="100">
+                        <a:effectLst/>
+                        <a:latin typeface="Calibri" panose="020F0502020204030204" pitchFamily="34" charset="0"/>
+                        <a:ea typeface="宋体" panose="02010600030101010101" pitchFamily="2" charset="-122"/>
+                        <a:cs typeface="Times New Roman" panose="02020603050405020304" pitchFamily="18" charset="0"/>
+                      </a:endParaRPr>
+                    </a:p>
+                  </a:txBody>
+                  <a:tcPr marL="58882" marR="58882" marT="0" marB="0"/>
+                </a:tc>
+                <a:tc hMerge="1">
+                  <a:txBody>
+                    <a:bodyPr/>
+                    <a:lstStyle/>
+                    <a:p>
+                      <a:endParaRPr lang="zh-CN" altLang="en-US"/>
+                    </a:p>
+                  </a:txBody>
+                  <a:tcPr/>
+                </a:tc>
+              </a:tr>
+              <a:tr h="287867">
+                <a:tc>
+                  <a:txBody>
+                    <a:bodyPr/>
+                    <a:lstStyle/>
+                    <a:p>
+                      <a:pPr algn="just">
+                        <a:spcAft>
+                          <a:spcPts val="0"/>
+                        </a:spcAft>
+                      </a:pPr>
+                      <a:r>
+                        <a:rPr lang="en-US" sz="1050" kern="100">
+                          <a:effectLst/>
+                        </a:rPr>
+                        <a:t>Brief Description</a:t>
+                      </a:r>
+                      <a:endParaRPr lang="zh-CN" sz="1050" kern="100">
+                        <a:effectLst/>
+                        <a:latin typeface="Calibri" panose="020F0502020204030204" pitchFamily="34" charset="0"/>
+                        <a:ea typeface="宋体" panose="02010600030101010101" pitchFamily="2" charset="-122"/>
+                        <a:cs typeface="Times New Roman" panose="02020603050405020304" pitchFamily="18" charset="0"/>
+                      </a:endParaRPr>
+                    </a:p>
+                  </a:txBody>
+                  <a:tcPr marL="58882" marR="58882" marT="0" marB="0"/>
+                </a:tc>
+                <a:tc gridSpan="2">
+                  <a:txBody>
+                    <a:bodyPr/>
+                    <a:lstStyle/>
+                    <a:p>
+                      <a:pPr algn="just">
+                        <a:spcAft>
+                          <a:spcPts val="0"/>
+                        </a:spcAft>
+                      </a:pPr>
+                      <a:r>
+                        <a:rPr lang="zh-CN" sz="1050" kern="100">
+                          <a:effectLst/>
+                        </a:rPr>
+                        <a:t>测试过期数据能否及时清除</a:t>
+                      </a:r>
+                      <a:endParaRPr lang="zh-CN" sz="1050" kern="100">
+                        <a:effectLst/>
+                        <a:latin typeface="Calibri" panose="020F0502020204030204" pitchFamily="34" charset="0"/>
+                        <a:ea typeface="宋体" panose="02010600030101010101" pitchFamily="2" charset="-122"/>
+                        <a:cs typeface="Times New Roman" panose="02020603050405020304" pitchFamily="18" charset="0"/>
+                      </a:endParaRPr>
+                    </a:p>
+                  </a:txBody>
+                  <a:tcPr marL="58882" marR="58882" marT="0" marB="0"/>
+                </a:tc>
+                <a:tc hMerge="1">
+                  <a:txBody>
+                    <a:bodyPr/>
+                    <a:lstStyle/>
+                    <a:p>
+                      <a:endParaRPr lang="zh-CN" altLang="en-US"/>
+                    </a:p>
+                  </a:txBody>
+                  <a:tcPr/>
+                </a:tc>
+              </a:tr>
+              <a:tr h="143933">
+                <a:tc>
+                  <a:txBody>
+                    <a:bodyPr/>
+                    <a:lstStyle/>
+                    <a:p>
+                      <a:pPr algn="just">
+                        <a:spcAft>
+                          <a:spcPts val="0"/>
+                        </a:spcAft>
+                      </a:pPr>
+                      <a:r>
+                        <a:rPr lang="en-US" sz="1050" kern="100">
+                          <a:effectLst/>
+                        </a:rPr>
+                        <a:t>Precondition</a:t>
+                      </a:r>
+                      <a:endParaRPr lang="zh-CN" sz="1050" kern="100">
+                        <a:effectLst/>
+                        <a:latin typeface="Calibri" panose="020F0502020204030204" pitchFamily="34" charset="0"/>
+                        <a:ea typeface="宋体" panose="02010600030101010101" pitchFamily="2" charset="-122"/>
+                        <a:cs typeface="Times New Roman" panose="02020603050405020304" pitchFamily="18" charset="0"/>
+                      </a:endParaRPr>
+                    </a:p>
+                  </a:txBody>
+                  <a:tcPr marL="58882" marR="58882" marT="0" marB="0"/>
+                </a:tc>
+                <a:tc gridSpan="2">
+                  <a:txBody>
+                    <a:bodyPr/>
+                    <a:lstStyle/>
+                    <a:p>
+                      <a:pPr algn="just">
+                        <a:spcAft>
+                          <a:spcPts val="0"/>
+                        </a:spcAft>
+                      </a:pPr>
+                      <a:r>
+                        <a:rPr lang="en-US" sz="1050" kern="100">
+                          <a:effectLst/>
+                        </a:rPr>
+                        <a:t>Kafka</a:t>
+                      </a:r>
+                      <a:r>
+                        <a:rPr lang="zh-CN" sz="1050" kern="100">
+                          <a:effectLst/>
+                        </a:rPr>
+                        <a:t>和</a:t>
+                      </a:r>
+                      <a:r>
+                        <a:rPr lang="en-US" sz="1050" kern="100">
+                          <a:effectLst/>
+                        </a:rPr>
+                        <a:t>spark</a:t>
+                      </a:r>
+                      <a:r>
+                        <a:rPr lang="zh-CN" sz="1050" kern="100">
+                          <a:effectLst/>
+                        </a:rPr>
+                        <a:t>运行正常</a:t>
+                      </a:r>
+                      <a:endParaRPr lang="zh-CN" sz="1050" kern="100">
+                        <a:effectLst/>
+                        <a:latin typeface="Calibri" panose="020F0502020204030204" pitchFamily="34" charset="0"/>
+                        <a:ea typeface="宋体" panose="02010600030101010101" pitchFamily="2" charset="-122"/>
+                        <a:cs typeface="Times New Roman" panose="02020603050405020304" pitchFamily="18" charset="0"/>
+                      </a:endParaRPr>
+                    </a:p>
+                  </a:txBody>
+                  <a:tcPr marL="58882" marR="58882" marT="0" marB="0"/>
+                </a:tc>
+                <a:tc hMerge="1">
+                  <a:txBody>
+                    <a:bodyPr/>
+                    <a:lstStyle/>
+                    <a:p>
+                      <a:endParaRPr lang="zh-CN" altLang="en-US"/>
+                    </a:p>
+                  </a:txBody>
+                  <a:tcPr/>
+                </a:tc>
+              </a:tr>
+              <a:tr h="143933">
+                <a:tc>
+                  <a:txBody>
+                    <a:bodyPr/>
+                    <a:lstStyle/>
+                    <a:p>
+                      <a:pPr algn="just">
+                        <a:spcAft>
+                          <a:spcPts val="0"/>
+                        </a:spcAft>
+                      </a:pPr>
+                      <a:r>
+                        <a:rPr lang="en-US" sz="1050" kern="100">
+                          <a:effectLst/>
+                        </a:rPr>
+                        <a:t>Tester</a:t>
+                      </a:r>
+                      <a:endParaRPr lang="zh-CN" sz="1050" kern="100">
+                        <a:effectLst/>
+                        <a:latin typeface="Calibri" panose="020F0502020204030204" pitchFamily="34" charset="0"/>
+                        <a:ea typeface="宋体" panose="02010600030101010101" pitchFamily="2" charset="-122"/>
+                        <a:cs typeface="Times New Roman" panose="02020603050405020304" pitchFamily="18" charset="0"/>
+                      </a:endParaRPr>
+                    </a:p>
+                  </a:txBody>
+                  <a:tcPr marL="58882" marR="58882" marT="0" marB="0"/>
+                </a:tc>
+                <a:tc gridSpan="2">
+                  <a:txBody>
+                    <a:bodyPr/>
+                    <a:lstStyle/>
+                    <a:p>
+                      <a:pPr algn="just">
+                        <a:spcAft>
+                          <a:spcPts val="0"/>
+                        </a:spcAft>
+                      </a:pPr>
+                      <a:r>
+                        <a:rPr lang="zh-CN" sz="1050" kern="100">
+                          <a:effectLst/>
+                        </a:rPr>
+                        <a:t>测试员</a:t>
+                      </a:r>
+                      <a:endParaRPr lang="zh-CN" sz="1050" kern="100">
+                        <a:effectLst/>
+                        <a:latin typeface="Calibri" panose="020F0502020204030204" pitchFamily="34" charset="0"/>
+                        <a:ea typeface="宋体" panose="02010600030101010101" pitchFamily="2" charset="-122"/>
+                        <a:cs typeface="Times New Roman" panose="02020603050405020304" pitchFamily="18" charset="0"/>
+                      </a:endParaRPr>
+                    </a:p>
+                  </a:txBody>
+                  <a:tcPr marL="58882" marR="58882" marT="0" marB="0"/>
+                </a:tc>
+                <a:tc hMerge="1">
+                  <a:txBody>
+                    <a:bodyPr/>
+                    <a:lstStyle/>
+                    <a:p>
+                      <a:endParaRPr lang="zh-CN" altLang="en-US"/>
+                    </a:p>
+                  </a:txBody>
+                  <a:tcPr/>
+                </a:tc>
+              </a:tr>
+              <a:tr h="143933">
+                <a:tc>
+                  <a:txBody>
+                    <a:bodyPr/>
+                    <a:lstStyle/>
+                    <a:p>
+                      <a:pPr algn="just">
+                        <a:spcAft>
+                          <a:spcPts val="0"/>
+                        </a:spcAft>
+                      </a:pPr>
+                      <a:r>
+                        <a:rPr lang="en-US" sz="1050" kern="100">
+                          <a:effectLst/>
+                        </a:rPr>
+                        <a:t>Dependency</a:t>
+                      </a:r>
+                      <a:endParaRPr lang="zh-CN" sz="1050" kern="100">
+                        <a:effectLst/>
+                        <a:latin typeface="Calibri" panose="020F0502020204030204" pitchFamily="34" charset="0"/>
+                        <a:ea typeface="宋体" panose="02010600030101010101" pitchFamily="2" charset="-122"/>
+                        <a:cs typeface="Times New Roman" panose="02020603050405020304" pitchFamily="18" charset="0"/>
+                      </a:endParaRPr>
+                    </a:p>
+                  </a:txBody>
+                  <a:tcPr marL="58882" marR="58882" marT="0" marB="0"/>
+                </a:tc>
+                <a:tc gridSpan="2">
+                  <a:txBody>
+                    <a:bodyPr/>
+                    <a:lstStyle/>
+                    <a:p>
+                      <a:pPr algn="just">
+                        <a:spcAft>
+                          <a:spcPts val="0"/>
+                        </a:spcAft>
+                      </a:pPr>
+                      <a:r>
+                        <a:rPr lang="en-US" sz="1050" kern="100">
+                          <a:effectLst/>
+                        </a:rPr>
+                        <a:t>None</a:t>
+                      </a:r>
+                      <a:endParaRPr lang="zh-CN" sz="1050" kern="100">
+                        <a:effectLst/>
+                        <a:latin typeface="Calibri" panose="020F0502020204030204" pitchFamily="34" charset="0"/>
+                        <a:ea typeface="宋体" panose="02010600030101010101" pitchFamily="2" charset="-122"/>
+                        <a:cs typeface="Times New Roman" panose="02020603050405020304" pitchFamily="18" charset="0"/>
+                      </a:endParaRPr>
+                    </a:p>
+                  </a:txBody>
+                  <a:tcPr marL="58882" marR="58882" marT="0" marB="0"/>
+                </a:tc>
+                <a:tc hMerge="1">
+                  <a:txBody>
+                    <a:bodyPr/>
+                    <a:lstStyle/>
+                    <a:p>
+                      <a:endParaRPr lang="zh-CN" altLang="en-US"/>
+                    </a:p>
+                  </a:txBody>
+                  <a:tcPr/>
+                </a:tc>
+              </a:tr>
+              <a:tr h="143933">
+                <a:tc rowSpan="2">
+                  <a:txBody>
+                    <a:bodyPr/>
+                    <a:lstStyle/>
+                    <a:p>
+                      <a:pPr algn="just">
+                        <a:spcAft>
+                          <a:spcPts val="0"/>
+                        </a:spcAft>
+                      </a:pPr>
+                      <a:r>
+                        <a:rPr lang="en-US" sz="1050" kern="100">
+                          <a:effectLst/>
+                        </a:rPr>
+                        <a:t>Test Setup</a:t>
+                      </a:r>
+                      <a:endParaRPr lang="zh-CN" sz="1050" kern="100">
+                        <a:effectLst/>
+                        <a:latin typeface="Calibri" panose="020F0502020204030204" pitchFamily="34" charset="0"/>
+                        <a:ea typeface="宋体" panose="02010600030101010101" pitchFamily="2" charset="-122"/>
+                        <a:cs typeface="Times New Roman" panose="02020603050405020304" pitchFamily="18" charset="0"/>
+                      </a:endParaRPr>
+                    </a:p>
+                  </a:txBody>
+                  <a:tcPr marL="58882" marR="58882" marT="0" marB="0"/>
+                </a:tc>
+                <a:tc>
+                  <a:txBody>
+                    <a:bodyPr/>
+                    <a:lstStyle/>
+                    <a:p>
+                      <a:pPr algn="just">
+                        <a:spcAft>
+                          <a:spcPts val="0"/>
+                        </a:spcAft>
+                      </a:pPr>
+                      <a:r>
+                        <a:rPr lang="en-US" sz="1050" kern="100">
+                          <a:effectLst/>
+                        </a:rPr>
+                        <a:t>Name</a:t>
+                      </a:r>
+                      <a:endParaRPr lang="zh-CN" sz="1050" kern="100">
+                        <a:effectLst/>
+                        <a:latin typeface="Calibri" panose="020F0502020204030204" pitchFamily="34" charset="0"/>
+                        <a:ea typeface="宋体" panose="02010600030101010101" pitchFamily="2" charset="-122"/>
+                        <a:cs typeface="Times New Roman" panose="02020603050405020304" pitchFamily="18" charset="0"/>
+                      </a:endParaRPr>
+                    </a:p>
+                  </a:txBody>
+                  <a:tcPr marL="58882" marR="58882" marT="0" marB="0"/>
+                </a:tc>
+                <a:tc>
+                  <a:txBody>
+                    <a:bodyPr/>
+                    <a:lstStyle/>
+                    <a:p>
+                      <a:pPr algn="just">
+                        <a:spcAft>
+                          <a:spcPts val="0"/>
+                        </a:spcAft>
+                      </a:pPr>
+                      <a:r>
+                        <a:rPr lang="zh-CN" sz="1050" kern="100">
+                          <a:effectLst/>
+                        </a:rPr>
+                        <a:t>数据不停入库，设置删除时间</a:t>
+                      </a:r>
+                      <a:endParaRPr lang="zh-CN" sz="1050" kern="100">
+                        <a:effectLst/>
+                        <a:latin typeface="Calibri" panose="020F0502020204030204" pitchFamily="34" charset="0"/>
+                        <a:ea typeface="宋体" panose="02010600030101010101" pitchFamily="2" charset="-122"/>
+                        <a:cs typeface="Times New Roman" panose="02020603050405020304" pitchFamily="18" charset="0"/>
+                      </a:endParaRPr>
+                    </a:p>
+                  </a:txBody>
+                  <a:tcPr marL="58882" marR="58882" marT="0" marB="0"/>
+                </a:tc>
+              </a:tr>
+              <a:tr h="287867">
+                <a:tc vMerge="1">
+                  <a:txBody>
+                    <a:bodyPr/>
+                    <a:lstStyle/>
+                    <a:p>
+                      <a:endParaRPr lang="zh-CN" altLang="en-US"/>
+                    </a:p>
+                  </a:txBody>
+                  <a:tcPr/>
+                </a:tc>
+                <a:tc>
+                  <a:txBody>
+                    <a:bodyPr/>
+                    <a:lstStyle/>
+                    <a:p>
+                      <a:pPr algn="just">
+                        <a:spcAft>
+                          <a:spcPts val="0"/>
+                        </a:spcAft>
+                      </a:pPr>
+                      <a:r>
+                        <a:rPr lang="en-US" sz="1050" kern="100" dirty="0">
+                          <a:effectLst/>
+                        </a:rPr>
+                        <a:t>Description</a:t>
+                      </a:r>
+                      <a:endParaRPr lang="zh-CN" sz="1050" kern="100" dirty="0">
+                        <a:effectLst/>
+                        <a:latin typeface="Calibri" panose="020F0502020204030204" pitchFamily="34" charset="0"/>
+                        <a:ea typeface="宋体" panose="02010600030101010101" pitchFamily="2" charset="-122"/>
+                        <a:cs typeface="Times New Roman" panose="02020603050405020304" pitchFamily="18" charset="0"/>
+                      </a:endParaRPr>
+                    </a:p>
+                  </a:txBody>
+                  <a:tcPr marL="58882" marR="58882" marT="0" marB="0"/>
+                </a:tc>
+                <a:tc>
+                  <a:txBody>
+                    <a:bodyPr/>
+                    <a:lstStyle/>
+                    <a:p>
+                      <a:pPr algn="just">
+                        <a:spcAft>
+                          <a:spcPts val="0"/>
+                        </a:spcAft>
+                      </a:pPr>
+                      <a:r>
+                        <a:rPr lang="en-US" sz="1050" kern="100" dirty="0">
+                          <a:effectLst/>
+                        </a:rPr>
+                        <a:t>Kafka</a:t>
+                      </a:r>
+                      <a:r>
+                        <a:rPr lang="zh-CN" sz="1050" kern="100" dirty="0">
+                          <a:effectLst/>
+                        </a:rPr>
+                        <a:t>不停地获取微博数据，并设置要删除数据的时间；</a:t>
+                      </a:r>
+                      <a:endParaRPr lang="zh-CN" sz="1050" kern="100" dirty="0">
+                        <a:effectLst/>
+                        <a:latin typeface="Calibri" panose="020F0502020204030204" pitchFamily="34" charset="0"/>
+                        <a:ea typeface="宋体" panose="02010600030101010101" pitchFamily="2" charset="-122"/>
+                        <a:cs typeface="Times New Roman" panose="02020603050405020304" pitchFamily="18" charset="0"/>
+                      </a:endParaRPr>
+                    </a:p>
+                  </a:txBody>
+                  <a:tcPr marL="58882" marR="58882" marT="0" marB="0"/>
+                </a:tc>
+              </a:tr>
+              <a:tr h="143933">
+                <a:tc rowSpan="4">
+                  <a:txBody>
+                    <a:bodyPr/>
+                    <a:lstStyle/>
+                    <a:p>
+                      <a:pPr algn="just">
+                        <a:spcAft>
+                          <a:spcPts val="0"/>
+                        </a:spcAft>
+                      </a:pPr>
+                      <a:r>
+                        <a:rPr lang="en-US" sz="1050" kern="100">
+                          <a:effectLst/>
+                        </a:rPr>
+                        <a:t>Basic Flow</a:t>
+                      </a:r>
+                      <a:endParaRPr lang="zh-CN" sz="1050" kern="100">
+                        <a:effectLst/>
+                      </a:endParaRPr>
+                    </a:p>
+                    <a:p>
+                      <a:pPr algn="just">
+                        <a:spcAft>
+                          <a:spcPts val="0"/>
+                        </a:spcAft>
+                      </a:pPr>
+                      <a:r>
+                        <a:rPr lang="en-US" sz="1050" kern="100">
+                          <a:effectLst/>
+                        </a:rPr>
+                        <a:t>(Test Setup)</a:t>
+                      </a:r>
+                      <a:endParaRPr lang="zh-CN" sz="1050" kern="100">
+                        <a:effectLst/>
+                        <a:latin typeface="Calibri" panose="020F0502020204030204" pitchFamily="34" charset="0"/>
+                        <a:ea typeface="宋体" panose="02010600030101010101" pitchFamily="2" charset="-122"/>
+                        <a:cs typeface="Times New Roman" panose="02020603050405020304" pitchFamily="18" charset="0"/>
+                      </a:endParaRPr>
+                    </a:p>
+                  </a:txBody>
+                  <a:tcPr marL="58882" marR="58882" marT="0" marB="0"/>
+                </a:tc>
+                <a:tc gridSpan="2">
+                  <a:txBody>
+                    <a:bodyPr/>
+                    <a:lstStyle/>
+                    <a:p>
+                      <a:pPr algn="just">
+                        <a:spcAft>
+                          <a:spcPts val="0"/>
+                        </a:spcAft>
+                      </a:pPr>
+                      <a:r>
+                        <a:rPr lang="en-US" sz="1050" kern="100">
+                          <a:effectLst/>
+                        </a:rPr>
+                        <a:t>Steps</a:t>
+                      </a:r>
+                      <a:endParaRPr lang="zh-CN" sz="1050" kern="100">
+                        <a:effectLst/>
+                        <a:latin typeface="Calibri" panose="020F0502020204030204" pitchFamily="34" charset="0"/>
+                        <a:ea typeface="宋体" panose="02010600030101010101" pitchFamily="2" charset="-122"/>
+                        <a:cs typeface="Times New Roman" panose="02020603050405020304" pitchFamily="18" charset="0"/>
+                      </a:endParaRPr>
+                    </a:p>
+                  </a:txBody>
+                  <a:tcPr marL="58882" marR="58882" marT="0" marB="0"/>
+                </a:tc>
+                <a:tc hMerge="1">
+                  <a:txBody>
+                    <a:bodyPr/>
+                    <a:lstStyle/>
+                    <a:p>
+                      <a:endParaRPr lang="zh-CN" altLang="en-US"/>
+                    </a:p>
+                  </a:txBody>
+                  <a:tcPr/>
+                </a:tc>
+              </a:tr>
+              <a:tr h="143933">
+                <a:tc vMerge="1">
+                  <a:txBody>
+                    <a:bodyPr/>
+                    <a:lstStyle/>
+                    <a:p>
+                      <a:endParaRPr lang="zh-CN" altLang="en-US"/>
+                    </a:p>
+                  </a:txBody>
+                  <a:tcPr/>
+                </a:tc>
+                <a:tc>
+                  <a:txBody>
+                    <a:bodyPr/>
+                    <a:lstStyle/>
+                    <a:p>
+                      <a:pPr algn="just">
+                        <a:spcAft>
+                          <a:spcPts val="0"/>
+                        </a:spcAft>
+                      </a:pPr>
+                      <a:r>
+                        <a:rPr lang="en-US" sz="1050" kern="100">
+                          <a:effectLst/>
+                        </a:rPr>
+                        <a:t>1</a:t>
+                      </a:r>
+                      <a:endParaRPr lang="zh-CN" sz="1050" kern="100">
+                        <a:effectLst/>
+                        <a:latin typeface="Calibri" panose="020F0502020204030204" pitchFamily="34" charset="0"/>
+                        <a:ea typeface="宋体" panose="02010600030101010101" pitchFamily="2" charset="-122"/>
+                        <a:cs typeface="Times New Roman" panose="02020603050405020304" pitchFamily="18" charset="0"/>
+                      </a:endParaRPr>
+                    </a:p>
+                  </a:txBody>
+                  <a:tcPr marL="58882" marR="58882" marT="0" marB="0"/>
+                </a:tc>
+                <a:tc>
+                  <a:txBody>
+                    <a:bodyPr/>
+                    <a:lstStyle/>
+                    <a:p>
+                      <a:pPr algn="just">
+                        <a:spcAft>
+                          <a:spcPts val="0"/>
+                        </a:spcAft>
+                      </a:pPr>
+                      <a:r>
+                        <a:rPr lang="zh-CN" sz="1050" kern="100" dirty="0">
+                          <a:effectLst/>
+                        </a:rPr>
+                        <a:t>启动</a:t>
+                      </a:r>
+                      <a:r>
+                        <a:rPr lang="en-US" sz="1050" kern="100" dirty="0" err="1">
+                          <a:effectLst/>
+                        </a:rPr>
+                        <a:t>kafka</a:t>
+                      </a:r>
+                      <a:r>
+                        <a:rPr lang="zh-CN" sz="1050" kern="100" dirty="0">
+                          <a:effectLst/>
+                        </a:rPr>
+                        <a:t>，不停获取数据</a:t>
+                      </a:r>
+                      <a:endParaRPr lang="zh-CN" sz="1050" kern="100" dirty="0">
+                        <a:effectLst/>
+                        <a:latin typeface="Calibri" panose="020F0502020204030204" pitchFamily="34" charset="0"/>
+                        <a:ea typeface="宋体" panose="02010600030101010101" pitchFamily="2" charset="-122"/>
+                        <a:cs typeface="Times New Roman" panose="02020603050405020304" pitchFamily="18" charset="0"/>
+                      </a:endParaRPr>
+                    </a:p>
+                  </a:txBody>
+                  <a:tcPr marL="58882" marR="58882" marT="0" marB="0"/>
+                </a:tc>
+              </a:tr>
+              <a:tr h="287867">
+                <a:tc vMerge="1">
+                  <a:txBody>
+                    <a:bodyPr/>
+                    <a:lstStyle/>
+                    <a:p>
+                      <a:endParaRPr lang="zh-CN" altLang="en-US"/>
+                    </a:p>
+                  </a:txBody>
+                  <a:tcPr/>
+                </a:tc>
+                <a:tc>
+                  <a:txBody>
+                    <a:bodyPr/>
+                    <a:lstStyle/>
+                    <a:p>
+                      <a:pPr algn="just">
+                        <a:spcAft>
+                          <a:spcPts val="0"/>
+                        </a:spcAft>
+                      </a:pPr>
+                      <a:r>
+                        <a:rPr lang="en-US" sz="1050" kern="100">
+                          <a:effectLst/>
+                        </a:rPr>
+                        <a:t>2</a:t>
+                      </a:r>
+                      <a:endParaRPr lang="zh-CN" sz="1050" kern="100">
+                        <a:effectLst/>
+                        <a:latin typeface="Calibri" panose="020F0502020204030204" pitchFamily="34" charset="0"/>
+                        <a:ea typeface="宋体" panose="02010600030101010101" pitchFamily="2" charset="-122"/>
+                        <a:cs typeface="Times New Roman" panose="02020603050405020304" pitchFamily="18" charset="0"/>
+                      </a:endParaRPr>
+                    </a:p>
+                  </a:txBody>
+                  <a:tcPr marL="58882" marR="58882" marT="0" marB="0"/>
+                </a:tc>
+                <a:tc>
+                  <a:txBody>
+                    <a:bodyPr/>
+                    <a:lstStyle/>
+                    <a:p>
+                      <a:pPr algn="just">
+                        <a:spcAft>
+                          <a:spcPts val="0"/>
+                        </a:spcAft>
+                      </a:pPr>
+                      <a:r>
+                        <a:rPr lang="zh-CN" sz="1050" kern="100" dirty="0">
+                          <a:effectLst/>
+                        </a:rPr>
+                        <a:t>设置定期删除时间（为了测试方便，可设置为</a:t>
+                      </a:r>
+                      <a:r>
+                        <a:rPr lang="en-US" sz="1050" kern="100" dirty="0">
+                          <a:effectLst/>
+                        </a:rPr>
+                        <a:t>1h</a:t>
+                      </a:r>
+                      <a:r>
+                        <a:rPr lang="zh-CN" sz="1050" kern="100" dirty="0">
+                          <a:effectLst/>
+                        </a:rPr>
+                        <a:t>）</a:t>
+                      </a:r>
+                      <a:endParaRPr lang="zh-CN" sz="1050" kern="100" dirty="0">
+                        <a:effectLst/>
+                        <a:latin typeface="Calibri" panose="020F0502020204030204" pitchFamily="34" charset="0"/>
+                        <a:ea typeface="宋体" panose="02010600030101010101" pitchFamily="2" charset="-122"/>
+                        <a:cs typeface="Times New Roman" panose="02020603050405020304" pitchFamily="18" charset="0"/>
+                      </a:endParaRPr>
+                    </a:p>
+                  </a:txBody>
+                  <a:tcPr marL="58882" marR="58882" marT="0" marB="0"/>
+                </a:tc>
+              </a:tr>
+              <a:tr h="287867">
+                <a:tc vMerge="1">
+                  <a:txBody>
+                    <a:bodyPr/>
+                    <a:lstStyle/>
+                    <a:p>
+                      <a:endParaRPr lang="zh-CN" altLang="en-US"/>
+                    </a:p>
+                  </a:txBody>
+                  <a:tcPr/>
+                </a:tc>
+                <a:tc>
+                  <a:txBody>
+                    <a:bodyPr/>
+                    <a:lstStyle/>
+                    <a:p>
+                      <a:pPr algn="just">
+                        <a:spcAft>
+                          <a:spcPts val="0"/>
+                        </a:spcAft>
+                      </a:pPr>
+                      <a:r>
+                        <a:rPr lang="en-US" sz="1050" kern="100" dirty="0" err="1">
+                          <a:effectLst/>
+                        </a:rPr>
+                        <a:t>Postcondition</a:t>
+                      </a:r>
+                      <a:endParaRPr lang="zh-CN" sz="1050" kern="100" dirty="0">
+                        <a:effectLst/>
+                        <a:latin typeface="Calibri" panose="020F0502020204030204" pitchFamily="34" charset="0"/>
+                        <a:ea typeface="宋体" panose="02010600030101010101" pitchFamily="2" charset="-122"/>
+                        <a:cs typeface="Times New Roman" panose="02020603050405020304" pitchFamily="18" charset="0"/>
+                      </a:endParaRPr>
+                    </a:p>
+                  </a:txBody>
+                  <a:tcPr marL="58882" marR="58882" marT="0" marB="0"/>
+                </a:tc>
+                <a:tc>
+                  <a:txBody>
+                    <a:bodyPr/>
+                    <a:lstStyle/>
+                    <a:p>
+                      <a:pPr algn="just">
+                        <a:spcAft>
+                          <a:spcPts val="0"/>
+                        </a:spcAft>
+                      </a:pPr>
+                      <a:r>
+                        <a:rPr lang="en-US" sz="1050" kern="100">
+                          <a:effectLst/>
+                        </a:rPr>
+                        <a:t>Kafka</a:t>
+                      </a:r>
+                      <a:r>
+                        <a:rPr lang="zh-CN" sz="1050" kern="100">
+                          <a:effectLst/>
+                        </a:rPr>
+                        <a:t>正常运行，设置了不同的数据清除时间；</a:t>
+                      </a:r>
+                      <a:endParaRPr lang="zh-CN" sz="1050" kern="100">
+                        <a:effectLst/>
+                        <a:latin typeface="Calibri" panose="020F0502020204030204" pitchFamily="34" charset="0"/>
+                        <a:ea typeface="宋体" panose="02010600030101010101" pitchFamily="2" charset="-122"/>
+                        <a:cs typeface="Times New Roman" panose="02020603050405020304" pitchFamily="18" charset="0"/>
+                      </a:endParaRPr>
+                    </a:p>
+                  </a:txBody>
+                  <a:tcPr marL="58882" marR="58882" marT="0" marB="0"/>
+                </a:tc>
+              </a:tr>
+              <a:tr h="143933">
+                <a:tc rowSpan="6">
+                  <a:txBody>
+                    <a:bodyPr/>
+                    <a:lstStyle/>
+                    <a:p>
+                      <a:pPr algn="just">
+                        <a:spcAft>
+                          <a:spcPts val="0"/>
+                        </a:spcAft>
+                      </a:pPr>
+                      <a:r>
+                        <a:rPr lang="en-US" sz="1050" kern="100">
+                          <a:effectLst/>
+                        </a:rPr>
+                        <a:t>Basic Flow</a:t>
+                      </a:r>
+                      <a:endParaRPr lang="zh-CN" sz="1050" kern="100">
+                        <a:effectLst/>
+                      </a:endParaRPr>
+                    </a:p>
+                    <a:p>
+                      <a:pPr algn="just">
+                        <a:spcAft>
+                          <a:spcPts val="0"/>
+                        </a:spcAft>
+                      </a:pPr>
+                      <a:r>
+                        <a:rPr lang="en-US" sz="1050" kern="100">
+                          <a:effectLst/>
+                        </a:rPr>
+                        <a:t>(Test Sequence)</a:t>
+                      </a:r>
+                      <a:endParaRPr lang="zh-CN" sz="1050" kern="100">
+                        <a:effectLst/>
+                        <a:latin typeface="Calibri" panose="020F0502020204030204" pitchFamily="34" charset="0"/>
+                        <a:ea typeface="宋体" panose="02010600030101010101" pitchFamily="2" charset="-122"/>
+                        <a:cs typeface="Times New Roman" panose="02020603050405020304" pitchFamily="18" charset="0"/>
+                      </a:endParaRPr>
+                    </a:p>
+                  </a:txBody>
+                  <a:tcPr marL="58882" marR="58882" marT="0" marB="0"/>
+                </a:tc>
+                <a:tc gridSpan="2">
+                  <a:txBody>
+                    <a:bodyPr/>
+                    <a:lstStyle/>
+                    <a:p>
+                      <a:pPr algn="just">
+                        <a:spcAft>
+                          <a:spcPts val="0"/>
+                        </a:spcAft>
+                      </a:pPr>
+                      <a:r>
+                        <a:rPr lang="en-US" sz="1050" kern="100">
+                          <a:effectLst/>
+                        </a:rPr>
+                        <a:t>Steps</a:t>
+                      </a:r>
+                      <a:endParaRPr lang="zh-CN" sz="1050" kern="100">
+                        <a:effectLst/>
+                        <a:latin typeface="Calibri" panose="020F0502020204030204" pitchFamily="34" charset="0"/>
+                        <a:ea typeface="宋体" panose="02010600030101010101" pitchFamily="2" charset="-122"/>
+                        <a:cs typeface="Times New Roman" panose="02020603050405020304" pitchFamily="18" charset="0"/>
+                      </a:endParaRPr>
+                    </a:p>
+                  </a:txBody>
+                  <a:tcPr marL="58882" marR="58882" marT="0" marB="0"/>
+                </a:tc>
+                <a:tc hMerge="1">
+                  <a:txBody>
+                    <a:bodyPr/>
+                    <a:lstStyle/>
+                    <a:p>
+                      <a:endParaRPr lang="zh-CN" altLang="en-US"/>
+                    </a:p>
+                  </a:txBody>
+                  <a:tcPr/>
+                </a:tc>
+              </a:tr>
+              <a:tr h="143933">
+                <a:tc vMerge="1">
+                  <a:txBody>
+                    <a:bodyPr/>
+                    <a:lstStyle/>
+                    <a:p>
+                      <a:endParaRPr lang="zh-CN" altLang="en-US"/>
+                    </a:p>
+                  </a:txBody>
+                  <a:tcPr/>
+                </a:tc>
+                <a:tc>
+                  <a:txBody>
+                    <a:bodyPr/>
+                    <a:lstStyle/>
+                    <a:p>
+                      <a:pPr algn="just">
+                        <a:spcAft>
+                          <a:spcPts val="0"/>
+                        </a:spcAft>
+                      </a:pPr>
+                      <a:r>
+                        <a:rPr lang="en-US" sz="1050" kern="100">
+                          <a:effectLst/>
+                        </a:rPr>
+                        <a:t>1</a:t>
+                      </a:r>
+                      <a:endParaRPr lang="zh-CN" sz="1050" kern="100">
+                        <a:effectLst/>
+                        <a:latin typeface="Calibri" panose="020F0502020204030204" pitchFamily="34" charset="0"/>
+                        <a:ea typeface="宋体" panose="02010600030101010101" pitchFamily="2" charset="-122"/>
+                        <a:cs typeface="Times New Roman" panose="02020603050405020304" pitchFamily="18" charset="0"/>
+                      </a:endParaRPr>
+                    </a:p>
+                  </a:txBody>
+                  <a:tcPr marL="58882" marR="58882" marT="0" marB="0"/>
+                </a:tc>
+                <a:tc>
+                  <a:txBody>
+                    <a:bodyPr/>
+                    <a:lstStyle/>
+                    <a:p>
+                      <a:pPr algn="just">
+                        <a:spcAft>
+                          <a:spcPts val="0"/>
+                        </a:spcAft>
+                      </a:pPr>
+                      <a:r>
+                        <a:rPr lang="zh-CN" sz="1050" kern="100" dirty="0">
+                          <a:effectLst/>
+                        </a:rPr>
+                        <a:t>启动</a:t>
+                      </a:r>
+                      <a:r>
+                        <a:rPr lang="en-US" sz="1050" kern="100" dirty="0" err="1">
+                          <a:effectLst/>
+                        </a:rPr>
+                        <a:t>kafka</a:t>
+                      </a:r>
+                      <a:r>
+                        <a:rPr lang="zh-CN" sz="1050" kern="100" dirty="0">
+                          <a:effectLst/>
+                        </a:rPr>
+                        <a:t>，不停获取数据</a:t>
+                      </a:r>
+                      <a:endParaRPr lang="zh-CN" sz="1050" kern="100" dirty="0">
+                        <a:effectLst/>
+                        <a:latin typeface="Calibri" panose="020F0502020204030204" pitchFamily="34" charset="0"/>
+                        <a:ea typeface="宋体" panose="02010600030101010101" pitchFamily="2" charset="-122"/>
+                        <a:cs typeface="Times New Roman" panose="02020603050405020304" pitchFamily="18" charset="0"/>
+                      </a:endParaRPr>
+                    </a:p>
+                  </a:txBody>
+                  <a:tcPr marL="58882" marR="58882" marT="0" marB="0"/>
+                </a:tc>
+              </a:tr>
+              <a:tr h="287867">
+                <a:tc vMerge="1">
+                  <a:txBody>
+                    <a:bodyPr/>
+                    <a:lstStyle/>
+                    <a:p>
+                      <a:endParaRPr lang="zh-CN" altLang="en-US"/>
+                    </a:p>
+                  </a:txBody>
+                  <a:tcPr/>
+                </a:tc>
+                <a:tc>
+                  <a:txBody>
+                    <a:bodyPr/>
+                    <a:lstStyle/>
+                    <a:p>
+                      <a:pPr algn="just">
+                        <a:spcAft>
+                          <a:spcPts val="0"/>
+                        </a:spcAft>
+                      </a:pPr>
+                      <a:r>
+                        <a:rPr lang="en-US" sz="1050" kern="100">
+                          <a:effectLst/>
+                        </a:rPr>
+                        <a:t>2</a:t>
+                      </a:r>
+                      <a:endParaRPr lang="zh-CN" sz="1050" kern="100">
+                        <a:effectLst/>
+                        <a:latin typeface="Calibri" panose="020F0502020204030204" pitchFamily="34" charset="0"/>
+                        <a:ea typeface="宋体" panose="02010600030101010101" pitchFamily="2" charset="-122"/>
+                        <a:cs typeface="Times New Roman" panose="02020603050405020304" pitchFamily="18" charset="0"/>
+                      </a:endParaRPr>
+                    </a:p>
+                  </a:txBody>
+                  <a:tcPr marL="58882" marR="58882" marT="0" marB="0"/>
+                </a:tc>
+                <a:tc>
+                  <a:txBody>
+                    <a:bodyPr/>
+                    <a:lstStyle/>
+                    <a:p>
+                      <a:pPr algn="just">
+                        <a:spcAft>
+                          <a:spcPts val="0"/>
+                        </a:spcAft>
+                      </a:pPr>
+                      <a:r>
+                        <a:rPr lang="zh-CN" sz="1050" kern="100">
+                          <a:effectLst/>
+                        </a:rPr>
+                        <a:t>设置定期删除时间（为了测试方便，可设置为</a:t>
+                      </a:r>
+                      <a:r>
+                        <a:rPr lang="en-US" sz="1050" kern="100">
+                          <a:effectLst/>
+                        </a:rPr>
+                        <a:t>1h</a:t>
+                      </a:r>
+                      <a:r>
+                        <a:rPr lang="zh-CN" sz="1050" kern="100">
+                          <a:effectLst/>
+                        </a:rPr>
+                        <a:t>）</a:t>
+                      </a:r>
+                      <a:endParaRPr lang="zh-CN" sz="1050" kern="100">
+                        <a:effectLst/>
+                        <a:latin typeface="Calibri" panose="020F0502020204030204" pitchFamily="34" charset="0"/>
+                        <a:ea typeface="宋体" panose="02010600030101010101" pitchFamily="2" charset="-122"/>
+                        <a:cs typeface="Times New Roman" panose="02020603050405020304" pitchFamily="18" charset="0"/>
+                      </a:endParaRPr>
+                    </a:p>
+                  </a:txBody>
+                  <a:tcPr marL="58882" marR="58882" marT="0" marB="0"/>
+                </a:tc>
+              </a:tr>
+              <a:tr h="287867">
+                <a:tc vMerge="1">
+                  <a:txBody>
+                    <a:bodyPr/>
+                    <a:lstStyle/>
+                    <a:p>
+                      <a:endParaRPr lang="zh-CN" altLang="en-US"/>
+                    </a:p>
+                  </a:txBody>
+                  <a:tcPr/>
+                </a:tc>
+                <a:tc>
+                  <a:txBody>
+                    <a:bodyPr/>
+                    <a:lstStyle/>
+                    <a:p>
+                      <a:pPr algn="just">
+                        <a:spcAft>
+                          <a:spcPts val="0"/>
+                        </a:spcAft>
+                      </a:pPr>
+                      <a:r>
+                        <a:rPr lang="en-US" sz="1050" kern="100">
+                          <a:effectLst/>
+                        </a:rPr>
+                        <a:t>3</a:t>
+                      </a:r>
+                      <a:endParaRPr lang="zh-CN" sz="1050" kern="100">
+                        <a:effectLst/>
+                        <a:latin typeface="Calibri" panose="020F0502020204030204" pitchFamily="34" charset="0"/>
+                        <a:ea typeface="宋体" panose="02010600030101010101" pitchFamily="2" charset="-122"/>
+                        <a:cs typeface="Times New Roman" panose="02020603050405020304" pitchFamily="18" charset="0"/>
+                      </a:endParaRPr>
+                    </a:p>
+                  </a:txBody>
+                  <a:tcPr marL="58882" marR="58882" marT="0" marB="0"/>
+                </a:tc>
+                <a:tc>
+                  <a:txBody>
+                    <a:bodyPr/>
+                    <a:lstStyle/>
+                    <a:p>
+                      <a:pPr algn="just">
+                        <a:spcAft>
+                          <a:spcPts val="0"/>
+                        </a:spcAft>
+                      </a:pPr>
+                      <a:r>
+                        <a:rPr lang="zh-CN" sz="1050" kern="100">
+                          <a:effectLst/>
+                        </a:rPr>
+                        <a:t>每隔一段时间记录过期数据的删除情况</a:t>
+                      </a:r>
+                      <a:endParaRPr lang="zh-CN" sz="1050" kern="100">
+                        <a:effectLst/>
+                        <a:latin typeface="Calibri" panose="020F0502020204030204" pitchFamily="34" charset="0"/>
+                        <a:ea typeface="宋体" panose="02010600030101010101" pitchFamily="2" charset="-122"/>
+                        <a:cs typeface="Times New Roman" panose="02020603050405020304" pitchFamily="18" charset="0"/>
+                      </a:endParaRPr>
+                    </a:p>
+                  </a:txBody>
+                  <a:tcPr marL="58882" marR="58882" marT="0" marB="0"/>
+                </a:tc>
+              </a:tr>
+              <a:tr h="287867">
+                <a:tc vMerge="1">
+                  <a:txBody>
+                    <a:bodyPr/>
+                    <a:lstStyle/>
+                    <a:p>
+                      <a:endParaRPr lang="zh-CN" altLang="en-US"/>
+                    </a:p>
+                  </a:txBody>
+                  <a:tcPr/>
+                </a:tc>
+                <a:tc>
+                  <a:txBody>
+                    <a:bodyPr/>
+                    <a:lstStyle/>
+                    <a:p>
+                      <a:pPr algn="just">
+                        <a:spcAft>
+                          <a:spcPts val="0"/>
+                        </a:spcAft>
+                      </a:pPr>
+                      <a:r>
+                        <a:rPr lang="en-US" sz="1050" kern="100">
+                          <a:effectLst/>
+                        </a:rPr>
+                        <a:t>4</a:t>
+                      </a:r>
+                      <a:endParaRPr lang="zh-CN" sz="1050" kern="100">
+                        <a:effectLst/>
+                        <a:latin typeface="Calibri" panose="020F0502020204030204" pitchFamily="34" charset="0"/>
+                        <a:ea typeface="宋体" panose="02010600030101010101" pitchFamily="2" charset="-122"/>
+                        <a:cs typeface="Times New Roman" panose="02020603050405020304" pitchFamily="18" charset="0"/>
+                      </a:endParaRPr>
+                    </a:p>
+                  </a:txBody>
+                  <a:tcPr marL="58882" marR="58882" marT="0" marB="0"/>
+                </a:tc>
+                <a:tc>
+                  <a:txBody>
+                    <a:bodyPr/>
+                    <a:lstStyle/>
+                    <a:p>
+                      <a:pPr algn="just">
+                        <a:spcAft>
+                          <a:spcPts val="0"/>
+                        </a:spcAft>
+                        <a:tabLst>
+                          <a:tab pos="676275" algn="l"/>
+                        </a:tabLst>
+                      </a:pPr>
+                      <a:r>
+                        <a:rPr lang="zh-CN" sz="1050" kern="100" dirty="0">
+                          <a:effectLst/>
+                        </a:rPr>
+                        <a:t>循环</a:t>
+                      </a:r>
+                      <a:r>
+                        <a:rPr lang="en-US" sz="1050" kern="100" dirty="0">
+                          <a:effectLst/>
+                        </a:rPr>
+                        <a:t>1-3</a:t>
+                      </a:r>
+                      <a:r>
+                        <a:rPr lang="zh-CN" sz="1050" kern="100" dirty="0">
+                          <a:effectLst/>
+                        </a:rPr>
+                        <a:t>，直至多个删除时间全部测试</a:t>
+                      </a:r>
+                      <a:endParaRPr lang="zh-CN" sz="1050" kern="100" dirty="0">
+                        <a:effectLst/>
+                        <a:latin typeface="Calibri" panose="020F0502020204030204" pitchFamily="34" charset="0"/>
+                        <a:ea typeface="宋体" panose="02010600030101010101" pitchFamily="2" charset="-122"/>
+                        <a:cs typeface="Times New Roman" panose="02020603050405020304" pitchFamily="18" charset="0"/>
+                      </a:endParaRPr>
+                    </a:p>
+                  </a:txBody>
+                  <a:tcPr marL="58882" marR="58882" marT="0" marB="0"/>
+                </a:tc>
+              </a:tr>
+              <a:tr h="143933">
+                <a:tc vMerge="1">
+                  <a:txBody>
+                    <a:bodyPr/>
+                    <a:lstStyle/>
+                    <a:p>
+                      <a:endParaRPr lang="zh-CN" altLang="en-US"/>
+                    </a:p>
+                  </a:txBody>
+                  <a:tcPr/>
+                </a:tc>
+                <a:tc>
+                  <a:txBody>
+                    <a:bodyPr/>
+                    <a:lstStyle/>
+                    <a:p>
+                      <a:pPr algn="just">
+                        <a:spcAft>
+                          <a:spcPts val="0"/>
+                        </a:spcAft>
+                      </a:pPr>
+                      <a:r>
+                        <a:rPr lang="en-US" sz="1050" kern="100">
+                          <a:effectLst/>
+                        </a:rPr>
+                        <a:t>Postcondition</a:t>
+                      </a:r>
+                      <a:endParaRPr lang="zh-CN" sz="1050" kern="100">
+                        <a:effectLst/>
+                        <a:latin typeface="Calibri" panose="020F0502020204030204" pitchFamily="34" charset="0"/>
+                        <a:ea typeface="宋体" panose="02010600030101010101" pitchFamily="2" charset="-122"/>
+                        <a:cs typeface="Times New Roman" panose="02020603050405020304" pitchFamily="18" charset="0"/>
+                      </a:endParaRPr>
+                    </a:p>
+                  </a:txBody>
+                  <a:tcPr marL="58882" marR="58882" marT="0" marB="0"/>
+                </a:tc>
+                <a:tc>
+                  <a:txBody>
+                    <a:bodyPr/>
+                    <a:lstStyle/>
+                    <a:p>
+                      <a:pPr algn="just">
+                        <a:spcAft>
+                          <a:spcPts val="0"/>
+                        </a:spcAft>
+                        <a:tabLst>
+                          <a:tab pos="676275" algn="l"/>
+                        </a:tabLst>
+                      </a:pPr>
+                      <a:r>
+                        <a:rPr lang="zh-CN" sz="1050" kern="100">
+                          <a:effectLst/>
+                        </a:rPr>
+                        <a:t>确保过期数据能及时清理；</a:t>
+                      </a:r>
+                      <a:endParaRPr lang="zh-CN" sz="1050" kern="100">
+                        <a:effectLst/>
+                        <a:latin typeface="Calibri" panose="020F0502020204030204" pitchFamily="34" charset="0"/>
+                        <a:ea typeface="宋体" panose="02010600030101010101" pitchFamily="2" charset="-122"/>
+                        <a:cs typeface="Times New Roman" panose="02020603050405020304" pitchFamily="18" charset="0"/>
+                      </a:endParaRPr>
+                    </a:p>
+                  </a:txBody>
+                  <a:tcPr marL="58882" marR="58882" marT="0" marB="0"/>
+                </a:tc>
+              </a:tr>
+              <a:tr h="287867">
+                <a:tc>
+                  <a:txBody>
+                    <a:bodyPr/>
+                    <a:lstStyle/>
+                    <a:p>
+                      <a:pPr algn="just">
+                        <a:spcAft>
+                          <a:spcPts val="0"/>
+                        </a:spcAft>
+                      </a:pPr>
+                      <a:r>
+                        <a:rPr lang="en-US" sz="1050" kern="100">
+                          <a:effectLst/>
+                        </a:rPr>
+                        <a:t>Evaluation Criterion</a:t>
+                      </a:r>
+                      <a:endParaRPr lang="zh-CN" sz="1050" kern="100">
+                        <a:effectLst/>
+                        <a:latin typeface="Calibri" panose="020F0502020204030204" pitchFamily="34" charset="0"/>
+                        <a:ea typeface="宋体" panose="02010600030101010101" pitchFamily="2" charset="-122"/>
+                        <a:cs typeface="Times New Roman" panose="02020603050405020304" pitchFamily="18" charset="0"/>
+                      </a:endParaRPr>
+                    </a:p>
+                  </a:txBody>
+                  <a:tcPr marL="58882" marR="58882" marT="0" marB="0"/>
+                </a:tc>
+                <a:tc gridSpan="2">
+                  <a:txBody>
+                    <a:bodyPr/>
+                    <a:lstStyle/>
+                    <a:p>
+                      <a:pPr algn="just">
+                        <a:spcAft>
+                          <a:spcPts val="0"/>
+                        </a:spcAft>
+                      </a:pPr>
+                      <a:r>
+                        <a:rPr lang="zh-CN" sz="1050" kern="100" dirty="0">
+                          <a:effectLst/>
+                        </a:rPr>
+                        <a:t>每个测试时间，是否都能保证过期数据及时清理</a:t>
+                      </a:r>
+                      <a:endParaRPr lang="zh-CN" sz="1050" kern="100" dirty="0">
+                        <a:effectLst/>
+                        <a:latin typeface="Calibri" panose="020F0502020204030204" pitchFamily="34" charset="0"/>
+                        <a:ea typeface="宋体" panose="02010600030101010101" pitchFamily="2" charset="-122"/>
+                        <a:cs typeface="Times New Roman" panose="02020603050405020304" pitchFamily="18" charset="0"/>
+                      </a:endParaRPr>
+                    </a:p>
+                  </a:txBody>
+                  <a:tcPr marL="58882" marR="58882" marT="0" marB="0"/>
+                </a:tc>
+                <a:tc hMerge="1">
+                  <a:txBody>
+                    <a:bodyPr/>
+                    <a:lstStyle/>
+                    <a:p>
+                      <a:endParaRPr lang="zh-CN" altLang="en-US"/>
+                    </a:p>
+                  </a:txBody>
+                  <a:tcPr/>
+                </a:tc>
+              </a:tr>
+            </a:tbl>
+          </a:graphicData>
+        </a:graphic>
+      </p:graphicFrame>
+    </p:spTree>
+    <p:extLst>
+      <p:ext uri="{BB962C8B-B14F-4D97-AF65-F5344CB8AC3E}">
+        <p14:creationId xmlns:p14="http://schemas.microsoft.com/office/powerpoint/2010/main" val="979056764"/>
+      </p:ext>
+    </p:extLst>
+  </p:cSld>
+  <p:clrMapOvr>
+    <a:masterClrMapping/>
+  </p:clrMapOvr>
+  <p:timing>
+    <p:tnLst>
+      <p:par>
+        <p:cTn id="1" dur="indefinite" restart="never" nodeType="tmRoot">
+          <p:childTnLst>
+            <p:seq concurrent="1" nextAc="seek">
+              <p:cTn id="2" dur="indefinite" nodeType="mainSeq">
+                <p:childTnLst>
+                  <p:par>
+                    <p:cTn id="3" fill="hold">
+                      <p:stCondLst>
+                        <p:cond delay="indefinite"/>
+                      </p:stCondLst>
+                      <p:childTnLst>
+                        <p:par>
+                          <p:cTn id="4" fill="hold">
+                            <p:stCondLst>
+                              <p:cond delay="0"/>
+                            </p:stCondLst>
+                            <p:childTnLst>
+                              <p:par>
+                                <p:cTn id="5" presetID="42" presetClass="entr" presetSubtype="0" fill="hold" nodeType="clickEffect">
+                                  <p:stCondLst>
+                                    <p:cond delay="0"/>
+                                  </p:stCondLst>
+                                  <p:childTnLst>
+                                    <p:set>
+                                      <p:cBhvr>
+                                        <p:cTn id="6" dur="1" fill="hold">
+                                          <p:stCondLst>
+                                            <p:cond delay="0"/>
+                                          </p:stCondLst>
+                                        </p:cTn>
+                                        <p:tgtEl>
+                                          <p:spTgt spid="9">
+                                            <p:txEl>
+                                              <p:pRg st="0" end="0"/>
+                                            </p:txEl>
+                                          </p:spTgt>
+                                        </p:tgtEl>
+                                        <p:attrNameLst>
+                                          <p:attrName>style.visibility</p:attrName>
+                                        </p:attrNameLst>
+                                      </p:cBhvr>
+                                      <p:to>
+                                        <p:strVal val="visible"/>
+                                      </p:to>
+                                    </p:set>
+                                    <p:animEffect transition="in" filter="fade">
+                                      <p:cBhvr>
+                                        <p:cTn id="7" dur="1000"/>
+                                        <p:tgtEl>
+                                          <p:spTgt spid="9">
+                                            <p:txEl>
+                                              <p:pRg st="0" end="0"/>
+                                            </p:txEl>
+                                          </p:spTgt>
+                                        </p:tgtEl>
+                                      </p:cBhvr>
+                                    </p:animEffect>
+                                    <p:anim calcmode="lin" valueType="num">
+                                      <p:cBhvr>
+                                        <p:cTn id="8" dur="1000" fill="hold"/>
+                                        <p:tgtEl>
+                                          <p:spTgt spid="9">
+                                            <p:txEl>
+                                              <p:pRg st="0" end="0"/>
+                                            </p:txEl>
+                                          </p:spTgt>
+                                        </p:tgtEl>
+                                        <p:attrNameLst>
+                                          <p:attrName>ppt_x</p:attrName>
+                                        </p:attrNameLst>
+                                      </p:cBhvr>
+                                      <p:tavLst>
+                                        <p:tav tm="0">
+                                          <p:val>
+                                            <p:strVal val="#ppt_x"/>
+                                          </p:val>
+                                        </p:tav>
+                                        <p:tav tm="100000">
+                                          <p:val>
+                                            <p:strVal val="#ppt_x"/>
+                                          </p:val>
+                                        </p:tav>
+                                      </p:tavLst>
+                                    </p:anim>
+                                    <p:anim calcmode="lin" valueType="num">
+                                      <p:cBhvr>
+                                        <p:cTn id="9" dur="1000" fill="hold"/>
+                                        <p:tgtEl>
+                                          <p:spTgt spid="9">
+                                            <p:txEl>
+                                              <p:pRg st="0" end="0"/>
+                                            </p:txEl>
+                                          </p:spTgt>
+                                        </p:tgtEl>
+                                        <p:attrNameLst>
+                                          <p:attrName>ppt_y</p:attrName>
+                                        </p:attrNameLst>
+                                      </p:cBhvr>
+                                      <p:tavLst>
+                                        <p:tav tm="0">
+                                          <p:val>
+                                            <p:strVal val="#ppt_y+.1"/>
+                                          </p:val>
+                                        </p:tav>
+                                        <p:tav tm="100000">
+                                          <p:val>
+                                            <p:strVal val="#ppt_y"/>
+                                          </p:val>
+                                        </p:tav>
+                                      </p:tavLst>
+                                    </p:anim>
+                                  </p:childTnLst>
+                                </p:cTn>
+                              </p:par>
+                            </p:childTnLst>
+                          </p:cTn>
+                        </p:par>
+                      </p:childTnLst>
+                    </p:cTn>
+                  </p:par>
+                  <p:par>
+                    <p:cTn id="10" fill="hold">
+                      <p:stCondLst>
+                        <p:cond delay="indefinite"/>
+                      </p:stCondLst>
+                      <p:childTnLst>
+                        <p:par>
+                          <p:cTn id="11" fill="hold">
+                            <p:stCondLst>
+                              <p:cond delay="0"/>
+                            </p:stCondLst>
+                            <p:childTnLst>
+                              <p:par>
+                                <p:cTn id="12" presetID="42" presetClass="entr" presetSubtype="0" fill="hold" nodeType="clickEffect">
+                                  <p:stCondLst>
+                                    <p:cond delay="0"/>
+                                  </p:stCondLst>
+                                  <p:childTnLst>
+                                    <p:set>
+                                      <p:cBhvr>
+                                        <p:cTn id="13" dur="1" fill="hold">
+                                          <p:stCondLst>
+                                            <p:cond delay="0"/>
+                                          </p:stCondLst>
+                                        </p:cTn>
+                                        <p:tgtEl>
+                                          <p:spTgt spid="5"/>
+                                        </p:tgtEl>
+                                        <p:attrNameLst>
+                                          <p:attrName>style.visibility</p:attrName>
+                                        </p:attrNameLst>
+                                      </p:cBhvr>
+                                      <p:to>
+                                        <p:strVal val="visible"/>
+                                      </p:to>
+                                    </p:set>
+                                    <p:animEffect transition="in" filter="fade">
+                                      <p:cBhvr>
+                                        <p:cTn id="14" dur="1000"/>
+                                        <p:tgtEl>
+                                          <p:spTgt spid="5"/>
+                                        </p:tgtEl>
+                                      </p:cBhvr>
+                                    </p:animEffect>
+                                    <p:anim calcmode="lin" valueType="num">
+                                      <p:cBhvr>
+                                        <p:cTn id="15" dur="1000" fill="hold"/>
+                                        <p:tgtEl>
+                                          <p:spTgt spid="5"/>
+                                        </p:tgtEl>
+                                        <p:attrNameLst>
+                                          <p:attrName>ppt_x</p:attrName>
+                                        </p:attrNameLst>
+                                      </p:cBhvr>
+                                      <p:tavLst>
+                                        <p:tav tm="0">
+                                          <p:val>
+                                            <p:strVal val="#ppt_x"/>
+                                          </p:val>
+                                        </p:tav>
+                                        <p:tav tm="100000">
+                                          <p:val>
+                                            <p:strVal val="#ppt_x"/>
+                                          </p:val>
+                                        </p:tav>
+                                      </p:tavLst>
+                                    </p:anim>
+                                    <p:anim calcmode="lin" valueType="num">
+                                      <p:cBhvr>
+                                        <p:cTn id="16" dur="1000" fill="hold"/>
+                                        <p:tgtEl>
+                                          <p:spTgt spid="5"/>
+                                        </p:tgtEl>
+                                        <p:attrNameLst>
+                                          <p:attrName>ppt_y</p:attrName>
+                                        </p:attrNameLst>
+                                      </p:cBhvr>
+                                      <p:tavLst>
+                                        <p:tav tm="0">
+                                          <p:val>
+                                            <p:strVal val="#ppt_y+.1"/>
+                                          </p:val>
+                                        </p:tav>
+                                        <p:tav tm="100000">
+                                          <p:val>
+                                            <p:strVal val="#ppt_y"/>
+                                          </p:val>
+                                        </p:tav>
+                                      </p:tavLst>
+                                    </p:anim>
+                                  </p:childTnLst>
+                                </p:cTn>
+                              </p:par>
+                            </p:childTnLst>
+                          </p:cTn>
+                        </p:par>
+                      </p:childTnLst>
+                    </p:cTn>
+                  </p:par>
+                  <p:par>
+                    <p:cTn id="17" fill="hold">
+                      <p:stCondLst>
+                        <p:cond delay="indefinite"/>
+                      </p:stCondLst>
+                      <p:childTnLst>
+                        <p:par>
+                          <p:cTn id="18" fill="hold">
+                            <p:stCondLst>
+                              <p:cond delay="0"/>
+                            </p:stCondLst>
+                            <p:childTnLst>
+                              <p:par>
+                                <p:cTn id="19" presetID="42" presetClass="exit" presetSubtype="0" fill="hold" nodeType="clickEffect">
+                                  <p:stCondLst>
+                                    <p:cond delay="0"/>
+                                  </p:stCondLst>
+                                  <p:childTnLst>
+                                    <p:animEffect transition="out" filter="fade">
+                                      <p:cBhvr>
+                                        <p:cTn id="20" dur="1000"/>
+                                        <p:tgtEl>
+                                          <p:spTgt spid="5"/>
+                                        </p:tgtEl>
+                                      </p:cBhvr>
+                                    </p:animEffect>
+                                    <p:anim calcmode="lin" valueType="num">
+                                      <p:cBhvr>
+                                        <p:cTn id="21" dur="1000"/>
+                                        <p:tgtEl>
+                                          <p:spTgt spid="5"/>
+                                        </p:tgtEl>
+                                        <p:attrNameLst>
+                                          <p:attrName>ppt_x</p:attrName>
+                                        </p:attrNameLst>
+                                      </p:cBhvr>
+                                      <p:tavLst>
+                                        <p:tav tm="0">
+                                          <p:val>
+                                            <p:strVal val="ppt_x"/>
+                                          </p:val>
+                                        </p:tav>
+                                        <p:tav tm="100000">
+                                          <p:val>
+                                            <p:strVal val="ppt_x"/>
+                                          </p:val>
+                                        </p:tav>
+                                      </p:tavLst>
+                                    </p:anim>
+                                    <p:anim calcmode="lin" valueType="num">
+                                      <p:cBhvr>
+                                        <p:cTn id="22" dur="1000"/>
+                                        <p:tgtEl>
+                                          <p:spTgt spid="5"/>
+                                        </p:tgtEl>
+                                        <p:attrNameLst>
+                                          <p:attrName>ppt_y</p:attrName>
+                                        </p:attrNameLst>
+                                      </p:cBhvr>
+                                      <p:tavLst>
+                                        <p:tav tm="0">
+                                          <p:val>
+                                            <p:strVal val="ppt_y"/>
+                                          </p:val>
+                                        </p:tav>
+                                        <p:tav tm="100000">
+                                          <p:val>
+                                            <p:strVal val="ppt_y+.1"/>
+                                          </p:val>
+                                        </p:tav>
+                                      </p:tavLst>
+                                    </p:anim>
+                                    <p:set>
+                                      <p:cBhvr>
+                                        <p:cTn id="23" dur="1" fill="hold">
+                                          <p:stCondLst>
+                                            <p:cond delay="999"/>
+                                          </p:stCondLst>
+                                        </p:cTn>
+                                        <p:tgtEl>
+                                          <p:spTgt spid="5"/>
+                                        </p:tgtEl>
+                                        <p:attrNameLst>
+                                          <p:attrName>style.visibility</p:attrName>
+                                        </p:attrNameLst>
+                                      </p:cBhvr>
+                                      <p:to>
+                                        <p:strVal val="hidden"/>
+                                      </p:to>
+                                    </p:set>
+                                  </p:childTnLst>
+                                </p:cTn>
+                              </p:par>
+                            </p:childTnLst>
+                          </p:cTn>
+                        </p:par>
+                      </p:childTnLst>
+                    </p:cTn>
+                  </p:par>
+                  <p:par>
+                    <p:cTn id="24" fill="hold">
+                      <p:stCondLst>
+                        <p:cond delay="indefinite"/>
+                      </p:stCondLst>
+                      <p:childTnLst>
+                        <p:par>
+                          <p:cTn id="25" fill="hold">
+                            <p:stCondLst>
+                              <p:cond delay="0"/>
+                            </p:stCondLst>
+                            <p:childTnLst>
+                              <p:par>
+                                <p:cTn id="26" presetID="42" presetClass="entr" presetSubtype="0" fill="hold" nodeType="clickEffect">
+                                  <p:stCondLst>
+                                    <p:cond delay="0"/>
+                                  </p:stCondLst>
+                                  <p:childTnLst>
+                                    <p:set>
+                                      <p:cBhvr>
+                                        <p:cTn id="27" dur="1" fill="hold">
+                                          <p:stCondLst>
+                                            <p:cond delay="0"/>
+                                          </p:stCondLst>
+                                        </p:cTn>
+                                        <p:tgtEl>
+                                          <p:spTgt spid="9">
+                                            <p:txEl>
+                                              <p:pRg st="1" end="1"/>
+                                            </p:txEl>
+                                          </p:spTgt>
+                                        </p:tgtEl>
+                                        <p:attrNameLst>
+                                          <p:attrName>style.visibility</p:attrName>
+                                        </p:attrNameLst>
+                                      </p:cBhvr>
+                                      <p:to>
+                                        <p:strVal val="visible"/>
+                                      </p:to>
+                                    </p:set>
+                                    <p:animEffect transition="in" filter="fade">
+                                      <p:cBhvr>
+                                        <p:cTn id="28" dur="1000"/>
+                                        <p:tgtEl>
+                                          <p:spTgt spid="9">
+                                            <p:txEl>
+                                              <p:pRg st="1" end="1"/>
+                                            </p:txEl>
+                                          </p:spTgt>
+                                        </p:tgtEl>
+                                      </p:cBhvr>
+                                    </p:animEffect>
+                                    <p:anim calcmode="lin" valueType="num">
+                                      <p:cBhvr>
+                                        <p:cTn id="29" dur="1000" fill="hold"/>
+                                        <p:tgtEl>
+                                          <p:spTgt spid="9">
+                                            <p:txEl>
+                                              <p:pRg st="1" end="1"/>
+                                            </p:txEl>
+                                          </p:spTgt>
+                                        </p:tgtEl>
+                                        <p:attrNameLst>
+                                          <p:attrName>ppt_x</p:attrName>
+                                        </p:attrNameLst>
+                                      </p:cBhvr>
+                                      <p:tavLst>
+                                        <p:tav tm="0">
+                                          <p:val>
+                                            <p:strVal val="#ppt_x"/>
+                                          </p:val>
+                                        </p:tav>
+                                        <p:tav tm="100000">
+                                          <p:val>
+                                            <p:strVal val="#ppt_x"/>
+                                          </p:val>
+                                        </p:tav>
+                                      </p:tavLst>
+                                    </p:anim>
+                                    <p:anim calcmode="lin" valueType="num">
+                                      <p:cBhvr>
+                                        <p:cTn id="30" dur="1000" fill="hold"/>
+                                        <p:tgtEl>
+                                          <p:spTgt spid="9">
+                                            <p:txEl>
+                                              <p:pRg st="1" end="1"/>
+                                            </p:txEl>
+                                          </p:spTgt>
+                                        </p:tgtEl>
+                                        <p:attrNameLst>
+                                          <p:attrName>ppt_y</p:attrName>
+                                        </p:attrNameLst>
+                                      </p:cBhvr>
+                                      <p:tavLst>
+                                        <p:tav tm="0">
+                                          <p:val>
+                                            <p:strVal val="#ppt_y+.1"/>
+                                          </p:val>
+                                        </p:tav>
+                                        <p:tav tm="100000">
+                                          <p:val>
+                                            <p:strVal val="#ppt_y"/>
+                                          </p:val>
+                                        </p:tav>
+                                      </p:tavLst>
+                                    </p:anim>
+                                  </p:childTnLst>
+                                </p:cTn>
+                              </p:par>
+                            </p:childTnLst>
+                          </p:cTn>
+                        </p:par>
+                      </p:childTnLst>
+                    </p:cTn>
+                  </p:par>
+                  <p:par>
+                    <p:cTn id="31" fill="hold">
+                      <p:stCondLst>
+                        <p:cond delay="indefinite"/>
+                      </p:stCondLst>
+                      <p:childTnLst>
+                        <p:par>
+                          <p:cTn id="32" fill="hold">
+                            <p:stCondLst>
+                              <p:cond delay="0"/>
+                            </p:stCondLst>
+                            <p:childTnLst>
+                              <p:par>
+                                <p:cTn id="33" presetID="42" presetClass="entr" presetSubtype="0" fill="hold" nodeType="clickEffect">
+                                  <p:stCondLst>
+                                    <p:cond delay="0"/>
+                                  </p:stCondLst>
+                                  <p:childTnLst>
+                                    <p:set>
+                                      <p:cBhvr>
+                                        <p:cTn id="34" dur="1" fill="hold">
+                                          <p:stCondLst>
+                                            <p:cond delay="0"/>
+                                          </p:stCondLst>
+                                        </p:cTn>
+                                        <p:tgtEl>
+                                          <p:spTgt spid="6"/>
+                                        </p:tgtEl>
+                                        <p:attrNameLst>
+                                          <p:attrName>style.visibility</p:attrName>
+                                        </p:attrNameLst>
+                                      </p:cBhvr>
+                                      <p:to>
+                                        <p:strVal val="visible"/>
+                                      </p:to>
+                                    </p:set>
+                                    <p:animEffect transition="in" filter="fade">
+                                      <p:cBhvr>
+                                        <p:cTn id="35" dur="1000"/>
+                                        <p:tgtEl>
+                                          <p:spTgt spid="6"/>
+                                        </p:tgtEl>
+                                      </p:cBhvr>
+                                    </p:animEffect>
+                                    <p:anim calcmode="lin" valueType="num">
+                                      <p:cBhvr>
+                                        <p:cTn id="36" dur="1000" fill="hold"/>
+                                        <p:tgtEl>
+                                          <p:spTgt spid="6"/>
+                                        </p:tgtEl>
+                                        <p:attrNameLst>
+                                          <p:attrName>ppt_x</p:attrName>
+                                        </p:attrNameLst>
+                                      </p:cBhvr>
+                                      <p:tavLst>
+                                        <p:tav tm="0">
+                                          <p:val>
+                                            <p:strVal val="#ppt_x"/>
+                                          </p:val>
+                                        </p:tav>
+                                        <p:tav tm="100000">
+                                          <p:val>
+                                            <p:strVal val="#ppt_x"/>
+                                          </p:val>
+                                        </p:tav>
+                                      </p:tavLst>
+                                    </p:anim>
+                                    <p:anim calcmode="lin" valueType="num">
+                                      <p:cBhvr>
+                                        <p:cTn id="37" dur="1000" fill="hold"/>
+                                        <p:tgtEl>
+                                          <p:spTgt spid="6"/>
+                                        </p:tgtEl>
+                                        <p:attrNameLst>
+                                          <p:attrName>ppt_y</p:attrName>
+                                        </p:attrNameLst>
+                                      </p:cBhvr>
+                                      <p:tavLst>
+                                        <p:tav tm="0">
+                                          <p:val>
+                                            <p:strVal val="#ppt_y+.1"/>
+                                          </p:val>
+                                        </p:tav>
+                                        <p:tav tm="100000">
+                                          <p:val>
+                                            <p:strVal val="#ppt_y"/>
+                                          </p:val>
+                                        </p:tav>
+                                      </p:tavLst>
+                                    </p:anim>
+                                  </p:childTnLst>
+                                </p:cTn>
+                              </p:par>
+                            </p:childTnLst>
+                          </p:cTn>
+                        </p:par>
+                      </p:childTnLst>
+                    </p:cTn>
+                  </p:par>
+                  <p:par>
+                    <p:cTn id="38" fill="hold">
+                      <p:stCondLst>
+                        <p:cond delay="indefinite"/>
+                      </p:stCondLst>
+                      <p:childTnLst>
+                        <p:par>
+                          <p:cTn id="39" fill="hold">
+                            <p:stCondLst>
+                              <p:cond delay="0"/>
+                            </p:stCondLst>
+                            <p:childTnLst>
+                              <p:par>
+                                <p:cTn id="40" presetID="42" presetClass="exit" presetSubtype="0" fill="hold" nodeType="clickEffect">
+                                  <p:stCondLst>
+                                    <p:cond delay="0"/>
+                                  </p:stCondLst>
+                                  <p:childTnLst>
+                                    <p:animEffect transition="out" filter="fade">
+                                      <p:cBhvr>
+                                        <p:cTn id="41" dur="1000"/>
+                                        <p:tgtEl>
+                                          <p:spTgt spid="6"/>
+                                        </p:tgtEl>
+                                      </p:cBhvr>
+                                    </p:animEffect>
+                                    <p:anim calcmode="lin" valueType="num">
+                                      <p:cBhvr>
+                                        <p:cTn id="42" dur="1000"/>
+                                        <p:tgtEl>
+                                          <p:spTgt spid="6"/>
+                                        </p:tgtEl>
+                                        <p:attrNameLst>
+                                          <p:attrName>ppt_x</p:attrName>
+                                        </p:attrNameLst>
+                                      </p:cBhvr>
+                                      <p:tavLst>
+                                        <p:tav tm="0">
+                                          <p:val>
+                                            <p:strVal val="ppt_x"/>
+                                          </p:val>
+                                        </p:tav>
+                                        <p:tav tm="100000">
+                                          <p:val>
+                                            <p:strVal val="ppt_x"/>
+                                          </p:val>
+                                        </p:tav>
+                                      </p:tavLst>
+                                    </p:anim>
+                                    <p:anim calcmode="lin" valueType="num">
+                                      <p:cBhvr>
+                                        <p:cTn id="43" dur="1000"/>
+                                        <p:tgtEl>
+                                          <p:spTgt spid="6"/>
+                                        </p:tgtEl>
+                                        <p:attrNameLst>
+                                          <p:attrName>ppt_y</p:attrName>
+                                        </p:attrNameLst>
+                                      </p:cBhvr>
+                                      <p:tavLst>
+                                        <p:tav tm="0">
+                                          <p:val>
+                                            <p:strVal val="ppt_y"/>
+                                          </p:val>
+                                        </p:tav>
+                                        <p:tav tm="100000">
+                                          <p:val>
+                                            <p:strVal val="ppt_y+.1"/>
+                                          </p:val>
+                                        </p:tav>
+                                      </p:tavLst>
+                                    </p:anim>
+                                    <p:set>
+                                      <p:cBhvr>
+                                        <p:cTn id="44" dur="1" fill="hold">
+                                          <p:stCondLst>
+                                            <p:cond delay="999"/>
+                                          </p:stCondLst>
+                                        </p:cTn>
+                                        <p:tgtEl>
+                                          <p:spTgt spid="6"/>
+                                        </p:tgtEl>
+                                        <p:attrNameLst>
+                                          <p:attrName>style.visibility</p:attrName>
+                                        </p:attrNameLst>
+                                      </p:cBhvr>
+                                      <p:to>
+                                        <p:strVal val="hidden"/>
+                                      </p:to>
+                                    </p:set>
+                                  </p:childTnLst>
+                                </p:cTn>
+                              </p:par>
+                            </p:childTnLst>
+                          </p:cTn>
+                        </p:par>
+                      </p:childTnLst>
+                    </p:cTn>
+                  </p:par>
+                  <p:par>
+                    <p:cTn id="45" fill="hold">
+                      <p:stCondLst>
+                        <p:cond delay="indefinite"/>
+                      </p:stCondLst>
+                      <p:childTnLst>
+                        <p:par>
+                          <p:cTn id="46" fill="hold">
+                            <p:stCondLst>
+                              <p:cond delay="0"/>
+                            </p:stCondLst>
+                            <p:childTnLst>
+                              <p:par>
+                                <p:cTn id="47" presetID="42" presetClass="entr" presetSubtype="0" fill="hold" nodeType="clickEffect">
+                                  <p:stCondLst>
+                                    <p:cond delay="0"/>
+                                  </p:stCondLst>
+                                  <p:childTnLst>
+                                    <p:set>
+                                      <p:cBhvr>
+                                        <p:cTn id="48" dur="1" fill="hold">
+                                          <p:stCondLst>
+                                            <p:cond delay="0"/>
+                                          </p:stCondLst>
+                                        </p:cTn>
+                                        <p:tgtEl>
+                                          <p:spTgt spid="9">
+                                            <p:txEl>
+                                              <p:pRg st="2" end="2"/>
+                                            </p:txEl>
+                                          </p:spTgt>
+                                        </p:tgtEl>
+                                        <p:attrNameLst>
+                                          <p:attrName>style.visibility</p:attrName>
+                                        </p:attrNameLst>
+                                      </p:cBhvr>
+                                      <p:to>
+                                        <p:strVal val="visible"/>
+                                      </p:to>
+                                    </p:set>
+                                    <p:animEffect transition="in" filter="fade">
+                                      <p:cBhvr>
+                                        <p:cTn id="49" dur="1000"/>
+                                        <p:tgtEl>
+                                          <p:spTgt spid="9">
+                                            <p:txEl>
+                                              <p:pRg st="2" end="2"/>
+                                            </p:txEl>
+                                          </p:spTgt>
+                                        </p:tgtEl>
+                                      </p:cBhvr>
+                                    </p:animEffect>
+                                    <p:anim calcmode="lin" valueType="num">
+                                      <p:cBhvr>
+                                        <p:cTn id="50" dur="1000" fill="hold"/>
+                                        <p:tgtEl>
+                                          <p:spTgt spid="9">
+                                            <p:txEl>
+                                              <p:pRg st="2" end="2"/>
+                                            </p:txEl>
+                                          </p:spTgt>
+                                        </p:tgtEl>
+                                        <p:attrNameLst>
+                                          <p:attrName>ppt_x</p:attrName>
+                                        </p:attrNameLst>
+                                      </p:cBhvr>
+                                      <p:tavLst>
+                                        <p:tav tm="0">
+                                          <p:val>
+                                            <p:strVal val="#ppt_x"/>
+                                          </p:val>
+                                        </p:tav>
+                                        <p:tav tm="100000">
+                                          <p:val>
+                                            <p:strVal val="#ppt_x"/>
+                                          </p:val>
+                                        </p:tav>
+                                      </p:tavLst>
+                                    </p:anim>
+                                    <p:anim calcmode="lin" valueType="num">
+                                      <p:cBhvr>
+                                        <p:cTn id="51" dur="1000" fill="hold"/>
+                                        <p:tgtEl>
+                                          <p:spTgt spid="9">
+                                            <p:txEl>
+                                              <p:pRg st="2" end="2"/>
+                                            </p:txEl>
+                                          </p:spTgt>
+                                        </p:tgtEl>
+                                        <p:attrNameLst>
+                                          <p:attrName>ppt_y</p:attrName>
+                                        </p:attrNameLst>
+                                      </p:cBhvr>
+                                      <p:tavLst>
+                                        <p:tav tm="0">
+                                          <p:val>
+                                            <p:strVal val="#ppt_y+.1"/>
+                                          </p:val>
+                                        </p:tav>
+                                        <p:tav tm="100000">
+                                          <p:val>
+                                            <p:strVal val="#ppt_y"/>
+                                          </p:val>
+                                        </p:tav>
+                                      </p:tavLst>
+                                    </p:anim>
+                                  </p:childTnLst>
+                                </p:cTn>
+                              </p:par>
+                            </p:childTnLst>
+                          </p:cTn>
+                        </p:par>
+                      </p:childTnLst>
+                    </p:cTn>
+                  </p:par>
+                  <p:par>
+                    <p:cTn id="52" fill="hold">
+                      <p:stCondLst>
+                        <p:cond delay="indefinite"/>
+                      </p:stCondLst>
+                      <p:childTnLst>
+                        <p:par>
+                          <p:cTn id="53" fill="hold">
+                            <p:stCondLst>
+                              <p:cond delay="0"/>
+                            </p:stCondLst>
+                            <p:childTnLst>
+                              <p:par>
+                                <p:cTn id="54" presetID="42" presetClass="entr" presetSubtype="0" fill="hold" nodeType="clickEffect">
+                                  <p:stCondLst>
+                                    <p:cond delay="0"/>
+                                  </p:stCondLst>
+                                  <p:childTnLst>
+                                    <p:set>
+                                      <p:cBhvr>
+                                        <p:cTn id="55" dur="1" fill="hold">
+                                          <p:stCondLst>
+                                            <p:cond delay="0"/>
+                                          </p:stCondLst>
+                                        </p:cTn>
+                                        <p:tgtEl>
+                                          <p:spTgt spid="15"/>
+                                        </p:tgtEl>
+                                        <p:attrNameLst>
+                                          <p:attrName>style.visibility</p:attrName>
+                                        </p:attrNameLst>
+                                      </p:cBhvr>
+                                      <p:to>
+                                        <p:strVal val="visible"/>
+                                      </p:to>
+                                    </p:set>
+                                    <p:animEffect transition="in" filter="fade">
+                                      <p:cBhvr>
+                                        <p:cTn id="56" dur="1000"/>
+                                        <p:tgtEl>
+                                          <p:spTgt spid="15"/>
+                                        </p:tgtEl>
+                                      </p:cBhvr>
+                                    </p:animEffect>
+                                    <p:anim calcmode="lin" valueType="num">
+                                      <p:cBhvr>
+                                        <p:cTn id="57" dur="1000" fill="hold"/>
+                                        <p:tgtEl>
+                                          <p:spTgt spid="15"/>
+                                        </p:tgtEl>
+                                        <p:attrNameLst>
+                                          <p:attrName>ppt_x</p:attrName>
+                                        </p:attrNameLst>
+                                      </p:cBhvr>
+                                      <p:tavLst>
+                                        <p:tav tm="0">
+                                          <p:val>
+                                            <p:strVal val="#ppt_x"/>
+                                          </p:val>
+                                        </p:tav>
+                                        <p:tav tm="100000">
+                                          <p:val>
+                                            <p:strVal val="#ppt_x"/>
+                                          </p:val>
+                                        </p:tav>
+                                      </p:tavLst>
+                                    </p:anim>
+                                    <p:anim calcmode="lin" valueType="num">
+                                      <p:cBhvr>
+                                        <p:cTn id="58" dur="1000" fill="hold"/>
+                                        <p:tgtEl>
+                                          <p:spTgt spid="15"/>
+                                        </p:tgtEl>
+                                        <p:attrNameLst>
+                                          <p:attrName>ppt_y</p:attrName>
+                                        </p:attrNameLst>
+                                      </p:cBhvr>
+                                      <p:tavLst>
+                                        <p:tav tm="0">
+                                          <p:val>
+                                            <p:strVal val="#ppt_y+.1"/>
+                                          </p:val>
+                                        </p:tav>
+                                        <p:tav tm="100000">
+                                          <p:val>
+                                            <p:strVal val="#ppt_y"/>
+                                          </p:val>
+                                        </p:tav>
+                                      </p:tavLst>
+                                    </p:anim>
+                                  </p:childTnLst>
+                                </p:cTn>
+                              </p:par>
+                            </p:childTnLst>
+                          </p:cTn>
+                        </p:par>
+                      </p:childTnLst>
+                    </p:cTn>
+                  </p:par>
+                </p:childTnLst>
+              </p:cTn>
+              <p:prevCondLst>
+                <p:cond evt="onPrev" delay="0">
+                  <p:tgtEl>
+                    <p:sldTgt/>
+                  </p:tgtEl>
+                </p:cond>
+              </p:prevCondLst>
+              <p:nextCondLst>
+                <p:cond evt="onNext" delay="0">
+                  <p:tgtEl>
+                    <p:sldTgt/>
+                  </p:tgtEl>
+                </p:cond>
+              </p:nextCondLst>
+            </p:seq>
+          </p:childTnLst>
+        </p:cTn>
+      </p:par>
+    </p:tnLst>
+  </p:timing>
+</p:sld>
+</file>
+
+<file path=ppt/slides/slide5.xml><?xml version="1.0" encoding="utf-8"?>
+<p:sld xmlns:a="http://schemas.openxmlformats.org/drawingml/2006/main" xmlns:r="http://schemas.openxmlformats.org/officeDocument/2006/relationships" xmlns:p="http://schemas.openxmlformats.org/presentationml/2006/main">
+  <p:cSld>
+    <p:spTree>
+      <p:nvGrpSpPr>
+        <p:cNvPr id="1" name=""/>
+        <p:cNvGrpSpPr/>
+        <p:nvPr/>
+      </p:nvGrpSpPr>
+      <p:grpSpPr>
+        <a:xfrm>
+          <a:off x="0" y="0"/>
+          <a:ext cx="0" cy="0"/>
+          <a:chOff x="0" y="0"/>
+          <a:chExt cx="0" cy="0"/>
+        </a:xfrm>
+      </p:grpSpPr>
+      <p:sp>
+        <p:nvSpPr>
+          <p:cNvPr id="9" name="内容占位符 2"/>
+          <p:cNvSpPr txBox="1">
+            <a:spLocks/>
+          </p:cNvSpPr>
+          <p:nvPr/>
+        </p:nvSpPr>
+        <p:spPr>
+          <a:xfrm>
             <a:off x="1526125" y="1647701"/>
             <a:ext cx="8915400" cy="4992915"/>
           </a:xfrm>
@@ -18018,7 +23697,6 @@
               <a:rPr lang="en-US" altLang="zh-CN" dirty="0" smtClean="0"/>
               <a:t>   </a:t>
             </a:r>
-            <a:endParaRPr lang="en-US" altLang="zh-CN" dirty="0" smtClean="0"/>
           </a:p>
         </p:txBody>
       </p:sp>
@@ -19504,7 +25182,7 @@
 </p:sld>
 </file>
 
-<file path=ppt/slides/slide5.xml><?xml version="1.0" encoding="utf-8"?>
+<file path=ppt/slides/slide6.xml><?xml version="1.0" encoding="utf-8"?>
 <p:sld xmlns:a="http://schemas.openxmlformats.org/drawingml/2006/main" xmlns:r="http://schemas.openxmlformats.org/officeDocument/2006/relationships" xmlns:p="http://schemas.openxmlformats.org/presentationml/2006/main">
   <p:cSld>
     <p:spTree>
@@ -19880,7 +25558,6 @@
               <a:rPr lang="en-US" altLang="zh-CN" dirty="0" smtClean="0"/>
               <a:t>   </a:t>
             </a:r>
-            <a:endParaRPr lang="en-US" altLang="zh-CN" dirty="0" smtClean="0"/>
           </a:p>
         </p:txBody>
       </p:sp>
@@ -21360,7 +27037,7 @@
 </p:sld>
 </file>
 
-<file path=ppt/slides/slide6.xml><?xml version="1.0" encoding="utf-8"?>
+<file path=ppt/slides/slide7.xml><?xml version="1.0" encoding="utf-8"?>
 <p:sld xmlns:a="http://schemas.openxmlformats.org/drawingml/2006/main" xmlns:r="http://schemas.openxmlformats.org/officeDocument/2006/relationships" xmlns:p="http://schemas.openxmlformats.org/presentationml/2006/main">
   <p:cSld>
     <p:spTree>
@@ -23296,7 +28973,7 @@
 </p:sld>
 </file>
 
-<file path=ppt/slides/slide7.xml><?xml version="1.0" encoding="utf-8"?>
+<file path=ppt/slides/slide8.xml><?xml version="1.0" encoding="utf-8"?>
 <p:sld xmlns:a="http://schemas.openxmlformats.org/drawingml/2006/main" xmlns:r="http://schemas.openxmlformats.org/officeDocument/2006/relationships" xmlns:p="http://schemas.openxmlformats.org/presentationml/2006/main">
   <p:cSld>
     <p:spTree>
@@ -27082,7 +32759,7 @@
 </p:sld>
 </file>
 
-<file path=ppt/slides/slide8.xml><?xml version="1.0" encoding="utf-8"?>
+<file path=ppt/slides/slide9.xml><?xml version="1.0" encoding="utf-8"?>
 <p:sld xmlns:a="http://schemas.openxmlformats.org/drawingml/2006/main" xmlns:r="http://schemas.openxmlformats.org/officeDocument/2006/relationships" xmlns:p="http://schemas.openxmlformats.org/presentationml/2006/main">
   <p:cSld>
     <p:spTree>
@@ -30756,390 +36433,6 @@
     <p:extLst>
       <p:ext uri="{BB962C8B-B14F-4D97-AF65-F5344CB8AC3E}">
         <p14:creationId xmlns:p14="http://schemas.microsoft.com/office/powerpoint/2010/main" val="2463851510"/>
-      </p:ext>
-    </p:extLst>
-  </p:cSld>
-  <p:clrMapOvr>
-    <a:masterClrMapping/>
-  </p:clrMapOvr>
-  <p:timing>
-    <p:tnLst>
-      <p:par>
-        <p:cTn id="1" dur="indefinite" restart="never" nodeType="tmRoot"/>
-      </p:par>
-    </p:tnLst>
-  </p:timing>
-</p:sld>
-</file>
-
-<file path=ppt/slides/slide9.xml><?xml version="1.0" encoding="utf-8"?>
-<p:sld xmlns:a="http://schemas.openxmlformats.org/drawingml/2006/main" xmlns:r="http://schemas.openxmlformats.org/officeDocument/2006/relationships" xmlns:p="http://schemas.openxmlformats.org/presentationml/2006/main">
-  <p:cSld>
-    <p:spTree>
-      <p:nvGrpSpPr>
-        <p:cNvPr id="1" name=""/>
-        <p:cNvGrpSpPr/>
-        <p:nvPr/>
-      </p:nvGrpSpPr>
-      <p:grpSpPr>
-        <a:xfrm>
-          <a:off x="0" y="0"/>
-          <a:ext cx="0" cy="0"/>
-          <a:chOff x="0" y="0"/>
-          <a:chExt cx="0" cy="0"/>
-        </a:xfrm>
-      </p:grpSpPr>
-      <p:sp>
-        <p:nvSpPr>
-          <p:cNvPr id="9" name="内容占位符 2"/>
-          <p:cNvSpPr txBox="1">
-            <a:spLocks/>
-          </p:cNvSpPr>
-          <p:nvPr/>
-        </p:nvSpPr>
-        <p:spPr>
-          <a:xfrm>
-            <a:off x="1526125" y="1647701"/>
-            <a:ext cx="8915400" cy="4992915"/>
-          </a:xfrm>
-          <a:prstGeom prst="rect">
-            <a:avLst/>
-          </a:prstGeom>
-        </p:spPr>
-        <p:txBody>
-          <a:bodyPr vert="horz" lIns="91440" tIns="45720" rIns="91440" bIns="45720" rtlCol="0">
-            <a:normAutofit/>
-          </a:bodyPr>
-          <a:lstStyle>
-            <a:lvl1pPr marL="342900" indent="-342900" algn="l" defTabSz="457200" rtl="0" eaLnBrk="1" latinLnBrk="0" hangingPunct="1">
-              <a:spcBef>
-                <a:spcPts val="1000"/>
-              </a:spcBef>
-              <a:spcAft>
-                <a:spcPts val="0"/>
-              </a:spcAft>
-              <a:buClr>
-                <a:schemeClr val="accent1"/>
-              </a:buClr>
-              <a:buFont typeface="Wingdings 3" charset="2"/>
-              <a:buChar char=""/>
-              <a:defRPr sz="1800" kern="1200">
-                <a:solidFill>
-                  <a:schemeClr val="tx1">
-                    <a:lumMod val="75000"/>
-                    <a:lumOff val="25000"/>
-                  </a:schemeClr>
-                </a:solidFill>
-                <a:latin typeface="+mn-lt"/>
-                <a:ea typeface="+mn-ea"/>
-                <a:cs typeface="+mn-cs"/>
-              </a:defRPr>
-            </a:lvl1pPr>
-            <a:lvl2pPr marL="742950" indent="-285750" algn="l" defTabSz="457200" rtl="0" eaLnBrk="1" latinLnBrk="0" hangingPunct="1">
-              <a:spcBef>
-                <a:spcPts val="1000"/>
-              </a:spcBef>
-              <a:spcAft>
-                <a:spcPts val="0"/>
-              </a:spcAft>
-              <a:buClr>
-                <a:schemeClr val="accent1"/>
-              </a:buClr>
-              <a:buFont typeface="Wingdings 3" charset="2"/>
-              <a:buChar char=""/>
-              <a:defRPr sz="1600" kern="1200">
-                <a:solidFill>
-                  <a:schemeClr val="tx1">
-                    <a:lumMod val="75000"/>
-                    <a:lumOff val="25000"/>
-                  </a:schemeClr>
-                </a:solidFill>
-                <a:latin typeface="+mn-lt"/>
-                <a:ea typeface="+mn-ea"/>
-                <a:cs typeface="+mn-cs"/>
-              </a:defRPr>
-            </a:lvl2pPr>
-            <a:lvl3pPr marL="1143000" indent="-228600" algn="l" defTabSz="457200" rtl="0" eaLnBrk="1" latinLnBrk="0" hangingPunct="1">
-              <a:spcBef>
-                <a:spcPts val="1000"/>
-              </a:spcBef>
-              <a:spcAft>
-                <a:spcPts val="0"/>
-              </a:spcAft>
-              <a:buClr>
-                <a:schemeClr val="accent1"/>
-              </a:buClr>
-              <a:buFont typeface="Wingdings 3" charset="2"/>
-              <a:buChar char=""/>
-              <a:defRPr sz="1400" kern="1200">
-                <a:solidFill>
-                  <a:schemeClr val="tx1">
-                    <a:lumMod val="75000"/>
-                    <a:lumOff val="25000"/>
-                  </a:schemeClr>
-                </a:solidFill>
-                <a:latin typeface="+mn-lt"/>
-                <a:ea typeface="+mn-ea"/>
-                <a:cs typeface="+mn-cs"/>
-              </a:defRPr>
-            </a:lvl3pPr>
-            <a:lvl4pPr marL="1600200" indent="-228600" algn="l" defTabSz="457200" rtl="0" eaLnBrk="1" latinLnBrk="0" hangingPunct="1">
-              <a:spcBef>
-                <a:spcPts val="1000"/>
-              </a:spcBef>
-              <a:spcAft>
-                <a:spcPts val="0"/>
-              </a:spcAft>
-              <a:buClr>
-                <a:schemeClr val="accent1"/>
-              </a:buClr>
-              <a:buFont typeface="Wingdings 3" charset="2"/>
-              <a:buChar char=""/>
-              <a:defRPr sz="1200" kern="1200">
-                <a:solidFill>
-                  <a:schemeClr val="tx1">
-                    <a:lumMod val="75000"/>
-                    <a:lumOff val="25000"/>
-                  </a:schemeClr>
-                </a:solidFill>
-                <a:latin typeface="+mn-lt"/>
-                <a:ea typeface="+mn-ea"/>
-                <a:cs typeface="+mn-cs"/>
-              </a:defRPr>
-            </a:lvl4pPr>
-            <a:lvl5pPr marL="2057400" indent="-228600" algn="l" defTabSz="457200" rtl="0" eaLnBrk="1" latinLnBrk="0" hangingPunct="1">
-              <a:spcBef>
-                <a:spcPts val="1000"/>
-              </a:spcBef>
-              <a:spcAft>
-                <a:spcPts val="0"/>
-              </a:spcAft>
-              <a:buClr>
-                <a:schemeClr val="accent1"/>
-              </a:buClr>
-              <a:buFont typeface="Wingdings 3" charset="2"/>
-              <a:buChar char=""/>
-              <a:defRPr sz="1200" kern="1200">
-                <a:solidFill>
-                  <a:schemeClr val="tx1">
-                    <a:lumMod val="75000"/>
-                    <a:lumOff val="25000"/>
-                  </a:schemeClr>
-                </a:solidFill>
-                <a:latin typeface="+mn-lt"/>
-                <a:ea typeface="+mn-ea"/>
-                <a:cs typeface="+mn-cs"/>
-              </a:defRPr>
-            </a:lvl5pPr>
-            <a:lvl6pPr marL="2514600" indent="-228600" algn="l" defTabSz="457200" rtl="0" eaLnBrk="1" latinLnBrk="0" hangingPunct="1">
-              <a:spcBef>
-                <a:spcPts val="1000"/>
-              </a:spcBef>
-              <a:spcAft>
-                <a:spcPts val="0"/>
-              </a:spcAft>
-              <a:buClr>
-                <a:schemeClr val="accent1"/>
-              </a:buClr>
-              <a:buFont typeface="Wingdings 3" charset="2"/>
-              <a:buChar char=""/>
-              <a:defRPr sz="1200" kern="1200">
-                <a:solidFill>
-                  <a:schemeClr val="tx1">
-                    <a:lumMod val="75000"/>
-                    <a:lumOff val="25000"/>
-                  </a:schemeClr>
-                </a:solidFill>
-                <a:latin typeface="+mn-lt"/>
-                <a:ea typeface="+mn-ea"/>
-                <a:cs typeface="+mn-cs"/>
-              </a:defRPr>
-            </a:lvl6pPr>
-            <a:lvl7pPr marL="2971800" indent="-228600" algn="l" defTabSz="457200" rtl="0" eaLnBrk="1" latinLnBrk="0" hangingPunct="1">
-              <a:spcBef>
-                <a:spcPts val="1000"/>
-              </a:spcBef>
-              <a:spcAft>
-                <a:spcPts val="0"/>
-              </a:spcAft>
-              <a:buClr>
-                <a:schemeClr val="accent1"/>
-              </a:buClr>
-              <a:buFont typeface="Wingdings 3" charset="2"/>
-              <a:buChar char=""/>
-              <a:defRPr sz="1200" kern="1200">
-                <a:solidFill>
-                  <a:schemeClr val="tx1">
-                    <a:lumMod val="75000"/>
-                    <a:lumOff val="25000"/>
-                  </a:schemeClr>
-                </a:solidFill>
-                <a:latin typeface="+mn-lt"/>
-                <a:ea typeface="+mn-ea"/>
-                <a:cs typeface="+mn-cs"/>
-              </a:defRPr>
-            </a:lvl7pPr>
-            <a:lvl8pPr marL="3429000" indent="-228600" algn="l" defTabSz="457200" rtl="0" eaLnBrk="1" latinLnBrk="0" hangingPunct="1">
-              <a:spcBef>
-                <a:spcPts val="1000"/>
-              </a:spcBef>
-              <a:spcAft>
-                <a:spcPts val="0"/>
-              </a:spcAft>
-              <a:buClr>
-                <a:schemeClr val="accent1"/>
-              </a:buClr>
-              <a:buFont typeface="Wingdings 3" charset="2"/>
-              <a:buChar char=""/>
-              <a:defRPr sz="1200" kern="1200">
-                <a:solidFill>
-                  <a:schemeClr val="tx1">
-                    <a:lumMod val="75000"/>
-                    <a:lumOff val="25000"/>
-                  </a:schemeClr>
-                </a:solidFill>
-                <a:latin typeface="+mn-lt"/>
-                <a:ea typeface="+mn-ea"/>
-                <a:cs typeface="+mn-cs"/>
-              </a:defRPr>
-            </a:lvl8pPr>
-            <a:lvl9pPr marL="3886200" indent="-228600" algn="l" defTabSz="457200" rtl="0" eaLnBrk="1" latinLnBrk="0" hangingPunct="1">
-              <a:spcBef>
-                <a:spcPts val="1000"/>
-              </a:spcBef>
-              <a:spcAft>
-                <a:spcPts val="0"/>
-              </a:spcAft>
-              <a:buClr>
-                <a:schemeClr val="accent1"/>
-              </a:buClr>
-              <a:buFont typeface="Wingdings 3" charset="2"/>
-              <a:buChar char=""/>
-              <a:defRPr sz="1200" kern="1200">
-                <a:solidFill>
-                  <a:schemeClr val="tx1">
-                    <a:lumMod val="75000"/>
-                    <a:lumOff val="25000"/>
-                  </a:schemeClr>
-                </a:solidFill>
-                <a:latin typeface="+mn-lt"/>
-                <a:ea typeface="+mn-ea"/>
-                <a:cs typeface="+mn-cs"/>
-              </a:defRPr>
-            </a:lvl9pPr>
-          </a:lstStyle>
-          <a:p>
-            <a:r>
-              <a:rPr lang="zh-CN" altLang="en-US" dirty="0" smtClean="0"/>
-              <a:t>软件测试</a:t>
-            </a:r>
-            <a:endParaRPr lang="en-US" altLang="zh-CN" dirty="0" smtClean="0"/>
-          </a:p>
-          <a:p>
-            <a:pPr lvl="1"/>
-            <a:endParaRPr lang="en-US" altLang="zh-CN" dirty="0" smtClean="0"/>
-          </a:p>
-          <a:p>
-            <a:pPr lvl="1"/>
-            <a:endParaRPr lang="en-US" altLang="zh-CN" dirty="0" smtClean="0"/>
-          </a:p>
-        </p:txBody>
-      </p:sp>
-      <p:sp>
-        <p:nvSpPr>
-          <p:cNvPr id="2" name="标题 1"/>
-          <p:cNvSpPr>
-            <a:spLocks noGrp="1"/>
-          </p:cNvSpPr>
-          <p:nvPr>
-            <p:ph type="title"/>
-          </p:nvPr>
-        </p:nvSpPr>
-        <p:spPr>
-          <a:xfrm>
-            <a:off x="1526125" y="602339"/>
-            <a:ext cx="8911687" cy="686134"/>
-          </a:xfrm>
-        </p:spPr>
-        <p:txBody>
-          <a:bodyPr/>
-          <a:lstStyle/>
-          <a:p>
-            <a:r>
-              <a:rPr lang="zh-CN" altLang="en-US" dirty="0" smtClean="0"/>
-              <a:t>软件测试</a:t>
-            </a:r>
-            <a:endParaRPr lang="zh-CN" altLang="en-US" dirty="0"/>
-          </a:p>
-        </p:txBody>
-      </p:sp>
-      <p:sp>
-        <p:nvSpPr>
-          <p:cNvPr id="4" name="Rectangle 2"/>
-          <p:cNvSpPr>
-            <a:spLocks noChangeArrowheads="1"/>
-          </p:cNvSpPr>
-          <p:nvPr/>
-        </p:nvSpPr>
-        <p:spPr bwMode="auto">
-          <a:xfrm>
-            <a:off x="5160962" y="1763485"/>
-            <a:ext cx="12192000" cy="0"/>
-          </a:xfrm>
-          <a:prstGeom prst="rect">
-            <a:avLst/>
-          </a:prstGeom>
-          <a:noFill/>
-          <a:ln>
-            <a:noFill/>
-          </a:ln>
-          <a:effectLst/>
-          <a:extLst>
-            <a:ext uri="{909E8E84-426E-40DD-AFC4-6F175D3DCCD1}">
-              <a14:hiddenFill xmlns:a14="http://schemas.microsoft.com/office/drawing/2010/main">
-                <a:solidFill>
-                  <a:schemeClr val="accent1"/>
-                </a:solidFill>
-              </a14:hiddenFill>
-            </a:ext>
-            <a:ext uri="{91240B29-F687-4F45-9708-019B960494DF}">
-              <a14:hiddenLine xmlns:a14="http://schemas.microsoft.com/office/drawing/2010/main" w="9525">
-                <a:solidFill>
-                  <a:schemeClr val="tx1"/>
-                </a:solidFill>
-                <a:miter lim="800000"/>
-                <a:headEnd/>
-                <a:tailEnd/>
-              </a14:hiddenLine>
-            </a:ext>
-            <a:ext uri="{AF507438-7753-43E0-B8FC-AC1667EBCBE1}">
-              <a14:hiddenEffects xmlns:a14="http://schemas.microsoft.com/office/drawing/2010/main">
-                <a:effectLst>
-                  <a:outerShdw dist="35921" dir="2700000" algn="ctr" rotWithShape="0">
-                    <a:schemeClr val="bg2"/>
-                  </a:outerShdw>
-                </a:effectLst>
-              </a14:hiddenEffects>
-            </a:ext>
-          </a:extLst>
-        </p:spPr>
-        <p:txBody>
-          <a:bodyPr vert="horz" wrap="square" lIns="91440" tIns="45720" rIns="91440" bIns="45720" numCol="1" anchor="ctr" anchorCtr="0" compatLnSpc="1">
-            <a:prstTxWarp prst="textNoShape">
-              <a:avLst/>
-            </a:prstTxWarp>
-            <a:spAutoFit/>
-          </a:bodyPr>
-          <a:lstStyle/>
-          <a:p>
-            <a:endParaRPr lang="zh-CN" altLang="en-US"/>
-          </a:p>
-        </p:txBody>
-      </p:sp>
-    </p:spTree>
-    <p:extLst>
-      <p:ext uri="{BB962C8B-B14F-4D97-AF65-F5344CB8AC3E}">
-        <p14:creationId xmlns:p14="http://schemas.microsoft.com/office/powerpoint/2010/main" val="1040518028"/>
       </p:ext>
     </p:extLst>
   </p:cSld>

--- a/3.项目PPT/F-测试评审-Spark-Streaming-v1.0.pptx
+++ b/3.项目PPT/F-测试评审-Spark-Streaming-v1.0.pptx
@@ -10556,7 +10556,7 @@
         <p:spPr>
           <a:xfrm>
             <a:off x="1526125" y="1647701"/>
-            <a:ext cx="8915400" cy="4992915"/>
+            <a:ext cx="4677905" cy="4992915"/>
           </a:xfrm>
           <a:prstGeom prst="rect">
             <a:avLst/>
@@ -10787,12 +10787,143 @@
           <a:p>
             <a:r>
               <a:rPr lang="zh-CN" altLang="en-US" dirty="0" smtClean="0"/>
-              <a:t>软件测试</a:t>
+              <a:t>功能需求测试</a:t>
             </a:r>
             <a:endParaRPr lang="en-US" altLang="zh-CN" dirty="0" smtClean="0"/>
           </a:p>
           <a:p>
             <a:pPr lvl="1"/>
+            <a:r>
+              <a:rPr lang="en-US" altLang="zh-CN" b="1" dirty="0" smtClean="0"/>
+              <a:t>Kafka</a:t>
+            </a:r>
+            <a:r>
+              <a:rPr lang="zh-CN" altLang="en-US" b="1" dirty="0" smtClean="0"/>
+              <a:t>的原生数据发送功能测试</a:t>
+            </a:r>
+            <a:endParaRPr lang="en-US" altLang="zh-CN" b="1" dirty="0" smtClean="0"/>
+          </a:p>
+          <a:p>
+            <a:pPr lvl="1"/>
+            <a:r>
+              <a:rPr lang="en-US" altLang="zh-CN" b="1" dirty="0" smtClean="0"/>
+              <a:t>Spark Streaming</a:t>
+            </a:r>
+            <a:r>
+              <a:rPr lang="zh-CN" altLang="en-US" b="1" dirty="0" smtClean="0"/>
+              <a:t>的数据流构建测试</a:t>
+            </a:r>
+            <a:endParaRPr lang="en-US" altLang="zh-CN" b="1" dirty="0" smtClean="0"/>
+          </a:p>
+          <a:p>
+            <a:pPr lvl="1"/>
+            <a:r>
+              <a:rPr lang="zh-CN" altLang="en-US" dirty="0"/>
+              <a:t>长</a:t>
+            </a:r>
+            <a:r>
+              <a:rPr lang="zh-CN" altLang="en-US" dirty="0" smtClean="0"/>
+              <a:t>时间容错测试</a:t>
+            </a:r>
+            <a:endParaRPr lang="en-US" altLang="zh-CN" dirty="0" smtClean="0"/>
+          </a:p>
+          <a:p>
+            <a:pPr lvl="1"/>
+            <a:r>
+              <a:rPr lang="zh-CN" altLang="en-US" dirty="0" smtClean="0"/>
+              <a:t>作业调度测试</a:t>
+            </a:r>
+            <a:endParaRPr lang="en-US" altLang="zh-CN" dirty="0" smtClean="0"/>
+          </a:p>
+          <a:p>
+            <a:pPr lvl="1"/>
+            <a:r>
+              <a:rPr lang="zh-CN" altLang="en-US" dirty="0"/>
+              <a:t>窗口</a:t>
+            </a:r>
+            <a:r>
+              <a:rPr lang="zh-CN" altLang="en-US" dirty="0" smtClean="0"/>
+              <a:t>支持测试</a:t>
+            </a:r>
+            <a:endParaRPr lang="en-US" altLang="zh-CN" dirty="0" smtClean="0"/>
+          </a:p>
+          <a:p>
+            <a:r>
+              <a:rPr lang="zh-CN" altLang="en-US" dirty="0"/>
+              <a:t>非</a:t>
+            </a:r>
+            <a:r>
+              <a:rPr lang="zh-CN" altLang="en-US" dirty="0" smtClean="0"/>
+              <a:t>功能需求测试</a:t>
+            </a:r>
+            <a:endParaRPr lang="en-US" altLang="zh-CN" dirty="0" smtClean="0"/>
+          </a:p>
+          <a:p>
+            <a:pPr lvl="1"/>
+            <a:r>
+              <a:rPr lang="zh-CN" altLang="en-US" dirty="0"/>
+              <a:t>实时</a:t>
+            </a:r>
+            <a:r>
+              <a:rPr lang="zh-CN" altLang="en-US" dirty="0" smtClean="0"/>
+              <a:t>性测试</a:t>
+            </a:r>
+            <a:endParaRPr lang="en-US" altLang="zh-CN" dirty="0" smtClean="0"/>
+          </a:p>
+          <a:p>
+            <a:pPr lvl="1"/>
+            <a:r>
+              <a:rPr lang="zh-CN" altLang="en-US" dirty="0">
+                <a:solidFill>
+                  <a:srgbClr val="FF0000"/>
+                </a:solidFill>
+              </a:rPr>
+              <a:t>可</a:t>
+            </a:r>
+            <a:r>
+              <a:rPr lang="zh-CN" altLang="en-US" dirty="0" smtClean="0">
+                <a:solidFill>
+                  <a:srgbClr val="FF0000"/>
+                </a:solidFill>
+              </a:rPr>
+              <a:t>扩展性测试</a:t>
+            </a:r>
+            <a:endParaRPr lang="en-US" altLang="zh-CN" dirty="0" smtClean="0">
+              <a:solidFill>
+                <a:srgbClr val="FF0000"/>
+              </a:solidFill>
+            </a:endParaRPr>
+          </a:p>
+          <a:p>
+            <a:pPr lvl="1"/>
+            <a:r>
+              <a:rPr lang="zh-CN" altLang="en-US" b="1" dirty="0"/>
+              <a:t>吞吐量</a:t>
+            </a:r>
+            <a:r>
+              <a:rPr lang="zh-CN" altLang="en-US" b="1" dirty="0" smtClean="0"/>
+              <a:t>测试</a:t>
+            </a:r>
+            <a:endParaRPr lang="en-US" altLang="zh-CN" b="1" dirty="0" smtClean="0"/>
+          </a:p>
+          <a:p>
+            <a:pPr lvl="1"/>
+            <a:r>
+              <a:rPr lang="zh-CN" altLang="en-US" dirty="0"/>
+              <a:t>数据持久</a:t>
+            </a:r>
+            <a:r>
+              <a:rPr lang="zh-CN" altLang="en-US" dirty="0" smtClean="0"/>
+              <a:t>化测试</a:t>
+            </a:r>
+            <a:endParaRPr lang="en-US" altLang="zh-CN" dirty="0" smtClean="0"/>
+          </a:p>
+          <a:p>
+            <a:pPr lvl="1"/>
+            <a:r>
+              <a:rPr lang="zh-CN" altLang="en-US" dirty="0" smtClean="0"/>
+              <a:t>性能调优测试</a:t>
+            </a:r>
             <a:endParaRPr lang="en-US" altLang="zh-CN" dirty="0" smtClean="0"/>
           </a:p>
           <a:p>
@@ -10889,6 +11020,309 @@
           <a:lstStyle/>
           <a:p>
             <a:endParaRPr lang="zh-CN" altLang="en-US"/>
+          </a:p>
+        </p:txBody>
+      </p:sp>
+      <p:sp>
+        <p:nvSpPr>
+          <p:cNvPr id="5" name="内容占位符 2"/>
+          <p:cNvSpPr txBox="1">
+            <a:spLocks/>
+          </p:cNvSpPr>
+          <p:nvPr/>
+        </p:nvSpPr>
+        <p:spPr>
+          <a:xfrm>
+            <a:off x="7002879" y="1647700"/>
+            <a:ext cx="4677905" cy="4992915"/>
+          </a:xfrm>
+          <a:prstGeom prst="rect">
+            <a:avLst/>
+          </a:prstGeom>
+        </p:spPr>
+        <p:txBody>
+          <a:bodyPr vert="horz" lIns="91440" tIns="45720" rIns="91440" bIns="45720" rtlCol="0">
+            <a:normAutofit/>
+          </a:bodyPr>
+          <a:lstStyle>
+            <a:lvl1pPr marL="342900" indent="-342900" algn="l" defTabSz="457200" rtl="0" eaLnBrk="1" latinLnBrk="0" hangingPunct="1">
+              <a:spcBef>
+                <a:spcPts val="1000"/>
+              </a:spcBef>
+              <a:spcAft>
+                <a:spcPts val="0"/>
+              </a:spcAft>
+              <a:buClr>
+                <a:schemeClr val="accent1"/>
+              </a:buClr>
+              <a:buFont typeface="Wingdings 3" charset="2"/>
+              <a:buChar char=""/>
+              <a:defRPr sz="1800" kern="1200">
+                <a:solidFill>
+                  <a:schemeClr val="tx1">
+                    <a:lumMod val="75000"/>
+                    <a:lumOff val="25000"/>
+                  </a:schemeClr>
+                </a:solidFill>
+                <a:latin typeface="+mn-lt"/>
+                <a:ea typeface="+mn-ea"/>
+                <a:cs typeface="+mn-cs"/>
+              </a:defRPr>
+            </a:lvl1pPr>
+            <a:lvl2pPr marL="742950" indent="-285750" algn="l" defTabSz="457200" rtl="0" eaLnBrk="1" latinLnBrk="0" hangingPunct="1">
+              <a:spcBef>
+                <a:spcPts val="1000"/>
+              </a:spcBef>
+              <a:spcAft>
+                <a:spcPts val="0"/>
+              </a:spcAft>
+              <a:buClr>
+                <a:schemeClr val="accent1"/>
+              </a:buClr>
+              <a:buFont typeface="Wingdings 3" charset="2"/>
+              <a:buChar char=""/>
+              <a:defRPr sz="1600" kern="1200">
+                <a:solidFill>
+                  <a:schemeClr val="tx1">
+                    <a:lumMod val="75000"/>
+                    <a:lumOff val="25000"/>
+                  </a:schemeClr>
+                </a:solidFill>
+                <a:latin typeface="+mn-lt"/>
+                <a:ea typeface="+mn-ea"/>
+                <a:cs typeface="+mn-cs"/>
+              </a:defRPr>
+            </a:lvl2pPr>
+            <a:lvl3pPr marL="1143000" indent="-228600" algn="l" defTabSz="457200" rtl="0" eaLnBrk="1" latinLnBrk="0" hangingPunct="1">
+              <a:spcBef>
+                <a:spcPts val="1000"/>
+              </a:spcBef>
+              <a:spcAft>
+                <a:spcPts val="0"/>
+              </a:spcAft>
+              <a:buClr>
+                <a:schemeClr val="accent1"/>
+              </a:buClr>
+              <a:buFont typeface="Wingdings 3" charset="2"/>
+              <a:buChar char=""/>
+              <a:defRPr sz="1400" kern="1200">
+                <a:solidFill>
+                  <a:schemeClr val="tx1">
+                    <a:lumMod val="75000"/>
+                    <a:lumOff val="25000"/>
+                  </a:schemeClr>
+                </a:solidFill>
+                <a:latin typeface="+mn-lt"/>
+                <a:ea typeface="+mn-ea"/>
+                <a:cs typeface="+mn-cs"/>
+              </a:defRPr>
+            </a:lvl3pPr>
+            <a:lvl4pPr marL="1600200" indent="-228600" algn="l" defTabSz="457200" rtl="0" eaLnBrk="1" latinLnBrk="0" hangingPunct="1">
+              <a:spcBef>
+                <a:spcPts val="1000"/>
+              </a:spcBef>
+              <a:spcAft>
+                <a:spcPts val="0"/>
+              </a:spcAft>
+              <a:buClr>
+                <a:schemeClr val="accent1"/>
+              </a:buClr>
+              <a:buFont typeface="Wingdings 3" charset="2"/>
+              <a:buChar char=""/>
+              <a:defRPr sz="1200" kern="1200">
+                <a:solidFill>
+                  <a:schemeClr val="tx1">
+                    <a:lumMod val="75000"/>
+                    <a:lumOff val="25000"/>
+                  </a:schemeClr>
+                </a:solidFill>
+                <a:latin typeface="+mn-lt"/>
+                <a:ea typeface="+mn-ea"/>
+                <a:cs typeface="+mn-cs"/>
+              </a:defRPr>
+            </a:lvl4pPr>
+            <a:lvl5pPr marL="2057400" indent="-228600" algn="l" defTabSz="457200" rtl="0" eaLnBrk="1" latinLnBrk="0" hangingPunct="1">
+              <a:spcBef>
+                <a:spcPts val="1000"/>
+              </a:spcBef>
+              <a:spcAft>
+                <a:spcPts val="0"/>
+              </a:spcAft>
+              <a:buClr>
+                <a:schemeClr val="accent1"/>
+              </a:buClr>
+              <a:buFont typeface="Wingdings 3" charset="2"/>
+              <a:buChar char=""/>
+              <a:defRPr sz="1200" kern="1200">
+                <a:solidFill>
+                  <a:schemeClr val="tx1">
+                    <a:lumMod val="75000"/>
+                    <a:lumOff val="25000"/>
+                  </a:schemeClr>
+                </a:solidFill>
+                <a:latin typeface="+mn-lt"/>
+                <a:ea typeface="+mn-ea"/>
+                <a:cs typeface="+mn-cs"/>
+              </a:defRPr>
+            </a:lvl5pPr>
+            <a:lvl6pPr marL="2514600" indent="-228600" algn="l" defTabSz="457200" rtl="0" eaLnBrk="1" latinLnBrk="0" hangingPunct="1">
+              <a:spcBef>
+                <a:spcPts val="1000"/>
+              </a:spcBef>
+              <a:spcAft>
+                <a:spcPts val="0"/>
+              </a:spcAft>
+              <a:buClr>
+                <a:schemeClr val="accent1"/>
+              </a:buClr>
+              <a:buFont typeface="Wingdings 3" charset="2"/>
+              <a:buChar char=""/>
+              <a:defRPr sz="1200" kern="1200">
+                <a:solidFill>
+                  <a:schemeClr val="tx1">
+                    <a:lumMod val="75000"/>
+                    <a:lumOff val="25000"/>
+                  </a:schemeClr>
+                </a:solidFill>
+                <a:latin typeface="+mn-lt"/>
+                <a:ea typeface="+mn-ea"/>
+                <a:cs typeface="+mn-cs"/>
+              </a:defRPr>
+            </a:lvl6pPr>
+            <a:lvl7pPr marL="2971800" indent="-228600" algn="l" defTabSz="457200" rtl="0" eaLnBrk="1" latinLnBrk="0" hangingPunct="1">
+              <a:spcBef>
+                <a:spcPts val="1000"/>
+              </a:spcBef>
+              <a:spcAft>
+                <a:spcPts val="0"/>
+              </a:spcAft>
+              <a:buClr>
+                <a:schemeClr val="accent1"/>
+              </a:buClr>
+              <a:buFont typeface="Wingdings 3" charset="2"/>
+              <a:buChar char=""/>
+              <a:defRPr sz="1200" kern="1200">
+                <a:solidFill>
+                  <a:schemeClr val="tx1">
+                    <a:lumMod val="75000"/>
+                    <a:lumOff val="25000"/>
+                  </a:schemeClr>
+                </a:solidFill>
+                <a:latin typeface="+mn-lt"/>
+                <a:ea typeface="+mn-ea"/>
+                <a:cs typeface="+mn-cs"/>
+              </a:defRPr>
+            </a:lvl7pPr>
+            <a:lvl8pPr marL="3429000" indent="-228600" algn="l" defTabSz="457200" rtl="0" eaLnBrk="1" latinLnBrk="0" hangingPunct="1">
+              <a:spcBef>
+                <a:spcPts val="1000"/>
+              </a:spcBef>
+              <a:spcAft>
+                <a:spcPts val="0"/>
+              </a:spcAft>
+              <a:buClr>
+                <a:schemeClr val="accent1"/>
+              </a:buClr>
+              <a:buFont typeface="Wingdings 3" charset="2"/>
+              <a:buChar char=""/>
+              <a:defRPr sz="1200" kern="1200">
+                <a:solidFill>
+                  <a:schemeClr val="tx1">
+                    <a:lumMod val="75000"/>
+                    <a:lumOff val="25000"/>
+                  </a:schemeClr>
+                </a:solidFill>
+                <a:latin typeface="+mn-lt"/>
+                <a:ea typeface="+mn-ea"/>
+                <a:cs typeface="+mn-cs"/>
+              </a:defRPr>
+            </a:lvl8pPr>
+            <a:lvl9pPr marL="3886200" indent="-228600" algn="l" defTabSz="457200" rtl="0" eaLnBrk="1" latinLnBrk="0" hangingPunct="1">
+              <a:spcBef>
+                <a:spcPts val="1000"/>
+              </a:spcBef>
+              <a:spcAft>
+                <a:spcPts val="0"/>
+              </a:spcAft>
+              <a:buClr>
+                <a:schemeClr val="accent1"/>
+              </a:buClr>
+              <a:buFont typeface="Wingdings 3" charset="2"/>
+              <a:buChar char=""/>
+              <a:defRPr sz="1200" kern="1200">
+                <a:solidFill>
+                  <a:schemeClr val="tx1">
+                    <a:lumMod val="75000"/>
+                    <a:lumOff val="25000"/>
+                  </a:schemeClr>
+                </a:solidFill>
+                <a:latin typeface="+mn-lt"/>
+                <a:ea typeface="+mn-ea"/>
+                <a:cs typeface="+mn-cs"/>
+              </a:defRPr>
+            </a:lvl9pPr>
+          </a:lstStyle>
+          <a:p>
+            <a:r>
+              <a:rPr lang="zh-CN" altLang="en-US" dirty="0" smtClean="0"/>
+              <a:t>应用的功能需求测试</a:t>
+            </a:r>
+            <a:endParaRPr lang="en-US" altLang="zh-CN" dirty="0" smtClean="0"/>
+          </a:p>
+          <a:p>
+            <a:pPr lvl="1"/>
+            <a:r>
+              <a:rPr lang="zh-CN" altLang="en-US" b="1" dirty="0" smtClean="0"/>
+              <a:t>数据源产生模块测试</a:t>
+            </a:r>
+            <a:endParaRPr lang="en-US" altLang="zh-CN" b="1" dirty="0" smtClean="0"/>
+          </a:p>
+          <a:p>
+            <a:pPr lvl="1"/>
+            <a:r>
+              <a:rPr lang="en-US" altLang="zh-CN" b="1" dirty="0" smtClean="0"/>
+              <a:t>Spark</a:t>
+            </a:r>
+            <a:r>
+              <a:rPr lang="zh-CN" altLang="en-US" b="1" dirty="0" smtClean="0"/>
+              <a:t>分类模块测试</a:t>
+            </a:r>
+            <a:endParaRPr lang="en-US" altLang="zh-CN" b="1" dirty="0" smtClean="0"/>
+          </a:p>
+          <a:p>
+            <a:pPr lvl="1"/>
+            <a:r>
+              <a:rPr lang="zh-CN" altLang="en-US" b="1" dirty="0" smtClean="0"/>
+              <a:t>数据接收模块测试</a:t>
+            </a:r>
+            <a:endParaRPr lang="en-US" altLang="zh-CN" b="1" dirty="0" smtClean="0"/>
+          </a:p>
+          <a:p>
+            <a:r>
+              <a:rPr lang="zh-CN" altLang="en-US" dirty="0" smtClean="0"/>
+              <a:t>应用的非功能需求测试</a:t>
+            </a:r>
+            <a:endParaRPr lang="en-US" altLang="zh-CN" dirty="0" smtClean="0"/>
+          </a:p>
+          <a:p>
+            <a:pPr lvl="1"/>
+            <a:r>
+              <a:rPr lang="zh-CN" altLang="en-US" b="1" dirty="0"/>
+              <a:t>分类</a:t>
+            </a:r>
+            <a:r>
+              <a:rPr lang="zh-CN" altLang="en-US" b="1" dirty="0" smtClean="0"/>
+              <a:t>速度测试</a:t>
+            </a:r>
+            <a:endParaRPr lang="en-US" altLang="zh-CN" b="1" dirty="0" smtClean="0"/>
+          </a:p>
+          <a:p>
+            <a:pPr lvl="1"/>
+            <a:endParaRPr lang="en-US" altLang="zh-CN" dirty="0" smtClean="0"/>
+          </a:p>
+          <a:p>
+            <a:pPr lvl="1"/>
+            <a:endParaRPr lang="en-US" altLang="zh-CN" dirty="0" smtClean="0"/>
           </a:p>
         </p:txBody>
       </p:sp>
@@ -17972,7 +18406,6 @@
               <a:rPr lang="en-US" altLang="zh-CN" dirty="0" smtClean="0"/>
               <a:t>       </a:t>
             </a:r>
-            <a:endParaRPr lang="en-US" altLang="zh-CN" dirty="0" smtClean="0"/>
           </a:p>
         </p:txBody>
       </p:sp>
